--- a/doc/AI Anti-phishing.pptx
+++ b/doc/AI Anti-phishing.pptx
@@ -477,6 +477,102 @@
     </a:lvl9pPr>
   </p:notesStyle>
 </p:notesMaster>
+</file>
+
+<file path=ppt/notesSlides/notesSlide1.xml><?xml version="1.0" encoding="utf-8"?>
+<p:notes xmlns:a="http://schemas.openxmlformats.org/drawingml/2006/main" xmlns:r="http://schemas.openxmlformats.org/officeDocument/2006/relationships" xmlns:p="http://schemas.openxmlformats.org/presentationml/2006/main">
+  <p:cSld>
+    <p:spTree>
+      <p:nvGrpSpPr>
+        <p:cNvPr id="1" name=""/>
+        <p:cNvGrpSpPr/>
+        <p:nvPr/>
+      </p:nvGrpSpPr>
+      <p:grpSpPr>
+        <a:xfrm>
+          <a:off x="0" y="0"/>
+          <a:ext cx="0" cy="0"/>
+          <a:chOff x="0" y="0"/>
+          <a:chExt cx="0" cy="0"/>
+        </a:xfrm>
+      </p:grpSpPr>
+      <p:sp>
+        <p:nvSpPr>
+          <p:cNvPr id="2" name="幻灯片图像占位符 1"/>
+          <p:cNvSpPr>
+            <a:spLocks noGrp="1" noRot="1" noChangeAspect="1"/>
+          </p:cNvSpPr>
+          <p:nvPr>
+            <p:ph type="sldImg"/>
+          </p:nvPr>
+        </p:nvSpPr>
+        <p:spPr/>
+      </p:sp>
+      <p:sp>
+        <p:nvSpPr>
+          <p:cNvPr id="3" name="备注占位符 2"/>
+          <p:cNvSpPr>
+            <a:spLocks noGrp="1"/>
+          </p:cNvSpPr>
+          <p:nvPr>
+            <p:ph type="body" idx="1"/>
+          </p:nvPr>
+        </p:nvSpPr>
+        <p:spPr/>
+        <p:txBody>
+          <a:bodyPr/>
+          <a:lstStyle/>
+          <a:p>
+            <a:r>
+              <a:rPr kumimoji="1" lang="en-US" altLang="zh-CN" dirty="0"/>
+              <a:t>Phishing URL Detection Through Top-Level Domain Analysis- A Descriptive Approach</a:t>
+            </a:r>
+          </a:p>
+          <a:p>
+            <a:r>
+              <a:rPr kumimoji="1" lang="en-US" altLang="zh-CN"/>
+              <a:t>PHISHGAN- DATA AUGMENTATION AND IDENTIFICATION OF HOMOGLPYH ATTACKS</a:t>
+            </a:r>
+          </a:p>
+          <a:p>
+            <a:endParaRPr kumimoji="1" lang="zh-CN" altLang="en-US"/>
+          </a:p>
+        </p:txBody>
+      </p:sp>
+      <p:sp>
+        <p:nvSpPr>
+          <p:cNvPr id="4" name="幻灯片编号占位符 3"/>
+          <p:cNvSpPr>
+            <a:spLocks noGrp="1"/>
+          </p:cNvSpPr>
+          <p:nvPr>
+            <p:ph type="sldNum" sz="quarter" idx="10"/>
+          </p:nvPr>
+        </p:nvSpPr>
+        <p:spPr/>
+        <p:txBody>
+          <a:bodyPr/>
+          <a:lstStyle/>
+          <a:p>
+            <a:fld id="{8DD47087-9B73-FF43-B256-68CAC134E4BE}" type="slidenum">
+              <a:rPr kumimoji="1" lang="zh-CN" altLang="en-US" smtClean="0"/>
+              <a:t>12</a:t>
+            </a:fld>
+            <a:endParaRPr kumimoji="1" lang="zh-CN" altLang="en-US"/>
+          </a:p>
+        </p:txBody>
+      </p:sp>
+    </p:spTree>
+    <p:extLst>
+      <p:ext uri="{BB962C8B-B14F-4D97-AF65-F5344CB8AC3E}">
+        <p14:creationId xmlns:p14="http://schemas.microsoft.com/office/powerpoint/2010/main" val="641619829"/>
+      </p:ext>
+    </p:extLst>
+  </p:cSld>
+  <p:clrMapOvr>
+    <a:masterClrMapping/>
+  </p:clrMapOvr>
+</p:notes>
 </file>
 
 <file path=ppt/slideLayouts/slideLayout1.xml><?xml version="1.0" encoding="utf-8"?>
@@ -3501,10 +3597,6 @@
               <a:rPr lang="en-US" altLang="zh-CN" dirty="0" err="1"/>
               <a:t>result.nexamples</a:t>
             </a:r>
-            <a:r>
-              <a:rPr lang="en-US" altLang="zh-CN" dirty="0"/>
-              <a:t/>
-            </a:r>
             <a:br>
               <a:rPr lang="en-US" altLang="zh-CN" dirty="0"/>
             </a:br>
@@ -3728,14 +3820,94 @@
             </a:r>
             <a:r>
               <a:rPr lang="en-US" altLang="zh-CN" dirty="0"/>
-              <a:t> attack </a:t>
-            </a:r>
-          </a:p>
-          <a:p>
+              <a:t> attack  Homograph spoofing ,</a:t>
+            </a:r>
+            <a:r>
+              <a:rPr lang="en-US" altLang="zh-CN" dirty="0" err="1"/>
+              <a:t>Typosquatting</a:t>
+            </a:r>
+            <a:r>
+              <a:rPr lang="en-US" altLang="zh-CN" dirty="0"/>
+              <a:t> ,</a:t>
+            </a:r>
+            <a:r>
+              <a:rPr lang="en-US" altLang="zh-CN" dirty="0" err="1"/>
+              <a:t>Soundsquatting</a:t>
+            </a:r>
+            <a:r>
+              <a:rPr lang="en-US" altLang="zh-CN" dirty="0"/>
+              <a:t> ,</a:t>
+            </a:r>
+            <a:r>
+              <a:rPr lang="en-US" altLang="zh-CN" dirty="0" err="1"/>
+              <a:t>Combosquatting</a:t>
+            </a:r>
+            <a:r>
+              <a:rPr lang="en-US" altLang="zh-CN" dirty="0"/>
+              <a:t> </a:t>
+            </a:r>
+            <a:r>
+              <a:rPr lang="zh-CN" altLang="en-US" dirty="0"/>
+              <a:t>。</a:t>
+            </a:r>
+            <a:endParaRPr lang="en-US" altLang="zh-CN" dirty="0"/>
+          </a:p>
+          <a:p>
+            <a:r>
+              <a:rPr lang="en-US" altLang="zh-CN" dirty="0"/>
+              <a:t>URL Obfuscation</a:t>
+            </a:r>
+          </a:p>
+          <a:p>
+            <a:r>
+              <a:rPr lang="en-US" altLang="zh-CN" dirty="0"/>
+              <a:t>CSS Similarity. </a:t>
+            </a:r>
+          </a:p>
+          <a:p>
+            <a:endParaRPr kumimoji="1" lang="en-US" altLang="zh-CN" dirty="0"/>
+          </a:p>
+          <a:p>
+            <a:r>
+              <a:rPr lang="en-US" altLang="zh-CN" dirty="0" err="1"/>
+              <a:t>ld</a:t>
+            </a:r>
+            <a:r>
+              <a:rPr lang="en-US" altLang="zh-CN" dirty="0"/>
+              <a:t>(”f </a:t>
+            </a:r>
+            <a:r>
+              <a:rPr lang="en-US" altLang="zh-CN" dirty="0" err="1"/>
+              <a:t>acebook.com</a:t>
+            </a:r>
+            <a:r>
+              <a:rPr lang="en-US" altLang="zh-CN" dirty="0"/>
+              <a:t>”, ”f ace4book.com”) = 1 </a:t>
+            </a:r>
+          </a:p>
+          <a:p>
+            <a:r>
+              <a:rPr lang="en-US" altLang="zh-CN" dirty="0" err="1"/>
+              <a:t>ld</a:t>
+            </a:r>
+            <a:r>
+              <a:rPr lang="en-US" altLang="zh-CN" dirty="0"/>
+              <a:t>(”f </a:t>
+            </a:r>
+            <a:r>
+              <a:rPr lang="en-US" altLang="zh-CN" dirty="0" err="1"/>
+              <a:t>acebook.com</a:t>
+            </a:r>
+            <a:r>
+              <a:rPr lang="en-US" altLang="zh-CN" dirty="0"/>
+              <a:t>”, ”f aceb0ok.com”) = </a:t>
+            </a:r>
             <a:r>
               <a:rPr lang="en-US" altLang="zh-CN"/>
-              <a:t>URL Obfuscation </a:t>
-            </a:r>
+              <a:t>1 </a:t>
+            </a:r>
+          </a:p>
+          <a:p>
             <a:endParaRPr kumimoji="1" lang="en-US" altLang="zh-CN" dirty="0"/>
           </a:p>
           <a:p>
@@ -3818,18 +3990,9 @@
           </a:p>
           <a:p>
             <a:r>
-              <a:rPr kumimoji="1" lang="en-US" altLang="zh-CN" dirty="0" smtClean="0"/>
-              <a:t>Corpus</a:t>
-            </a:r>
-            <a:r>
-              <a:rPr kumimoji="1" lang="zh-CN" altLang="en-US" dirty="0" smtClean="0"/>
-              <a:t> </a:t>
-            </a:r>
-            <a:r>
-              <a:rPr kumimoji="1" lang="en-US" altLang="zh-CN" smtClean="0"/>
-              <a:t>get and clean</a:t>
-            </a:r>
-            <a:endParaRPr kumimoji="1" lang="en-US" altLang="zh-CN" dirty="0"/>
+              <a:rPr kumimoji="1" lang="en-US" altLang="zh-CN" dirty="0"/>
+              <a:t>Acquisition and cleaning of corpus</a:t>
+            </a:r>
           </a:p>
           <a:p>
             <a:r>
@@ -3840,7 +4003,7 @@
           <a:p>
             <a:r>
               <a:rPr kumimoji="1" lang="en-US" altLang="zh-CN" dirty="0"/>
-              <a:t>Adversarial</a:t>
+              <a:t>The fight against malicious websites</a:t>
             </a:r>
           </a:p>
         </p:txBody>
@@ -4048,6 +4211,12 @@
           <a:p>
             <a:r>
               <a:rPr kumimoji="1" lang="en-US" altLang="zh-CN" dirty="0"/>
+              <a:t>Finish more models</a:t>
+            </a:r>
+          </a:p>
+          <a:p>
+            <a:r>
+              <a:rPr kumimoji="1" lang="en-US" altLang="zh-CN" dirty="0"/>
               <a:t>Ensemble method</a:t>
             </a:r>
           </a:p>
@@ -4105,7 +4274,7 @@
           <a:lstStyle/>
           <a:p>
             <a:r>
-              <a:rPr kumimoji="1" lang="en-US" altLang="zh-CN" dirty="0" smtClean="0"/>
+              <a:rPr kumimoji="1" lang="en-US" altLang="zh-CN" dirty="0"/>
               <a:t>Thanks</a:t>
             </a:r>
             <a:endParaRPr kumimoji="1" lang="zh-CN" altLang="en-US" dirty="0"/>
@@ -4131,21 +4300,15 @@
               <a:rPr kumimoji="1" lang="en-US" altLang="zh-CN" dirty="0">
                 <a:hlinkClick r:id="rId2"/>
               </a:rPr>
-              <a:t>https://</a:t>
-            </a:r>
-            <a:r>
-              <a:rPr kumimoji="1" lang="en-US" altLang="zh-CN" dirty="0" smtClean="0">
-                <a:hlinkClick r:id="rId2"/>
-              </a:rPr>
-              <a:t>github.com/yuanlida</a:t>
-            </a:r>
-            <a:r>
-              <a:rPr kumimoji="1" lang="en-US" altLang="zh-CN" smtClean="0">
+              <a:t>https://github.com/yuanlida</a:t>
+            </a:r>
+            <a:r>
+              <a:rPr kumimoji="1" lang="en-US" altLang="zh-CN">
                 <a:hlinkClick r:id="rId2"/>
               </a:rPr>
               <a:t>/anti-phishing</a:t>
             </a:r>
-            <a:endParaRPr kumimoji="1" lang="en-US" altLang="zh-CN" smtClean="0"/>
+            <a:endParaRPr kumimoji="1" lang="en-US" altLang="zh-CN"/>
           </a:p>
           <a:p>
             <a:endParaRPr kumimoji="1" lang="zh-CN" altLang="en-US"/>
@@ -4874,10 +5037,6 @@
               <a:rPr lang="en-US" altLang="zh-CN" dirty="0" err="1"/>
               <a:t>Url</a:t>
             </a:r>
-            <a:r>
-              <a:rPr lang="en-US" altLang="zh-CN" dirty="0"/>
-              <a:t/>
-            </a:r>
             <a:br>
               <a:rPr lang="en-US" altLang="zh-CN" dirty="0"/>
             </a:br>
@@ -4917,10 +5076,6 @@
             <a:br>
               <a:rPr lang="en-US" altLang="zh-CN" dirty="0"/>
             </a:br>
-            <a:r>
-              <a:rPr lang="en-US" altLang="zh-CN" dirty="0"/>
-              <a:t/>
-            </a:r>
             <a:br>
               <a:rPr lang="en-US" altLang="zh-CN" dirty="0"/>
             </a:br>
@@ -5008,10 +5163,6 @@
             <a:br>
               <a:rPr lang="en-US" altLang="zh-CN" dirty="0"/>
             </a:br>
-            <a:r>
-              <a:rPr lang="en-US" altLang="zh-CN" dirty="0"/>
-              <a:t/>
-            </a:r>
             <a:br>
               <a:rPr lang="en-US" altLang="zh-CN" dirty="0"/>
             </a:br>
@@ -5043,10 +5194,6 @@
             <a:br>
               <a:rPr lang="en-US" altLang="zh-CN" dirty="0"/>
             </a:br>
-            <a:r>
-              <a:rPr lang="en-US" altLang="zh-CN" dirty="0"/>
-              <a:t/>
-            </a:r>
             <a:br>
               <a:rPr lang="en-US" altLang="zh-CN" dirty="0"/>
             </a:br>

--- a/doc/AI Anti-phishing.pptx
+++ b/doc/AI Anti-phishing.pptx
@@ -5,25 +5,26 @@
     <p:sldMasterId id="2147483648" r:id="rId1"/>
   </p:sldMasterIdLst>
   <p:notesMasterIdLst>
-    <p:notesMasterId r:id="rId18"/>
+    <p:notesMasterId r:id="rId19"/>
   </p:notesMasterIdLst>
   <p:sldIdLst>
     <p:sldId id="256" r:id="rId2"/>
     <p:sldId id="257" r:id="rId3"/>
     <p:sldId id="258" r:id="rId4"/>
-    <p:sldId id="259" r:id="rId5"/>
-    <p:sldId id="266" r:id="rId6"/>
-    <p:sldId id="260" r:id="rId7"/>
-    <p:sldId id="269" r:id="rId8"/>
-    <p:sldId id="261" r:id="rId9"/>
-    <p:sldId id="268" r:id="rId10"/>
-    <p:sldId id="262" r:id="rId11"/>
-    <p:sldId id="270" r:id="rId12"/>
-    <p:sldId id="263" r:id="rId13"/>
-    <p:sldId id="264" r:id="rId14"/>
-    <p:sldId id="265" r:id="rId15"/>
-    <p:sldId id="267" r:id="rId16"/>
-    <p:sldId id="271" r:id="rId17"/>
+    <p:sldId id="272" r:id="rId5"/>
+    <p:sldId id="259" r:id="rId6"/>
+    <p:sldId id="266" r:id="rId7"/>
+    <p:sldId id="260" r:id="rId8"/>
+    <p:sldId id="269" r:id="rId9"/>
+    <p:sldId id="261" r:id="rId10"/>
+    <p:sldId id="268" r:id="rId11"/>
+    <p:sldId id="262" r:id="rId12"/>
+    <p:sldId id="270" r:id="rId13"/>
+    <p:sldId id="263" r:id="rId14"/>
+    <p:sldId id="264" r:id="rId15"/>
+    <p:sldId id="265" r:id="rId16"/>
+    <p:sldId id="267" r:id="rId17"/>
+    <p:sldId id="271" r:id="rId18"/>
   </p:sldIdLst>
   <p:sldSz cx="12192000" cy="6858000"/>
   <p:notesSz cx="6858000" cy="9144000"/>
@@ -212,7 +213,7 @@
           <a:p>
             <a:fld id="{7553DD64-06AD-E64A-8098-BD51A3D5F647}" type="datetimeFigureOut">
               <a:rPr kumimoji="1" lang="zh-CN" altLang="en-US" smtClean="0"/>
-              <a:t>2020/8/20</a:t>
+              <a:t>2020/8/26</a:t>
             </a:fld>
             <a:endParaRPr kumimoji="1" lang="zh-CN" altLang="en-US"/>
           </a:p>
@@ -556,7 +557,7 @@
           <a:p>
             <a:fld id="{8DD47087-9B73-FF43-B256-68CAC134E4BE}" type="slidenum">
               <a:rPr kumimoji="1" lang="zh-CN" altLang="en-US" smtClean="0"/>
-              <a:t>12</a:t>
+              <a:t>13</a:t>
             </a:fld>
             <a:endParaRPr kumimoji="1" lang="zh-CN" altLang="en-US"/>
           </a:p>
@@ -704,7 +705,7 @@
           <a:p>
             <a:fld id="{AE1A547C-B457-A943-8000-9FA1EC6330E8}" type="datetimeFigureOut">
               <a:rPr kumimoji="1" lang="zh-CN" altLang="en-US" smtClean="0"/>
-              <a:t>2020/8/20</a:t>
+              <a:t>2020/8/26</a:t>
             </a:fld>
             <a:endParaRPr kumimoji="1" lang="zh-CN" altLang="en-US"/>
           </a:p>
@@ -872,7 +873,7 @@
           <a:p>
             <a:fld id="{AE1A547C-B457-A943-8000-9FA1EC6330E8}" type="datetimeFigureOut">
               <a:rPr kumimoji="1" lang="zh-CN" altLang="en-US" smtClean="0"/>
-              <a:t>2020/8/20</a:t>
+              <a:t>2020/8/26</a:t>
             </a:fld>
             <a:endParaRPr kumimoji="1" lang="zh-CN" altLang="en-US"/>
           </a:p>
@@ -1050,7 +1051,7 @@
           <a:p>
             <a:fld id="{AE1A547C-B457-A943-8000-9FA1EC6330E8}" type="datetimeFigureOut">
               <a:rPr kumimoji="1" lang="zh-CN" altLang="en-US" smtClean="0"/>
-              <a:t>2020/8/20</a:t>
+              <a:t>2020/8/26</a:t>
             </a:fld>
             <a:endParaRPr kumimoji="1" lang="zh-CN" altLang="en-US"/>
           </a:p>
@@ -1218,7 +1219,7 @@
           <a:p>
             <a:fld id="{AE1A547C-B457-A943-8000-9FA1EC6330E8}" type="datetimeFigureOut">
               <a:rPr kumimoji="1" lang="zh-CN" altLang="en-US" smtClean="0"/>
-              <a:t>2020/8/20</a:t>
+              <a:t>2020/8/26</a:t>
             </a:fld>
             <a:endParaRPr kumimoji="1" lang="zh-CN" altLang="en-US"/>
           </a:p>
@@ -1463,7 +1464,7 @@
           <a:p>
             <a:fld id="{AE1A547C-B457-A943-8000-9FA1EC6330E8}" type="datetimeFigureOut">
               <a:rPr kumimoji="1" lang="zh-CN" altLang="en-US" smtClean="0"/>
-              <a:t>2020/8/20</a:t>
+              <a:t>2020/8/26</a:t>
             </a:fld>
             <a:endParaRPr kumimoji="1" lang="zh-CN" altLang="en-US"/>
           </a:p>
@@ -1692,7 +1693,7 @@
           <a:p>
             <a:fld id="{AE1A547C-B457-A943-8000-9FA1EC6330E8}" type="datetimeFigureOut">
               <a:rPr kumimoji="1" lang="zh-CN" altLang="en-US" smtClean="0"/>
-              <a:t>2020/8/20</a:t>
+              <a:t>2020/8/26</a:t>
             </a:fld>
             <a:endParaRPr kumimoji="1" lang="zh-CN" altLang="en-US"/>
           </a:p>
@@ -2056,7 +2057,7 @@
           <a:p>
             <a:fld id="{AE1A547C-B457-A943-8000-9FA1EC6330E8}" type="datetimeFigureOut">
               <a:rPr kumimoji="1" lang="zh-CN" altLang="en-US" smtClean="0"/>
-              <a:t>2020/8/20</a:t>
+              <a:t>2020/8/26</a:t>
             </a:fld>
             <a:endParaRPr kumimoji="1" lang="zh-CN" altLang="en-US"/>
           </a:p>
@@ -2173,7 +2174,7 @@
           <a:p>
             <a:fld id="{AE1A547C-B457-A943-8000-9FA1EC6330E8}" type="datetimeFigureOut">
               <a:rPr kumimoji="1" lang="zh-CN" altLang="en-US" smtClean="0"/>
-              <a:t>2020/8/20</a:t>
+              <a:t>2020/8/26</a:t>
             </a:fld>
             <a:endParaRPr kumimoji="1" lang="zh-CN" altLang="en-US"/>
           </a:p>
@@ -2268,7 +2269,7 @@
           <a:p>
             <a:fld id="{AE1A547C-B457-A943-8000-9FA1EC6330E8}" type="datetimeFigureOut">
               <a:rPr kumimoji="1" lang="zh-CN" altLang="en-US" smtClean="0"/>
-              <a:t>2020/8/20</a:t>
+              <a:t>2020/8/26</a:t>
             </a:fld>
             <a:endParaRPr kumimoji="1" lang="zh-CN" altLang="en-US"/>
           </a:p>
@@ -2543,7 +2544,7 @@
           <a:p>
             <a:fld id="{AE1A547C-B457-A943-8000-9FA1EC6330E8}" type="datetimeFigureOut">
               <a:rPr kumimoji="1" lang="zh-CN" altLang="en-US" smtClean="0"/>
-              <a:t>2020/8/20</a:t>
+              <a:t>2020/8/26</a:t>
             </a:fld>
             <a:endParaRPr kumimoji="1" lang="zh-CN" altLang="en-US"/>
           </a:p>
@@ -2795,7 +2796,7 @@
           <a:p>
             <a:fld id="{AE1A547C-B457-A943-8000-9FA1EC6330E8}" type="datetimeFigureOut">
               <a:rPr kumimoji="1" lang="zh-CN" altLang="en-US" smtClean="0"/>
-              <a:t>2020/8/20</a:t>
+              <a:t>2020/8/26</a:t>
             </a:fld>
             <a:endParaRPr kumimoji="1" lang="zh-CN" altLang="en-US"/>
           </a:p>
@@ -3006,7 +3007,7 @@
           <a:p>
             <a:fld id="{AE1A547C-B457-A943-8000-9FA1EC6330E8}" type="datetimeFigureOut">
               <a:rPr kumimoji="1" lang="zh-CN" altLang="en-US" smtClean="0"/>
-              <a:t>2020/8/20</a:t>
+              <a:t>2020/8/26</a:t>
             </a:fld>
             <a:endParaRPr kumimoji="1" lang="zh-CN" altLang="en-US"/>
           </a:p>
@@ -3512,7 +3513,7 @@
           <a:p>
             <a:r>
               <a:rPr kumimoji="1" lang="en-US" altLang="zh-CN" dirty="0"/>
-              <a:t>Email Contents</a:t>
+              <a:t>HTML Structure</a:t>
             </a:r>
             <a:endParaRPr kumimoji="1" lang="zh-CN" altLang="en-US" dirty="0"/>
           </a:p>
@@ -3530,84 +3531,74 @@
         </p:nvSpPr>
         <p:spPr/>
         <p:txBody>
-          <a:bodyPr>
-            <a:normAutofit/>
-          </a:bodyPr>
-          <a:lstStyle/>
-          <a:p>
-            <a:r>
-              <a:rPr kumimoji="1" lang="en-US" altLang="zh-CN" dirty="0"/>
-              <a:t>without header </a:t>
+          <a:bodyPr/>
+          <a:lstStyle/>
+          <a:p>
+            <a:r>
+              <a:rPr kumimoji="1" lang="en-US" altLang="zh-CN" dirty="0"/>
+              <a:t>LR:</a:t>
             </a:r>
             <a:r>
               <a:rPr lang="cs-CZ" altLang="zh-CN" dirty="0"/>
-              <a:t>(0.9720524017467249, 0.9720524017467249, 1145)</a:t>
-            </a:r>
-          </a:p>
-          <a:p>
-            <a:r>
-              <a:rPr kumimoji="1" lang="cs-CZ" altLang="zh-CN" dirty="0" err="1"/>
-              <a:t>with</a:t>
-            </a:r>
+              <a:t> 0.8411214953271028</a:t>
+            </a:r>
+          </a:p>
+          <a:p>
             <a:r>
               <a:rPr kumimoji="1" lang="cs-CZ" altLang="zh-CN" dirty="0"/>
-              <a:t> </a:t>
-            </a:r>
-            <a:r>
-              <a:rPr kumimoji="1" lang="cs-CZ" altLang="zh-CN" dirty="0" err="1"/>
-              <a:t>header</a:t>
-            </a:r>
-            <a:r>
-              <a:rPr kumimoji="1" lang="cs-CZ" altLang="zh-CN" dirty="0"/>
-              <a:t> </a:t>
+              <a:t>XGBOOST:</a:t>
             </a:r>
             <a:r>
               <a:rPr lang="is-IS" altLang="zh-CN" dirty="0"/>
-              <a:t>(0.9967284623773174, 0.9967284623773174, 917)</a:t>
-            </a:r>
-          </a:p>
-          <a:p>
-            <a:r>
-              <a:rPr kumimoji="1" lang="en-US" altLang="zh-CN" dirty="0"/>
-              <a:t>combined model</a:t>
+              <a:t> 0.9472414832680133</a:t>
+            </a:r>
+          </a:p>
+          <a:p>
+            <a:r>
+              <a:rPr kumimoji="1" lang="is-IS" altLang="zh-CN" dirty="0"/>
+              <a:t>ADABOOST:</a:t>
+            </a:r>
+            <a:r>
+              <a:rPr lang="tr-TR" altLang="zh-CN" dirty="0"/>
+              <a:t> 0.9104612601748568</a:t>
+            </a:r>
+          </a:p>
+          <a:p>
+            <a:r>
+              <a:rPr kumimoji="1" lang="tr-TR" altLang="zh-CN" dirty="0"/>
+              <a:t>SVM:</a:t>
+            </a:r>
+            <a:r>
+              <a:rPr lang="pt-BR" altLang="zh-CN" dirty="0"/>
+              <a:t> 0.5604461863129334</a:t>
+            </a:r>
+          </a:p>
+          <a:p>
+            <a:r>
+              <a:rPr kumimoji="1" lang="pt-BR" altLang="zh-CN" dirty="0" err="1"/>
+              <a:t>RandomForest</a:t>
+            </a:r>
+            <a:r>
+              <a:rPr kumimoji="1" lang="pt-BR" altLang="zh-CN" dirty="0"/>
+              <a:t>:</a:t>
             </a:r>
             <a:r>
               <a:rPr lang="is-IS" altLang="zh-CN" dirty="0"/>
-              <a:t> (0.9830261881668283, 0.9830261881668283, 2062)</a:t>
-            </a:r>
-          </a:p>
-          <a:p>
-            <a:r>
-              <a:rPr lang="en-US" altLang="zh-CN" dirty="0" err="1"/>
-              <a:t>result.precision</a:t>
-            </a:r>
-            <a:r>
-              <a:rPr lang="en-US" altLang="zh-CN" dirty="0"/>
-              <a:t>, </a:t>
-            </a:r>
-            <a:r>
-              <a:rPr lang="en-US" altLang="zh-CN" dirty="0" err="1"/>
-              <a:t>result.recall</a:t>
-            </a:r>
-            <a:r>
-              <a:rPr lang="en-US" altLang="zh-CN" dirty="0"/>
-              <a:t>, </a:t>
-            </a:r>
-            <a:r>
-              <a:rPr lang="en-US" altLang="zh-CN" dirty="0" err="1"/>
-              <a:t>result.nexamples</a:t>
-            </a:r>
-            <a:br>
-              <a:rPr lang="en-US" altLang="zh-CN" dirty="0"/>
-            </a:br>
-            <a:endParaRPr kumimoji="1" lang="en-US" altLang="zh-CN" dirty="0"/>
+              <a:t> 0.9710581851070245</a:t>
+            </a:r>
+          </a:p>
+          <a:p>
+            <a:r>
+              <a:rPr lang="is-IS" altLang="zh-CN" dirty="0"/>
+              <a:t>DesicionTree: 0.9469400060295448</a:t>
+            </a:r>
           </a:p>
         </p:txBody>
       </p:sp>
     </p:spTree>
     <p:extLst>
       <p:ext uri="{BB962C8B-B14F-4D97-AF65-F5344CB8AC3E}">
-        <p14:creationId xmlns:p14="http://schemas.microsoft.com/office/powerpoint/2010/main" val="535785219"/>
+        <p14:creationId xmlns:p14="http://schemas.microsoft.com/office/powerpoint/2010/main" val="1658410777"/>
       </p:ext>
     </p:extLst>
   </p:cSld>
@@ -3651,7 +3642,7 @@
           <a:p>
             <a:r>
               <a:rPr kumimoji="1" lang="en-US" altLang="zh-CN" dirty="0"/>
-              <a:t>Fraudulent</a:t>
+              <a:t>Email Contents</a:t>
             </a:r>
             <a:endParaRPr kumimoji="1" lang="zh-CN" altLang="en-US" dirty="0"/>
           </a:p>
@@ -3669,80 +3660,88 @@
         </p:nvSpPr>
         <p:spPr/>
         <p:txBody>
-          <a:bodyPr/>
-          <a:lstStyle/>
-          <a:p>
-            <a:r>
-              <a:rPr kumimoji="1" lang="en-US" altLang="zh-CN" dirty="0"/>
-              <a:t>BERT failure</a:t>
-            </a:r>
-          </a:p>
-          <a:p>
-            <a:r>
-              <a:rPr kumimoji="1" lang="en-US" altLang="zh-CN" dirty="0"/>
-              <a:t>ELMO failure</a:t>
-            </a:r>
-          </a:p>
-          <a:p>
-            <a:r>
-              <a:rPr kumimoji="1" lang="en-US" altLang="zh-CN" dirty="0"/>
-              <a:t>Features</a:t>
-            </a:r>
-          </a:p>
-          <a:p>
-            <a:pPr lvl="1"/>
-            <a:r>
-              <a:rPr lang="en-US" altLang="zh-CN" dirty="0"/>
-              <a:t>Gradient Boosting:</a:t>
-            </a:r>
-            <a:r>
-              <a:rPr lang="hr-HR" altLang="zh-CN" dirty="0"/>
-              <a:t> 0.9833333333333333</a:t>
-            </a:r>
-          </a:p>
-          <a:p>
-            <a:pPr lvl="1"/>
-            <a:r>
-              <a:rPr kumimoji="1" lang="hr-HR" altLang="zh-CN" dirty="0" err="1"/>
-              <a:t>RandomTree</a:t>
-            </a:r>
-            <a:r>
-              <a:rPr kumimoji="1" lang="hr-HR" altLang="zh-CN" dirty="0"/>
-              <a:t>:</a:t>
-            </a:r>
-            <a:r>
-              <a:rPr lang="hr-HR" altLang="zh-CN" dirty="0"/>
-              <a:t> 0.9883333333333333</a:t>
-            </a:r>
-          </a:p>
-          <a:p>
-            <a:pPr lvl="1"/>
-            <a:r>
-              <a:rPr kumimoji="1" lang="hr-HR" altLang="zh-CN" dirty="0"/>
-              <a:t>SVM:</a:t>
-            </a:r>
-            <a:r>
-              <a:rPr lang="hr-HR" altLang="zh-CN" dirty="0"/>
-              <a:t> 0.8866666666666667</a:t>
-            </a:r>
-          </a:p>
-          <a:p>
-            <a:pPr lvl="1"/>
-            <a:r>
-              <a:rPr kumimoji="1" lang="hr-HR" altLang="zh-CN" dirty="0"/>
-              <a:t>LR:</a:t>
-            </a:r>
-            <a:r>
-              <a:rPr lang="hr-HR" altLang="zh-CN" dirty="0"/>
-              <a:t> 0.99</a:t>
-            </a:r>
+          <a:bodyPr>
+            <a:normAutofit/>
+          </a:bodyPr>
+          <a:lstStyle/>
+          <a:p>
+            <a:r>
+              <a:rPr kumimoji="1" lang="en-US" altLang="zh-CN" dirty="0"/>
+              <a:t>without header </a:t>
+            </a:r>
+            <a:r>
+              <a:rPr lang="cs-CZ" altLang="zh-CN" dirty="0"/>
+              <a:t>(0.9720524017467249, 0.9720524017467249, 1145)</a:t>
+            </a:r>
+          </a:p>
+          <a:p>
+            <a:r>
+              <a:rPr kumimoji="1" lang="cs-CZ" altLang="zh-CN" dirty="0" err="1"/>
+              <a:t>with</a:t>
+            </a:r>
+            <a:r>
+              <a:rPr kumimoji="1" lang="cs-CZ" altLang="zh-CN" dirty="0"/>
+              <a:t> </a:t>
+            </a:r>
+            <a:r>
+              <a:rPr kumimoji="1" lang="cs-CZ" altLang="zh-CN" dirty="0" err="1"/>
+              <a:t>header</a:t>
+            </a:r>
+            <a:r>
+              <a:rPr kumimoji="1" lang="cs-CZ" altLang="zh-CN" dirty="0"/>
+              <a:t> </a:t>
+            </a:r>
+            <a:r>
+              <a:rPr lang="is-IS" altLang="zh-CN" dirty="0"/>
+              <a:t>(0.9967284623773174, 0.9967284623773174, 917)</a:t>
+            </a:r>
+          </a:p>
+          <a:p>
+            <a:r>
+              <a:rPr kumimoji="1" lang="en-US" altLang="zh-CN" dirty="0"/>
+              <a:t>combined model</a:t>
+            </a:r>
+            <a:r>
+              <a:rPr lang="is-IS" altLang="zh-CN" dirty="0"/>
+              <a:t> (0.9830261881668283, 0.9830261881668283, 2062)</a:t>
+            </a:r>
+          </a:p>
+          <a:p>
+            <a:r>
+              <a:rPr lang="en-US" altLang="zh-CN" dirty="0" err="1"/>
+              <a:t>result.precision</a:t>
+            </a:r>
+            <a:r>
+              <a:rPr lang="en-US" altLang="zh-CN" dirty="0"/>
+              <a:t>, </a:t>
+            </a:r>
+            <a:r>
+              <a:rPr lang="en-US" altLang="zh-CN" dirty="0" err="1"/>
+              <a:t>result.recall</a:t>
+            </a:r>
+            <a:r>
+              <a:rPr lang="en-US" altLang="zh-CN" dirty="0"/>
+              <a:t>, </a:t>
+            </a:r>
+            <a:r>
+              <a:rPr lang="en-US" altLang="zh-CN" dirty="0" err="1"/>
+              <a:t>result.nexamples</a:t>
+            </a:r>
+            <a:r>
+              <a:rPr lang="en-US" altLang="zh-CN" dirty="0"/>
+              <a:t/>
+            </a:r>
+            <a:br>
+              <a:rPr lang="en-US" altLang="zh-CN" dirty="0"/>
+            </a:br>
+            <a:endParaRPr kumimoji="1" lang="en-US" altLang="zh-CN" dirty="0"/>
           </a:p>
         </p:txBody>
       </p:sp>
     </p:spTree>
     <p:extLst>
       <p:ext uri="{BB962C8B-B14F-4D97-AF65-F5344CB8AC3E}">
-        <p14:creationId xmlns:p14="http://schemas.microsoft.com/office/powerpoint/2010/main" val="1522802864"/>
+        <p14:creationId xmlns:p14="http://schemas.microsoft.com/office/powerpoint/2010/main" val="535785219"/>
       </p:ext>
     </p:extLst>
   </p:cSld>
@@ -3786,7 +3785,7 @@
           <a:p>
             <a:r>
               <a:rPr kumimoji="1" lang="en-US" altLang="zh-CN" dirty="0"/>
-              <a:t>Vision</a:t>
+              <a:t>Fraudulent</a:t>
             </a:r>
             <a:endParaRPr kumimoji="1" lang="zh-CN" altLang="en-US" dirty="0"/>
           </a:p>
@@ -3808,117 +3807,76 @@
           <a:lstStyle/>
           <a:p>
             <a:r>
-              <a:rPr lang="en-US" altLang="zh-CN" dirty="0"/>
-              <a:t>Similar-looking </a:t>
-            </a:r>
-            <a:endParaRPr lang="sk-SK" altLang="zh-CN" dirty="0"/>
-          </a:p>
-          <a:p>
-            <a:r>
-              <a:rPr lang="en-US" altLang="zh-CN" dirty="0" err="1"/>
-              <a:t>Homoglyph</a:t>
-            </a:r>
-            <a:r>
-              <a:rPr lang="en-US" altLang="zh-CN" dirty="0"/>
-              <a:t> attack  Homograph spoofing ,</a:t>
-            </a:r>
-            <a:r>
-              <a:rPr lang="en-US" altLang="zh-CN" dirty="0" err="1"/>
-              <a:t>Typosquatting</a:t>
-            </a:r>
-            <a:r>
-              <a:rPr lang="en-US" altLang="zh-CN" dirty="0"/>
-              <a:t> ,</a:t>
-            </a:r>
-            <a:r>
-              <a:rPr lang="en-US" altLang="zh-CN" dirty="0" err="1"/>
-              <a:t>Soundsquatting</a:t>
-            </a:r>
-            <a:r>
-              <a:rPr lang="en-US" altLang="zh-CN" dirty="0"/>
-              <a:t> ,</a:t>
-            </a:r>
-            <a:r>
-              <a:rPr lang="en-US" altLang="zh-CN" dirty="0" err="1"/>
-              <a:t>Combosquatting</a:t>
-            </a:r>
-            <a:r>
-              <a:rPr lang="en-US" altLang="zh-CN" dirty="0"/>
-              <a:t> </a:t>
-            </a:r>
-            <a:r>
-              <a:rPr lang="zh-CN" altLang="en-US" dirty="0"/>
-              <a:t>。</a:t>
-            </a:r>
-            <a:endParaRPr lang="en-US" altLang="zh-CN" dirty="0"/>
-          </a:p>
-          <a:p>
-            <a:r>
-              <a:rPr lang="en-US" altLang="zh-CN" dirty="0"/>
-              <a:t>URL Obfuscation</a:t>
-            </a:r>
-          </a:p>
-          <a:p>
-            <a:r>
-              <a:rPr lang="en-US" altLang="zh-CN" dirty="0"/>
-              <a:t>CSS Similarity. </a:t>
-            </a:r>
-          </a:p>
-          <a:p>
-            <a:endParaRPr kumimoji="1" lang="en-US" altLang="zh-CN" dirty="0"/>
-          </a:p>
-          <a:p>
-            <a:r>
-              <a:rPr lang="en-US" altLang="zh-CN" dirty="0" err="1"/>
-              <a:t>ld</a:t>
-            </a:r>
-            <a:r>
-              <a:rPr lang="en-US" altLang="zh-CN" dirty="0"/>
-              <a:t>(”f </a:t>
-            </a:r>
-            <a:r>
-              <a:rPr lang="en-US" altLang="zh-CN" dirty="0" err="1"/>
-              <a:t>acebook.com</a:t>
-            </a:r>
-            <a:r>
-              <a:rPr lang="en-US" altLang="zh-CN" dirty="0"/>
-              <a:t>”, ”f ace4book.com”) = 1 </a:t>
-            </a:r>
-          </a:p>
-          <a:p>
-            <a:r>
-              <a:rPr lang="en-US" altLang="zh-CN" dirty="0" err="1"/>
-              <a:t>ld</a:t>
-            </a:r>
-            <a:r>
-              <a:rPr lang="en-US" altLang="zh-CN" dirty="0"/>
-              <a:t>(”f </a:t>
-            </a:r>
-            <a:r>
-              <a:rPr lang="en-US" altLang="zh-CN" dirty="0" err="1"/>
-              <a:t>acebook.com</a:t>
-            </a:r>
-            <a:r>
-              <a:rPr lang="en-US" altLang="zh-CN" dirty="0"/>
-              <a:t>”, ”f aceb0ok.com”) = </a:t>
-            </a:r>
-            <a:r>
-              <a:rPr lang="en-US" altLang="zh-CN"/>
-              <a:t>1 </a:t>
-            </a:r>
-          </a:p>
-          <a:p>
-            <a:endParaRPr kumimoji="1" lang="en-US" altLang="zh-CN" dirty="0"/>
-          </a:p>
-          <a:p>
-            <a:endParaRPr kumimoji="1" lang="zh-CN" altLang="en-US" dirty="0"/>
+              <a:rPr kumimoji="1" lang="en-US" altLang="zh-CN" dirty="0"/>
+              <a:t>BERT failure</a:t>
+            </a:r>
+          </a:p>
+          <a:p>
+            <a:r>
+              <a:rPr kumimoji="1" lang="en-US" altLang="zh-CN" dirty="0"/>
+              <a:t>ELMO failure</a:t>
+            </a:r>
+          </a:p>
+          <a:p>
+            <a:r>
+              <a:rPr kumimoji="1" lang="en-US" altLang="zh-CN" dirty="0"/>
+              <a:t>Features</a:t>
+            </a:r>
+          </a:p>
+          <a:p>
+            <a:pPr lvl="1"/>
+            <a:r>
+              <a:rPr lang="en-US" altLang="zh-CN" dirty="0"/>
+              <a:t>Gradient Boosting:</a:t>
+            </a:r>
+            <a:r>
+              <a:rPr lang="hr-HR" altLang="zh-CN" dirty="0"/>
+              <a:t> 0.9833333333333333</a:t>
+            </a:r>
+          </a:p>
+          <a:p>
+            <a:pPr lvl="1"/>
+            <a:r>
+              <a:rPr kumimoji="1" lang="hr-HR" altLang="zh-CN" dirty="0" err="1"/>
+              <a:t>RandomTree</a:t>
+            </a:r>
+            <a:r>
+              <a:rPr kumimoji="1" lang="hr-HR" altLang="zh-CN" dirty="0"/>
+              <a:t>:</a:t>
+            </a:r>
+            <a:r>
+              <a:rPr lang="hr-HR" altLang="zh-CN" dirty="0"/>
+              <a:t> 0.9883333333333333</a:t>
+            </a:r>
+          </a:p>
+          <a:p>
+            <a:pPr lvl="1"/>
+            <a:r>
+              <a:rPr kumimoji="1" lang="hr-HR" altLang="zh-CN" dirty="0"/>
+              <a:t>SVM:</a:t>
+            </a:r>
+            <a:r>
+              <a:rPr lang="hr-HR" altLang="zh-CN" dirty="0"/>
+              <a:t> 0.8866666666666667</a:t>
+            </a:r>
+          </a:p>
+          <a:p>
+            <a:pPr lvl="1"/>
+            <a:r>
+              <a:rPr kumimoji="1" lang="hr-HR" altLang="zh-CN" dirty="0"/>
+              <a:t>LR:</a:t>
+            </a:r>
+            <a:r>
+              <a:rPr lang="hr-HR" altLang="zh-CN" dirty="0"/>
+              <a:t> 0.99</a:t>
+            </a:r>
           </a:p>
         </p:txBody>
       </p:sp>
     </p:spTree>
     <p:extLst>
       <p:ext uri="{BB962C8B-B14F-4D97-AF65-F5344CB8AC3E}">
-        <p14:creationId xmlns:p14="http://schemas.microsoft.com/office/powerpoint/2010/main" val="1052964238"/>
+        <p14:creationId xmlns:p14="http://schemas.microsoft.com/office/powerpoint/2010/main" val="1522802864"/>
       </p:ext>
     </p:extLst>
   </p:cSld>
@@ -3962,6 +3920,182 @@
           <a:p>
             <a:r>
               <a:rPr kumimoji="1" lang="en-US" altLang="zh-CN" dirty="0"/>
+              <a:t>Vision</a:t>
+            </a:r>
+            <a:endParaRPr kumimoji="1" lang="zh-CN" altLang="en-US" dirty="0"/>
+          </a:p>
+        </p:txBody>
+      </p:sp>
+      <p:sp>
+        <p:nvSpPr>
+          <p:cNvPr id="3" name="内容占位符 2"/>
+          <p:cNvSpPr>
+            <a:spLocks noGrp="1"/>
+          </p:cNvSpPr>
+          <p:nvPr>
+            <p:ph idx="1"/>
+          </p:nvPr>
+        </p:nvSpPr>
+        <p:spPr/>
+        <p:txBody>
+          <a:bodyPr/>
+          <a:lstStyle/>
+          <a:p>
+            <a:r>
+              <a:rPr lang="en-US" altLang="zh-CN" dirty="0"/>
+              <a:t>Similar-looking </a:t>
+            </a:r>
+            <a:endParaRPr lang="sk-SK" altLang="zh-CN" dirty="0"/>
+          </a:p>
+          <a:p>
+            <a:r>
+              <a:rPr lang="en-US" altLang="zh-CN" dirty="0" err="1"/>
+              <a:t>Homoglyph</a:t>
+            </a:r>
+            <a:r>
+              <a:rPr lang="en-US" altLang="zh-CN" dirty="0"/>
+              <a:t> attack  Homograph spoofing ,</a:t>
+            </a:r>
+            <a:r>
+              <a:rPr lang="en-US" altLang="zh-CN" dirty="0" err="1"/>
+              <a:t>Typosquatting</a:t>
+            </a:r>
+            <a:r>
+              <a:rPr lang="en-US" altLang="zh-CN" dirty="0"/>
+              <a:t> ,</a:t>
+            </a:r>
+            <a:r>
+              <a:rPr lang="en-US" altLang="zh-CN" dirty="0" err="1"/>
+              <a:t>Soundsquatting</a:t>
+            </a:r>
+            <a:r>
+              <a:rPr lang="en-US" altLang="zh-CN" dirty="0"/>
+              <a:t> ,</a:t>
+            </a:r>
+            <a:r>
+              <a:rPr lang="en-US" altLang="zh-CN" dirty="0" err="1"/>
+              <a:t>Combosquatting</a:t>
+            </a:r>
+            <a:r>
+              <a:rPr lang="en-US" altLang="zh-CN" dirty="0"/>
+              <a:t> </a:t>
+            </a:r>
+            <a:r>
+              <a:rPr lang="zh-CN" altLang="en-US" dirty="0"/>
+              <a:t>。</a:t>
+            </a:r>
+            <a:endParaRPr lang="en-US" altLang="zh-CN" dirty="0"/>
+          </a:p>
+          <a:p>
+            <a:r>
+              <a:rPr lang="en-US" altLang="zh-CN" dirty="0"/>
+              <a:t>URL Obfuscation</a:t>
+            </a:r>
+          </a:p>
+          <a:p>
+            <a:r>
+              <a:rPr lang="en-US" altLang="zh-CN" dirty="0"/>
+              <a:t>CSS Similarity. </a:t>
+            </a:r>
+          </a:p>
+          <a:p>
+            <a:endParaRPr kumimoji="1" lang="en-US" altLang="zh-CN" dirty="0"/>
+          </a:p>
+          <a:p>
+            <a:r>
+              <a:rPr lang="en-US" altLang="zh-CN" dirty="0" err="1"/>
+              <a:t>ld</a:t>
+            </a:r>
+            <a:r>
+              <a:rPr lang="en-US" altLang="zh-CN" dirty="0"/>
+              <a:t>(”f </a:t>
+            </a:r>
+            <a:r>
+              <a:rPr lang="en-US" altLang="zh-CN" dirty="0" err="1"/>
+              <a:t>acebook.com</a:t>
+            </a:r>
+            <a:r>
+              <a:rPr lang="en-US" altLang="zh-CN" dirty="0"/>
+              <a:t>”, ”f ace4book.com”) = 1 </a:t>
+            </a:r>
+          </a:p>
+          <a:p>
+            <a:r>
+              <a:rPr lang="en-US" altLang="zh-CN" dirty="0" err="1"/>
+              <a:t>ld</a:t>
+            </a:r>
+            <a:r>
+              <a:rPr lang="en-US" altLang="zh-CN" dirty="0"/>
+              <a:t>(”f </a:t>
+            </a:r>
+            <a:r>
+              <a:rPr lang="en-US" altLang="zh-CN" dirty="0" err="1"/>
+              <a:t>acebook.com</a:t>
+            </a:r>
+            <a:r>
+              <a:rPr lang="en-US" altLang="zh-CN" dirty="0"/>
+              <a:t>”, ”f aceb0ok.com”) = </a:t>
+            </a:r>
+            <a:r>
+              <a:rPr lang="en-US" altLang="zh-CN"/>
+              <a:t>1 </a:t>
+            </a:r>
+          </a:p>
+          <a:p>
+            <a:endParaRPr kumimoji="1" lang="en-US" altLang="zh-CN" dirty="0"/>
+          </a:p>
+          <a:p>
+            <a:endParaRPr kumimoji="1" lang="zh-CN" altLang="en-US" dirty="0"/>
+          </a:p>
+        </p:txBody>
+      </p:sp>
+    </p:spTree>
+    <p:extLst>
+      <p:ext uri="{BB962C8B-B14F-4D97-AF65-F5344CB8AC3E}">
+        <p14:creationId xmlns:p14="http://schemas.microsoft.com/office/powerpoint/2010/main" val="1052964238"/>
+      </p:ext>
+    </p:extLst>
+  </p:cSld>
+  <p:clrMapOvr>
+    <a:masterClrMapping/>
+  </p:clrMapOvr>
+</p:sld>
+</file>
+
+<file path=ppt/slides/slide14.xml><?xml version="1.0" encoding="utf-8"?>
+<p:sld xmlns:a="http://schemas.openxmlformats.org/drawingml/2006/main" xmlns:r="http://schemas.openxmlformats.org/officeDocument/2006/relationships" xmlns:p="http://schemas.openxmlformats.org/presentationml/2006/main">
+  <p:cSld>
+    <p:spTree>
+      <p:nvGrpSpPr>
+        <p:cNvPr id="1" name=""/>
+        <p:cNvGrpSpPr/>
+        <p:nvPr/>
+      </p:nvGrpSpPr>
+      <p:grpSpPr>
+        <a:xfrm>
+          <a:off x="0" y="0"/>
+          <a:ext cx="0" cy="0"/>
+          <a:chOff x="0" y="0"/>
+          <a:chExt cx="0" cy="0"/>
+        </a:xfrm>
+      </p:grpSpPr>
+      <p:sp>
+        <p:nvSpPr>
+          <p:cNvPr id="2" name="标题 1"/>
+          <p:cNvSpPr>
+            <a:spLocks noGrp="1"/>
+          </p:cNvSpPr>
+          <p:nvPr>
+            <p:ph type="title"/>
+          </p:nvPr>
+        </p:nvSpPr>
+        <p:spPr/>
+        <p:txBody>
+          <a:bodyPr/>
+          <a:lstStyle/>
+          <a:p>
+            <a:r>
+              <a:rPr kumimoji="1" lang="en-US" altLang="zh-CN" dirty="0"/>
               <a:t>Challenges</a:t>
             </a:r>
             <a:endParaRPr kumimoji="1" lang="zh-CN" altLang="en-US" dirty="0"/>
@@ -4021,7 +4155,7 @@
 </p:sld>
 </file>
 
-<file path=ppt/slides/slide14.xml><?xml version="1.0" encoding="utf-8"?>
+<file path=ppt/slides/slide15.xml><?xml version="1.0" encoding="utf-8"?>
 <p:sld xmlns:a="http://schemas.openxmlformats.org/drawingml/2006/main" xmlns:r="http://schemas.openxmlformats.org/officeDocument/2006/relationships" xmlns:p="http://schemas.openxmlformats.org/presentationml/2006/main">
   <p:cSld>
     <p:spTree>
@@ -4140,7 +4274,7 @@
 </p:sld>
 </file>
 
-<file path=ppt/slides/slide15.xml><?xml version="1.0" encoding="utf-8"?>
+<file path=ppt/slides/slide16.xml><?xml version="1.0" encoding="utf-8"?>
 <p:sld xmlns:a="http://schemas.openxmlformats.org/drawingml/2006/main" xmlns:r="http://schemas.openxmlformats.org/officeDocument/2006/relationships" xmlns:p="http://schemas.openxmlformats.org/presentationml/2006/main">
   <p:cSld>
     <p:spTree>
@@ -4241,7 +4375,7 @@
 </p:sld>
 </file>
 
-<file path=ppt/slides/slide16.xml><?xml version="1.0" encoding="utf-8"?>
+<file path=ppt/slides/slide17.xml><?xml version="1.0" encoding="utf-8"?>
 <p:sld xmlns:a="http://schemas.openxmlformats.org/drawingml/2006/main" xmlns:r="http://schemas.openxmlformats.org/officeDocument/2006/relationships" xmlns:p="http://schemas.openxmlformats.org/presentationml/2006/main">
   <p:cSld>
     <p:spTree>
@@ -4582,11 +4716,7 @@
           <a:bodyPr/>
           <a:lstStyle/>
           <a:p>
-            <a:r>
-              <a:rPr kumimoji="1" lang="en-US" altLang="zh-CN" dirty="0"/>
-              <a:t>NLP Methods</a:t>
-            </a:r>
-            <a:endParaRPr kumimoji="1" lang="zh-CN" altLang="en-US" dirty="0"/>
+            <a:endParaRPr kumimoji="1" lang="zh-CN" altLang="en-US"/>
           </a:p>
         </p:txBody>
       </p:sp>
@@ -4606,68 +4736,91 @@
           <a:lstStyle/>
           <a:p>
             <a:r>
-              <a:rPr kumimoji="1" lang="en-US" altLang="zh-CN" dirty="0"/>
-              <a:t>URL classification</a:t>
-            </a:r>
-          </a:p>
-          <a:p>
-            <a:r>
-              <a:rPr kumimoji="1" lang="en-US" altLang="zh-CN" dirty="0"/>
-              <a:t>HTML structure</a:t>
-            </a:r>
-          </a:p>
-          <a:p>
-            <a:r>
-              <a:rPr kumimoji="1" lang="en-US" altLang="zh-CN" dirty="0"/>
-              <a:t>Email contents</a:t>
-            </a:r>
-          </a:p>
-          <a:p>
-            <a:r>
-              <a:rPr kumimoji="1" lang="en-US" altLang="zh-CN" dirty="0"/>
-              <a:t>Fraudulent</a:t>
-            </a:r>
-          </a:p>
-          <a:p>
-            <a:r>
-              <a:rPr kumimoji="1" lang="en-US" altLang="zh-CN" dirty="0"/>
-              <a:t>Vision</a:t>
-            </a:r>
-          </a:p>
-          <a:p>
-            <a:r>
-              <a:rPr kumimoji="1" lang="en-US" altLang="zh-CN" dirty="0"/>
-              <a:t>Email</a:t>
-            </a:r>
-            <a:r>
-              <a:rPr kumimoji="1" lang="zh-CN" altLang="en-US" dirty="0"/>
-              <a:t> </a:t>
-            </a:r>
-            <a:r>
-              <a:rPr kumimoji="1" lang="en-US" altLang="zh-CN" dirty="0"/>
-              <a:t>contents features</a:t>
-            </a:r>
-          </a:p>
-          <a:p>
-            <a:r>
-              <a:rPr kumimoji="1" lang="en-US" altLang="zh-CN" dirty="0"/>
-              <a:t>Email contents syntactic </a:t>
-            </a:r>
-            <a:r>
-              <a:rPr kumimoji="1" lang="zh-CN" altLang="en-US" dirty="0"/>
-              <a:t> </a:t>
-            </a:r>
-            <a:r>
-              <a:rPr kumimoji="1" lang="en-US" altLang="zh-CN" dirty="0"/>
-              <a:t>features</a:t>
-            </a:r>
+              <a:rPr lang="en-US" altLang="zh-CN" dirty="0"/>
+              <a:t>Luring Emails </a:t>
+            </a:r>
+            <a:r>
+              <a:rPr lang="en-US" altLang="zh-CN" dirty="0" smtClean="0"/>
+              <a:t>Phishers : winning </a:t>
+            </a:r>
+            <a:r>
+              <a:rPr lang="en-US" altLang="zh-CN" dirty="0"/>
+              <a:t>prizes, lottery, fortunate customer offer, and others</a:t>
+            </a:r>
+            <a:r>
+              <a:rPr lang="en-US" altLang="zh-CN" dirty="0" smtClean="0"/>
+              <a:t>. </a:t>
+            </a:r>
+          </a:p>
+          <a:p>
+            <a:r>
+              <a:rPr lang="en-US" altLang="zh-CN" dirty="0"/>
+              <a:t>Urgent Emails Phishers</a:t>
+            </a:r>
+          </a:p>
+          <a:p>
+            <a:r>
+              <a:rPr lang="en-US" altLang="zh-CN" dirty="0"/>
+              <a:t>Link to Another Website Phishers: &lt; a </a:t>
+            </a:r>
+            <a:r>
+              <a:rPr lang="en-US" altLang="zh-CN" dirty="0" err="1"/>
+              <a:t>href</a:t>
+            </a:r>
+            <a:r>
+              <a:rPr lang="en-US" altLang="zh-CN" dirty="0"/>
+              <a:t>=“http:// </a:t>
+            </a:r>
+            <a:r>
+              <a:rPr lang="en-US" altLang="zh-CN" dirty="0" err="1" smtClean="0"/>
+              <a:t>phishingsite.com</a:t>
+            </a:r>
+            <a:r>
+              <a:rPr lang="en-US" altLang="zh-CN" dirty="0"/>
+              <a:t>”&gt; http://</a:t>
+            </a:r>
+            <a:r>
+              <a:rPr lang="en-US" altLang="zh-CN" dirty="0" err="1"/>
+              <a:t>bank.com</a:t>
+            </a:r>
+            <a:r>
+              <a:rPr lang="en-US" altLang="zh-CN" dirty="0"/>
+              <a:t>&lt; ∕a </a:t>
+            </a:r>
+            <a:r>
+              <a:rPr lang="en-US" altLang="zh-CN" dirty="0" smtClean="0"/>
+              <a:t>&gt;</a:t>
+            </a:r>
+          </a:p>
+          <a:p>
+            <a:r>
+              <a:rPr lang="en-US" altLang="zh-CN"/>
+              <a:t>Generic </a:t>
+            </a:r>
+            <a:r>
+              <a:rPr lang="en-US" altLang="zh-CN"/>
+              <a:t>Names </a:t>
+            </a:r>
+            <a:r>
+              <a:rPr lang="en-US" altLang="zh-CN" smtClean="0"/>
+              <a:t>Usually: </a:t>
+            </a:r>
+            <a:r>
+              <a:rPr lang="en-US" altLang="zh-CN"/>
+              <a:t>Dear customer, and others</a:t>
+            </a:r>
+            <a:r>
+              <a:rPr lang="en-US" altLang="zh-CN"/>
+              <a:t>. </a:t>
+            </a:r>
+            <a:endParaRPr lang="en-US" altLang="zh-CN"/>
           </a:p>
         </p:txBody>
       </p:sp>
     </p:spTree>
     <p:extLst>
       <p:ext uri="{BB962C8B-B14F-4D97-AF65-F5344CB8AC3E}">
-        <p14:creationId xmlns:p14="http://schemas.microsoft.com/office/powerpoint/2010/main" val="1036413146"/>
+        <p14:creationId xmlns:p14="http://schemas.microsoft.com/office/powerpoint/2010/main" val="1469716512"/>
       </p:ext>
     </p:extLst>
   </p:cSld>
@@ -4710,8 +4863,8 @@
           <a:lstStyle/>
           <a:p>
             <a:r>
-              <a:rPr kumimoji="1" lang="en-US" altLang="zh-CN"/>
-              <a:t>Dataset</a:t>
+              <a:rPr kumimoji="1" lang="en-US" altLang="zh-CN" dirty="0"/>
+              <a:t>NLP Methods</a:t>
             </a:r>
             <a:endParaRPr kumimoji="1" lang="zh-CN" altLang="en-US" dirty="0"/>
           </a:p>
@@ -4734,40 +4887,37 @@
           <a:p>
             <a:r>
               <a:rPr kumimoji="1" lang="en-US" altLang="zh-CN" dirty="0"/>
-              <a:t>Enron emails and Fraudulent emails. Used to distinguish fraudulent emails. Enron emails:</a:t>
-            </a:r>
-            <a:r>
-              <a:rPr lang="uk-UA" altLang="zh-CN" dirty="0"/>
-              <a:t> 517401</a:t>
-            </a:r>
-            <a:r>
-              <a:rPr lang="en-US" altLang="zh-CN" dirty="0"/>
-              <a:t>, </a:t>
-            </a:r>
-            <a:r>
-              <a:rPr kumimoji="1" lang="en-US" altLang="zh-CN" dirty="0"/>
-              <a:t>Fraudulent emails:</a:t>
-            </a:r>
-            <a:r>
-              <a:rPr lang="cs-CZ" altLang="zh-CN" dirty="0"/>
-              <a:t> 3978 </a:t>
-            </a:r>
-            <a:endParaRPr kumimoji="1" lang="en-US" altLang="zh-CN" dirty="0"/>
-          </a:p>
-          <a:p>
-            <a:r>
-              <a:rPr kumimoji="1" lang="en-US" altLang="zh-CN" dirty="0"/>
-              <a:t>IWSPA. Phishing emails. Full header legit:4082, Full header phish:503. No header legit:5091, Full header phish:628,Test full header:4195,Test no header:4300.</a:t>
-            </a:r>
-          </a:p>
-          <a:p>
-            <a:r>
-              <a:rPr kumimoji="1" lang="en-US" altLang="zh-CN" dirty="0" err="1"/>
-              <a:t>Url</a:t>
-            </a:r>
-            <a:r>
-              <a:rPr kumimoji="1" lang="en-US" altLang="zh-CN" dirty="0"/>
-              <a:t> Data:</a:t>
+              <a:t>URL classification</a:t>
+            </a:r>
+          </a:p>
+          <a:p>
+            <a:r>
+              <a:rPr kumimoji="1" lang="en-US" altLang="zh-CN" dirty="0"/>
+              <a:t>HTML structure</a:t>
+            </a:r>
+          </a:p>
+          <a:p>
+            <a:r>
+              <a:rPr kumimoji="1" lang="en-US" altLang="zh-CN" dirty="0"/>
+              <a:t>Email contents</a:t>
+            </a:r>
+          </a:p>
+          <a:p>
+            <a:r>
+              <a:rPr kumimoji="1" lang="en-US" altLang="zh-CN" dirty="0"/>
+              <a:t>Fraudulent</a:t>
+            </a:r>
+          </a:p>
+          <a:p>
+            <a:r>
+              <a:rPr kumimoji="1" lang="en-US" altLang="zh-CN" dirty="0"/>
+              <a:t>Vision</a:t>
+            </a:r>
+          </a:p>
+          <a:p>
+            <a:r>
+              <a:rPr kumimoji="1" lang="en-US" altLang="zh-CN" dirty="0"/>
+              <a:t>Email</a:t>
             </a:r>
             <a:r>
               <a:rPr kumimoji="1" lang="zh-CN" altLang="en-US" dirty="0"/>
@@ -4775,7 +4925,13 @@
             </a:r>
             <a:r>
               <a:rPr kumimoji="1" lang="en-US" altLang="zh-CN" dirty="0"/>
-              <a:t>Beyond</a:t>
+              <a:t>contents features</a:t>
+            </a:r>
+          </a:p>
+          <a:p>
+            <a:r>
+              <a:rPr kumimoji="1" lang="en-US" altLang="zh-CN" dirty="0"/>
+              <a:t>Email contents syntactic </a:t>
             </a:r>
             <a:r>
               <a:rPr kumimoji="1" lang="zh-CN" altLang="en-US" dirty="0"/>
@@ -4783,38 +4939,15 @@
             </a:r>
             <a:r>
               <a:rPr kumimoji="1" lang="en-US" altLang="zh-CN" dirty="0"/>
-              <a:t>1</a:t>
-            </a:r>
-            <a:r>
-              <a:rPr kumimoji="1" lang="zh-CN" altLang="en-US" dirty="0"/>
-              <a:t> </a:t>
-            </a:r>
-            <a:r>
-              <a:rPr kumimoji="1" lang="en-US" altLang="zh-CN" dirty="0"/>
-              <a:t>million</a:t>
-            </a:r>
-          </a:p>
-          <a:p>
-            <a:r>
-              <a:rPr kumimoji="1" lang="en-US" altLang="zh-CN" dirty="0"/>
-              <a:t>Html features:</a:t>
-            </a:r>
-            <a:r>
-              <a:rPr kumimoji="1" lang="zh-CN" altLang="en-US" dirty="0"/>
-              <a:t> </a:t>
-            </a:r>
-            <a:r>
-              <a:rPr kumimoji="1" lang="en-US" altLang="zh-CN" dirty="0"/>
-              <a:t>more than 40 features, 11503 units.</a:t>
-            </a:r>
-            <a:endParaRPr kumimoji="1" lang="zh-CN" altLang="en-US" dirty="0"/>
+              <a:t>features</a:t>
+            </a:r>
           </a:p>
         </p:txBody>
       </p:sp>
     </p:spTree>
     <p:extLst>
       <p:ext uri="{BB962C8B-B14F-4D97-AF65-F5344CB8AC3E}">
-        <p14:creationId xmlns:p14="http://schemas.microsoft.com/office/powerpoint/2010/main" val="808897054"/>
+        <p14:creationId xmlns:p14="http://schemas.microsoft.com/office/powerpoint/2010/main" val="1036413146"/>
       </p:ext>
     </p:extLst>
   </p:cSld>
@@ -4857,8 +4990,8 @@
           <a:lstStyle/>
           <a:p>
             <a:r>
-              <a:rPr kumimoji="1" lang="en-US" altLang="zh-CN" dirty="0"/>
-              <a:t>URL</a:t>
+              <a:rPr kumimoji="1" lang="en-US" altLang="zh-CN"/>
+              <a:t>Dataset</a:t>
             </a:r>
             <a:endParaRPr kumimoji="1" lang="zh-CN" altLang="en-US" dirty="0"/>
           </a:p>
@@ -4881,7 +5014,40 @@
           <a:p>
             <a:r>
               <a:rPr kumimoji="1" lang="en-US" altLang="zh-CN" dirty="0"/>
-              <a:t>RNN</a:t>
+              <a:t>Enron emails and Fraudulent emails. Used to distinguish fraudulent emails. Enron emails:</a:t>
+            </a:r>
+            <a:r>
+              <a:rPr lang="uk-UA" altLang="zh-CN" dirty="0"/>
+              <a:t> 517401</a:t>
+            </a:r>
+            <a:r>
+              <a:rPr lang="en-US" altLang="zh-CN" dirty="0"/>
+              <a:t>, </a:t>
+            </a:r>
+            <a:r>
+              <a:rPr kumimoji="1" lang="en-US" altLang="zh-CN" dirty="0"/>
+              <a:t>Fraudulent emails:</a:t>
+            </a:r>
+            <a:r>
+              <a:rPr lang="cs-CZ" altLang="zh-CN" dirty="0"/>
+              <a:t> 3978 </a:t>
+            </a:r>
+            <a:endParaRPr kumimoji="1" lang="en-US" altLang="zh-CN" dirty="0"/>
+          </a:p>
+          <a:p>
+            <a:r>
+              <a:rPr kumimoji="1" lang="en-US" altLang="zh-CN" dirty="0"/>
+              <a:t>IWSPA. Phishing emails. Full header legit:4082, Full header phish:503. No header legit:5091, Full header phish:628,Test full header:4195,Test no header:4300.</a:t>
+            </a:r>
+          </a:p>
+          <a:p>
+            <a:r>
+              <a:rPr kumimoji="1" lang="en-US" altLang="zh-CN" dirty="0" err="1"/>
+              <a:t>Url</a:t>
+            </a:r>
+            <a:r>
+              <a:rPr kumimoji="1" lang="en-US" altLang="zh-CN" dirty="0"/>
+              <a:t> Data:</a:t>
             </a:r>
             <a:r>
               <a:rPr kumimoji="1" lang="zh-CN" altLang="en-US" dirty="0"/>
@@ -4889,7 +5055,7 @@
             </a:r>
             <a:r>
               <a:rPr kumimoji="1" lang="en-US" altLang="zh-CN" dirty="0"/>
-              <a:t>+</a:t>
+              <a:t>Beyond</a:t>
             </a:r>
             <a:r>
               <a:rPr kumimoji="1" lang="zh-CN" altLang="en-US" dirty="0"/>
@@ -4897,56 +5063,29 @@
             </a:r>
             <a:r>
               <a:rPr kumimoji="1" lang="en-US" altLang="zh-CN" dirty="0"/>
-              <a:t>Attention 1 epochs precision:85%</a:t>
-            </a:r>
-          </a:p>
-          <a:p>
-            <a:r>
-              <a:rPr kumimoji="1" lang="en-US" altLang="zh-CN" dirty="0"/>
-              <a:t>CNN precision:99%</a:t>
-            </a:r>
-          </a:p>
-          <a:p>
-            <a:r>
-              <a:rPr kumimoji="1" lang="en-US" altLang="zh-CN" dirty="0"/>
-              <a:t>Features</a:t>
-            </a:r>
-          </a:p>
-          <a:p>
-            <a:pPr lvl="1"/>
-            <a:r>
-              <a:rPr kumimoji="1" lang="en-US" altLang="zh-CN" dirty="0"/>
-              <a:t>LR:</a:t>
-            </a:r>
-            <a:r>
-              <a:rPr lang="is-IS" altLang="zh-CN" dirty="0"/>
-              <a:t> 0.9957127987712774</a:t>
-            </a:r>
-          </a:p>
-          <a:p>
-            <a:pPr lvl="1"/>
-            <a:r>
-              <a:rPr kumimoji="1" lang="is-IS" altLang="zh-CN" dirty="0"/>
-              <a:t>RandomForest:</a:t>
-            </a:r>
-            <a:r>
-              <a:rPr lang="is-IS" altLang="zh-CN" dirty="0"/>
-              <a:t> 0.9972550488061842</a:t>
-            </a:r>
-          </a:p>
-          <a:p>
-            <a:pPr lvl="1"/>
-            <a:r>
-              <a:rPr lang="en-US" altLang="zh-CN" dirty="0" err="1"/>
-              <a:t>DecisionTree</a:t>
-            </a:r>
-            <a:r>
-              <a:rPr lang="en-US" altLang="zh-CN" dirty="0"/>
-              <a:t>:</a:t>
-            </a:r>
-            <a:r>
-              <a:rPr lang="is-IS" altLang="zh-CN" dirty="0"/>
-              <a:t> 0.9955287442403625</a:t>
+              <a:t>1</a:t>
+            </a:r>
+            <a:r>
+              <a:rPr kumimoji="1" lang="zh-CN" altLang="en-US" dirty="0"/>
+              <a:t> </a:t>
+            </a:r>
+            <a:r>
+              <a:rPr kumimoji="1" lang="en-US" altLang="zh-CN" dirty="0"/>
+              <a:t>million</a:t>
+            </a:r>
+          </a:p>
+          <a:p>
+            <a:r>
+              <a:rPr kumimoji="1" lang="en-US" altLang="zh-CN" dirty="0"/>
+              <a:t>Html features:</a:t>
+            </a:r>
+            <a:r>
+              <a:rPr kumimoji="1" lang="zh-CN" altLang="en-US" dirty="0"/>
+              <a:t> </a:t>
+            </a:r>
+            <a:r>
+              <a:rPr kumimoji="1" lang="en-US" altLang="zh-CN" dirty="0"/>
+              <a:t>more than 40 features, 11503 units.</a:t>
             </a:r>
             <a:endParaRPr kumimoji="1" lang="zh-CN" altLang="en-US" dirty="0"/>
           </a:p>
@@ -4955,7 +5094,7 @@
     </p:spTree>
     <p:extLst>
       <p:ext uri="{BB962C8B-B14F-4D97-AF65-F5344CB8AC3E}">
-        <p14:creationId xmlns:p14="http://schemas.microsoft.com/office/powerpoint/2010/main" val="1965954904"/>
+        <p14:creationId xmlns:p14="http://schemas.microsoft.com/office/powerpoint/2010/main" val="808897054"/>
       </p:ext>
     </p:extLst>
   </p:cSld>
@@ -4999,204 +5138,96 @@
           <a:p>
             <a:r>
               <a:rPr kumimoji="1" lang="en-US" altLang="zh-CN" dirty="0"/>
+              <a:t>URL</a:t>
+            </a:r>
+            <a:endParaRPr kumimoji="1" lang="zh-CN" altLang="en-US" dirty="0"/>
+          </a:p>
+        </p:txBody>
+      </p:sp>
+      <p:sp>
+        <p:nvSpPr>
+          <p:cNvPr id="3" name="内容占位符 2"/>
+          <p:cNvSpPr>
+            <a:spLocks noGrp="1"/>
+          </p:cNvSpPr>
+          <p:nvPr>
+            <p:ph idx="1"/>
+          </p:nvPr>
+        </p:nvSpPr>
+        <p:spPr/>
+        <p:txBody>
+          <a:bodyPr/>
+          <a:lstStyle/>
+          <a:p>
+            <a:r>
+              <a:rPr kumimoji="1" lang="en-US" altLang="zh-CN" dirty="0"/>
+              <a:t>RNN</a:t>
+            </a:r>
+            <a:r>
+              <a:rPr kumimoji="1" lang="zh-CN" altLang="en-US" dirty="0"/>
+              <a:t> </a:t>
+            </a:r>
+            <a:r>
+              <a:rPr kumimoji="1" lang="en-US" altLang="zh-CN" dirty="0"/>
+              <a:t>+</a:t>
+            </a:r>
+            <a:r>
+              <a:rPr kumimoji="1" lang="zh-CN" altLang="en-US" dirty="0"/>
+              <a:t> </a:t>
+            </a:r>
+            <a:r>
+              <a:rPr kumimoji="1" lang="en-US" altLang="zh-CN" dirty="0"/>
+              <a:t>Attention 1 epochs precision:85%</a:t>
+            </a:r>
+          </a:p>
+          <a:p>
+            <a:r>
+              <a:rPr kumimoji="1" lang="en-US" altLang="zh-CN" dirty="0"/>
+              <a:t>CNN precision:99%</a:t>
+            </a:r>
+          </a:p>
+          <a:p>
+            <a:r>
+              <a:rPr kumimoji="1" lang="en-US" altLang="zh-CN" dirty="0"/>
               <a:t>Features</a:t>
             </a:r>
-            <a:endParaRPr kumimoji="1" lang="zh-CN" altLang="en-US" dirty="0"/>
-          </a:p>
-        </p:txBody>
-      </p:sp>
-      <p:sp>
-        <p:nvSpPr>
-          <p:cNvPr id="3" name="内容占位符 2"/>
-          <p:cNvSpPr>
-            <a:spLocks noGrp="1"/>
-          </p:cNvSpPr>
-          <p:nvPr>
-            <p:ph idx="1"/>
-          </p:nvPr>
-        </p:nvSpPr>
-        <p:spPr/>
-        <p:txBody>
-          <a:bodyPr>
-            <a:normAutofit fontScale="55000" lnSpcReduction="20000"/>
-          </a:bodyPr>
-          <a:lstStyle/>
-          <a:p>
-            <a:r>
-              <a:rPr lang="en-US" altLang="zh-CN" dirty="0"/>
-              <a:t>Length Features</a:t>
-            </a:r>
-            <a:br>
-              <a:rPr lang="en-US" altLang="zh-CN" dirty="0"/>
-            </a:br>
-            <a:r>
-              <a:rPr lang="en-US" altLang="zh-CN" dirty="0"/>
-              <a:t>Length Of </a:t>
-            </a:r>
+          </a:p>
+          <a:p>
+            <a:pPr lvl="1"/>
+            <a:r>
+              <a:rPr kumimoji="1" lang="en-US" altLang="zh-CN" dirty="0"/>
+              <a:t>LR:</a:t>
+            </a:r>
+            <a:r>
+              <a:rPr lang="is-IS" altLang="zh-CN" dirty="0"/>
+              <a:t> 0.9957127987712774</a:t>
+            </a:r>
+          </a:p>
+          <a:p>
+            <a:pPr lvl="1"/>
+            <a:r>
+              <a:rPr kumimoji="1" lang="is-IS" altLang="zh-CN" dirty="0"/>
+              <a:t>RandomForest:</a:t>
+            </a:r>
+            <a:r>
+              <a:rPr lang="is-IS" altLang="zh-CN" dirty="0"/>
+              <a:t> 0.9972550488061842</a:t>
+            </a:r>
+          </a:p>
+          <a:p>
+            <a:pPr lvl="1"/>
             <a:r>
               <a:rPr lang="en-US" altLang="zh-CN" dirty="0" err="1"/>
-              <a:t>Url</a:t>
-            </a:r>
-            <a:br>
-              <a:rPr lang="en-US" altLang="zh-CN" dirty="0"/>
-            </a:br>
-            <a:r>
-              <a:rPr lang="en-US" altLang="zh-CN" dirty="0"/>
-              <a:t>Length of Hostname</a:t>
-            </a:r>
-            <a:br>
-              <a:rPr lang="en-US" altLang="zh-CN" dirty="0"/>
-            </a:br>
-            <a:r>
-              <a:rPr lang="en-US" altLang="zh-CN" dirty="0"/>
-              <a:t>Length Of Path</a:t>
-            </a:r>
-            <a:br>
-              <a:rPr lang="en-US" altLang="zh-CN" dirty="0"/>
-            </a:br>
-            <a:r>
-              <a:rPr lang="en-US" altLang="zh-CN" dirty="0"/>
-              <a:t>Length Of First Directory</a:t>
-            </a:r>
-            <a:br>
-              <a:rPr lang="en-US" altLang="zh-CN" dirty="0"/>
-            </a:br>
-            <a:r>
-              <a:rPr lang="en-US" altLang="zh-CN" dirty="0"/>
-              <a:t>Length Of Top</a:t>
-            </a:r>
-            <a:r>
-              <a:rPr lang="zh-CN" altLang="en-US" dirty="0"/>
-              <a:t> </a:t>
-            </a:r>
-            <a:r>
-              <a:rPr lang="en-US" altLang="zh-CN" dirty="0"/>
-              <a:t>Level Domain</a:t>
-            </a:r>
-            <a:br>
-              <a:rPr lang="en-US" altLang="zh-CN" dirty="0"/>
-            </a:br>
-            <a:br>
-              <a:rPr lang="en-US" altLang="zh-CN" dirty="0"/>
-            </a:br>
-            <a:r>
-              <a:rPr lang="en-US" altLang="zh-CN" dirty="0"/>
-              <a:t>Count Features</a:t>
-            </a:r>
-            <a:br>
-              <a:rPr lang="en-US" altLang="zh-CN" dirty="0"/>
-            </a:br>
-            <a:r>
-              <a:rPr lang="en-US" altLang="zh-CN" dirty="0"/>
-              <a:t>Count Of '-'</a:t>
-            </a:r>
-            <a:br>
-              <a:rPr lang="en-US" altLang="zh-CN" dirty="0"/>
-            </a:br>
-            <a:r>
-              <a:rPr lang="en-US" altLang="zh-CN" dirty="0"/>
-              <a:t>Count Of '@'</a:t>
-            </a:r>
-            <a:br>
-              <a:rPr lang="en-US" altLang="zh-CN" dirty="0"/>
-            </a:br>
-            <a:r>
-              <a:rPr lang="en-US" altLang="zh-CN" dirty="0"/>
-              <a:t>Count Of '?'</a:t>
-            </a:r>
-            <a:br>
-              <a:rPr lang="en-US" altLang="zh-CN" dirty="0"/>
-            </a:br>
-            <a:r>
-              <a:rPr lang="en-US" altLang="zh-CN" dirty="0"/>
-              <a:t>Count Of '%'</a:t>
-            </a:r>
-            <a:br>
-              <a:rPr lang="en-US" altLang="zh-CN" dirty="0"/>
-            </a:br>
-            <a:r>
-              <a:rPr lang="en-US" altLang="zh-CN" dirty="0"/>
-              <a:t>Count Of '.'</a:t>
-            </a:r>
-            <a:br>
-              <a:rPr lang="en-US" altLang="zh-CN" dirty="0"/>
-            </a:br>
-            <a:r>
-              <a:rPr lang="en-US" altLang="zh-CN" dirty="0"/>
-              <a:t>Count Of '='</a:t>
-            </a:r>
-            <a:br>
-              <a:rPr lang="en-US" altLang="zh-CN" dirty="0"/>
-            </a:br>
-            <a:r>
-              <a:rPr lang="en-US" altLang="zh-CN" dirty="0"/>
-              <a:t>Count Of 'http'</a:t>
-            </a:r>
-            <a:br>
-              <a:rPr lang="en-US" altLang="zh-CN" dirty="0"/>
-            </a:br>
-            <a:r>
-              <a:rPr lang="en-US" altLang="zh-CN" dirty="0"/>
-              <a:t>Count Of 'www'</a:t>
-            </a:r>
-            <a:br>
-              <a:rPr lang="en-US" altLang="zh-CN" dirty="0"/>
-            </a:br>
-            <a:r>
-              <a:rPr lang="en-US" altLang="zh-CN" dirty="0"/>
-              <a:t>Count Of Digits</a:t>
-            </a:r>
-            <a:br>
-              <a:rPr lang="en-US" altLang="zh-CN" dirty="0"/>
-            </a:br>
-            <a:r>
-              <a:rPr lang="en-US" altLang="zh-CN" dirty="0"/>
-              <a:t>Count Of Letters</a:t>
-            </a:r>
-            <a:br>
-              <a:rPr lang="en-US" altLang="zh-CN" dirty="0"/>
-            </a:br>
-            <a:r>
-              <a:rPr lang="en-US" altLang="zh-CN" dirty="0"/>
-              <a:t>Count Of Number Of Directories</a:t>
-            </a:r>
-            <a:br>
-              <a:rPr lang="en-US" altLang="zh-CN" dirty="0"/>
-            </a:br>
-            <a:br>
-              <a:rPr lang="en-US" altLang="zh-CN" dirty="0"/>
-            </a:br>
-            <a:r>
-              <a:rPr lang="en-US" altLang="zh-CN" dirty="0"/>
-              <a:t>Binary Features</a:t>
-            </a:r>
-            <a:br>
-              <a:rPr lang="en-US" altLang="zh-CN" dirty="0"/>
-            </a:br>
-            <a:r>
-              <a:rPr lang="en-US" altLang="zh-CN" dirty="0"/>
-              <a:t>Use of IP or not</a:t>
-            </a:r>
-            <a:br>
-              <a:rPr lang="en-US" altLang="zh-CN" dirty="0"/>
-            </a:br>
-            <a:r>
-              <a:rPr lang="en-US" altLang="zh-CN" dirty="0"/>
-              <a:t>Use of Shortening URL or not</a:t>
-            </a:r>
-            <a:br>
-              <a:rPr lang="en-US" altLang="zh-CN" dirty="0"/>
-            </a:br>
-            <a:r>
-              <a:rPr lang="en-US" altLang="zh-CN" dirty="0"/>
-              <a:t>Apart from the lexical features, we will use TFID - Term Frequency Inverse Document as well.</a:t>
-            </a:r>
-            <a:br>
-              <a:rPr lang="en-US" altLang="zh-CN" dirty="0"/>
-            </a:br>
-            <a:br>
-              <a:rPr lang="en-US" altLang="zh-CN" dirty="0"/>
-            </a:br>
+              <a:t>DecisionTree</a:t>
+            </a:r>
+            <a:r>
+              <a:rPr lang="en-US" altLang="zh-CN" dirty="0"/>
+              <a:t>:</a:t>
+            </a:r>
+            <a:r>
+              <a:rPr lang="is-IS" altLang="zh-CN" dirty="0"/>
+              <a:t> 0.9955287442403625</a:t>
+            </a:r>
             <a:endParaRPr kumimoji="1" lang="zh-CN" altLang="en-US" dirty="0"/>
           </a:p>
         </p:txBody>
@@ -5204,7 +5235,7 @@
     </p:spTree>
     <p:extLst>
       <p:ext uri="{BB962C8B-B14F-4D97-AF65-F5344CB8AC3E}">
-        <p14:creationId xmlns:p14="http://schemas.microsoft.com/office/powerpoint/2010/main" val="1629346251"/>
+        <p14:creationId xmlns:p14="http://schemas.microsoft.com/office/powerpoint/2010/main" val="1965954904"/>
       </p:ext>
     </p:extLst>
   </p:cSld>
@@ -5248,7 +5279,7 @@
           <a:p>
             <a:r>
               <a:rPr kumimoji="1" lang="en-US" altLang="zh-CN" dirty="0"/>
-              <a:t>HTML Structure</a:t>
+              <a:t>Features</a:t>
             </a:r>
             <a:endParaRPr kumimoji="1" lang="zh-CN" altLang="en-US" dirty="0"/>
           </a:p>
@@ -5266,272 +5297,210 @@
         </p:nvSpPr>
         <p:spPr/>
         <p:txBody>
-          <a:bodyPr/>
-          <a:lstStyle/>
-          <a:p>
-            <a:r>
-              <a:rPr lang="en-US" altLang="zh-CN" i="1" dirty="0"/>
-              <a:t>index</a:t>
-            </a:r>
-            <a:r>
-              <a:rPr lang="en-US" altLang="zh-CN" dirty="0"/>
-              <a:t>,</a:t>
-            </a:r>
-            <a:r>
-              <a:rPr lang="en-US" altLang="zh-CN" i="1" dirty="0"/>
-              <a:t>having_IPhaving_IP_Address</a:t>
-            </a:r>
-            <a:r>
-              <a:rPr lang="en-US" altLang="zh-CN" dirty="0"/>
-              <a:t>,</a:t>
-            </a:r>
-            <a:r>
-              <a:rPr lang="en-US" altLang="zh-CN" i="1" dirty="0"/>
-              <a:t>URLURL_Length</a:t>
-            </a:r>
-            <a:r>
-              <a:rPr lang="en-US" altLang="zh-CN" dirty="0"/>
-              <a:t>,</a:t>
-            </a:r>
-            <a:r>
-              <a:rPr lang="en-US" altLang="zh-CN" i="1" dirty="0"/>
-              <a:t>Shortining_Service</a:t>
-            </a:r>
-            <a:r>
-              <a:rPr lang="en-US" altLang="zh-CN" dirty="0"/>
-              <a:t>,</a:t>
-            </a:r>
-            <a:r>
-              <a:rPr lang="en-US" altLang="zh-CN" i="1" dirty="0"/>
-              <a:t>having_At_Symbol</a:t>
-            </a:r>
-            <a:r>
-              <a:rPr lang="en-US" altLang="zh-CN" dirty="0"/>
-              <a:t>,</a:t>
-            </a:r>
-            <a:r>
-              <a:rPr lang="en-US" altLang="zh-CN" i="1" dirty="0"/>
-              <a:t>double_slash_redirecting</a:t>
-            </a:r>
-            <a:r>
-              <a:rPr lang="en-US" altLang="zh-CN" dirty="0"/>
-              <a:t>,</a:t>
-            </a:r>
-            <a:r>
-              <a:rPr lang="en-US" altLang="zh-CN" i="1" dirty="0"/>
-              <a:t>Prefix_Suffix</a:t>
-            </a:r>
-            <a:r>
-              <a:rPr lang="en-US" altLang="zh-CN" dirty="0"/>
-              <a:t>,</a:t>
-            </a:r>
-            <a:r>
-              <a:rPr lang="en-US" altLang="zh-CN" i="1" dirty="0"/>
-              <a:t>having_Sub_Domain</a:t>
-            </a:r>
-            <a:r>
-              <a:rPr lang="en-US" altLang="zh-CN" dirty="0"/>
-              <a:t>,</a:t>
-            </a:r>
-            <a:r>
-              <a:rPr lang="en-US" altLang="zh-CN" i="1" dirty="0"/>
-              <a:t>SSLfinal_State</a:t>
-            </a:r>
-            <a:r>
-              <a:rPr lang="en-US" altLang="zh-CN" dirty="0"/>
-              <a:t>,</a:t>
-            </a:r>
-            <a:r>
-              <a:rPr lang="en-US" altLang="zh-CN" i="1" dirty="0"/>
-              <a:t>Domain_registeration_length</a:t>
-            </a:r>
-            <a:r>
-              <a:rPr lang="en-US" altLang="zh-CN" dirty="0"/>
-              <a:t>,</a:t>
-            </a:r>
-            <a:r>
-              <a:rPr lang="en-US" altLang="zh-CN" i="1" dirty="0"/>
-              <a:t>Favicon</a:t>
-            </a:r>
-            <a:r>
-              <a:rPr lang="en-US" altLang="zh-CN" dirty="0"/>
-              <a:t>,</a:t>
-            </a:r>
-            <a:r>
-              <a:rPr lang="en-US" altLang="zh-CN" i="1" dirty="0"/>
-              <a:t>port</a:t>
-            </a:r>
-            <a:r>
-              <a:rPr lang="en-US" altLang="zh-CN" dirty="0"/>
-              <a:t>,</a:t>
-            </a:r>
-            <a:r>
-              <a:rPr lang="en-US" altLang="zh-CN" i="1" dirty="0"/>
-              <a:t>HTTPS_token</a:t>
-            </a:r>
-            <a:r>
-              <a:rPr lang="en-US" altLang="zh-CN" dirty="0"/>
-              <a:t>,</a:t>
-            </a:r>
-            <a:r>
-              <a:rPr lang="en-US" altLang="zh-CN" i="1" dirty="0"/>
-              <a:t>Request_URL</a:t>
-            </a:r>
-            <a:r>
-              <a:rPr lang="en-US" altLang="zh-CN" dirty="0"/>
-              <a:t>,</a:t>
-            </a:r>
-            <a:r>
-              <a:rPr lang="en-US" altLang="zh-CN" i="1" dirty="0"/>
-              <a:t>URL_of_Anchor</a:t>
-            </a:r>
-            <a:r>
-              <a:rPr lang="en-US" altLang="zh-CN" dirty="0"/>
-              <a:t>,</a:t>
-            </a:r>
-            <a:r>
-              <a:rPr lang="en-US" altLang="zh-CN" i="1" dirty="0"/>
-              <a:t>Links_in_tags</a:t>
-            </a:r>
-            <a:r>
-              <a:rPr lang="en-US" altLang="zh-CN" dirty="0"/>
-              <a:t>,</a:t>
-            </a:r>
-            <a:r>
-              <a:rPr lang="en-US" altLang="zh-CN" i="1" dirty="0"/>
-              <a:t>SFH</a:t>
-            </a:r>
-            <a:r>
-              <a:rPr lang="en-US" altLang="zh-CN" dirty="0"/>
-              <a:t>,</a:t>
-            </a:r>
-            <a:r>
-              <a:rPr lang="en-US" altLang="zh-CN" i="1" dirty="0"/>
-              <a:t>Submitting_to_email</a:t>
-            </a:r>
-            <a:r>
-              <a:rPr lang="en-US" altLang="zh-CN" dirty="0"/>
-              <a:t>,</a:t>
-            </a:r>
-            <a:r>
-              <a:rPr lang="en-US" altLang="zh-CN" i="1" dirty="0"/>
-              <a:t>Abnormal_URL</a:t>
-            </a:r>
-            <a:r>
-              <a:rPr lang="en-US" altLang="zh-CN" dirty="0"/>
-              <a:t>,</a:t>
-            </a:r>
-            <a:r>
-              <a:rPr lang="en-US" altLang="zh-CN" i="1" dirty="0"/>
-              <a:t>Redirect</a:t>
-            </a:r>
-            <a:r>
-              <a:rPr lang="en-US" altLang="zh-CN" dirty="0"/>
-              <a:t>,</a:t>
-            </a:r>
-            <a:r>
-              <a:rPr lang="en-US" altLang="zh-CN" i="1" dirty="0"/>
-              <a:t>on_mouseover</a:t>
-            </a:r>
-            <a:r>
-              <a:rPr lang="en-US" altLang="zh-CN" dirty="0"/>
-              <a:t>,</a:t>
-            </a:r>
-            <a:r>
-              <a:rPr lang="en-US" altLang="zh-CN" i="1" dirty="0"/>
-              <a:t>RightClick</a:t>
-            </a:r>
-            <a:r>
-              <a:rPr lang="en-US" altLang="zh-CN" dirty="0"/>
-              <a:t>,</a:t>
-            </a:r>
-            <a:r>
-              <a:rPr lang="en-US" altLang="zh-CN" i="1" dirty="0"/>
-              <a:t>popUpWidnow</a:t>
-            </a:r>
-            <a:r>
-              <a:rPr lang="en-US" altLang="zh-CN" dirty="0"/>
-              <a:t>,</a:t>
-            </a:r>
-            <a:r>
-              <a:rPr lang="en-US" altLang="zh-CN" i="1" dirty="0"/>
-              <a:t>Iframe</a:t>
-            </a:r>
-            <a:r>
-              <a:rPr lang="en-US" altLang="zh-CN" dirty="0"/>
-              <a:t>,</a:t>
-            </a:r>
-            <a:r>
-              <a:rPr lang="en-US" altLang="zh-CN" i="1" dirty="0"/>
-              <a:t>age_of_domain</a:t>
-            </a:r>
-            <a:r>
-              <a:rPr lang="en-US" altLang="zh-CN" dirty="0"/>
-              <a:t>,</a:t>
-            </a:r>
-            <a:r>
-              <a:rPr lang="en-US" altLang="zh-CN" i="1" dirty="0"/>
-              <a:t>DNSRecord</a:t>
-            </a:r>
-            <a:r>
-              <a:rPr lang="en-US" altLang="zh-CN" dirty="0"/>
-              <a:t>,</a:t>
-            </a:r>
-            <a:r>
-              <a:rPr lang="en-US" altLang="zh-CN" i="1" dirty="0"/>
-              <a:t>web_traffic</a:t>
-            </a:r>
-            <a:r>
-              <a:rPr lang="en-US" altLang="zh-CN" dirty="0"/>
-              <a:t>,</a:t>
-            </a:r>
-            <a:r>
-              <a:rPr lang="en-US" altLang="zh-CN" i="1" dirty="0"/>
-              <a:t>Page_Rank</a:t>
-            </a:r>
-            <a:r>
-              <a:rPr lang="en-US" altLang="zh-CN" dirty="0"/>
-              <a:t>,</a:t>
-            </a:r>
-            <a:r>
-              <a:rPr lang="en-US" altLang="zh-CN" i="1" dirty="0"/>
-              <a:t>Google_Index</a:t>
-            </a:r>
-            <a:r>
-              <a:rPr lang="en-US" altLang="zh-CN" dirty="0"/>
-              <a:t>,</a:t>
-            </a:r>
-            <a:r>
-              <a:rPr lang="en-US" altLang="zh-CN" i="1" dirty="0"/>
-              <a:t>Links_pointing_to_page</a:t>
-            </a:r>
-            <a:r>
-              <a:rPr lang="en-US" altLang="zh-CN" dirty="0"/>
-              <a:t>,</a:t>
-            </a:r>
-            <a:r>
-              <a:rPr lang="en-US" altLang="zh-CN" i="1" dirty="0"/>
-              <a:t>Statistical_report</a:t>
-            </a:r>
-            <a:r>
-              <a:rPr lang="en-US" altLang="zh-CN" dirty="0"/>
-              <a:t>,</a:t>
-            </a:r>
-            <a:r>
-              <a:rPr lang="en-US" altLang="zh-CN" i="1" dirty="0"/>
-              <a:t>Result</a:t>
+          <a:bodyPr>
+            <a:normAutofit fontScale="55000" lnSpcReduction="20000"/>
+          </a:bodyPr>
+          <a:lstStyle/>
+          <a:p>
+            <a:r>
+              <a:rPr lang="en-US" altLang="zh-CN" dirty="0"/>
+              <a:t>Length Features</a:t>
             </a:r>
             <a:br>
-              <a:rPr lang="en-US" altLang="zh-CN" i="1" dirty="0"/>
+              <a:rPr lang="en-US" altLang="zh-CN" dirty="0"/>
             </a:br>
-            <a:endParaRPr lang="is-IS" altLang="zh-CN" dirty="0"/>
+            <a:r>
+              <a:rPr lang="en-US" altLang="zh-CN" dirty="0"/>
+              <a:t>Length Of </a:t>
+            </a:r>
+            <a:r>
+              <a:rPr lang="en-US" altLang="zh-CN" dirty="0" err="1"/>
+              <a:t>Url</a:t>
+            </a:r>
+            <a:r>
+              <a:rPr lang="en-US" altLang="zh-CN" dirty="0"/>
+              <a:t/>
+            </a:r>
+            <a:br>
+              <a:rPr lang="en-US" altLang="zh-CN" dirty="0"/>
+            </a:br>
+            <a:r>
+              <a:rPr lang="en-US" altLang="zh-CN" dirty="0"/>
+              <a:t>Length of Hostname</a:t>
+            </a:r>
+            <a:br>
+              <a:rPr lang="en-US" altLang="zh-CN" dirty="0"/>
+            </a:br>
+            <a:r>
+              <a:rPr lang="en-US" altLang="zh-CN" dirty="0"/>
+              <a:t>Length Of Path</a:t>
+            </a:r>
+            <a:br>
+              <a:rPr lang="en-US" altLang="zh-CN" dirty="0"/>
+            </a:br>
+            <a:r>
+              <a:rPr lang="en-US" altLang="zh-CN" dirty="0"/>
+              <a:t>Length Of First Directory</a:t>
+            </a:r>
+            <a:br>
+              <a:rPr lang="en-US" altLang="zh-CN" dirty="0"/>
+            </a:br>
+            <a:r>
+              <a:rPr lang="en-US" altLang="zh-CN" dirty="0"/>
+              <a:t>Length Of Top</a:t>
+            </a:r>
+            <a:r>
+              <a:rPr lang="zh-CN" altLang="en-US" dirty="0"/>
+              <a:t> </a:t>
+            </a:r>
+            <a:r>
+              <a:rPr lang="en-US" altLang="zh-CN" dirty="0"/>
+              <a:t>Level Domain</a:t>
+            </a:r>
+            <a:br>
+              <a:rPr lang="en-US" altLang="zh-CN" dirty="0"/>
+            </a:br>
+            <a:r>
+              <a:rPr lang="en-US" altLang="zh-CN" dirty="0"/>
+              <a:t/>
+            </a:r>
+            <a:br>
+              <a:rPr lang="en-US" altLang="zh-CN" dirty="0"/>
+            </a:br>
+            <a:r>
+              <a:rPr lang="en-US" altLang="zh-CN" dirty="0"/>
+              <a:t>Count Features</a:t>
+            </a:r>
+            <a:br>
+              <a:rPr lang="en-US" altLang="zh-CN" dirty="0"/>
+            </a:br>
+            <a:r>
+              <a:rPr lang="en-US" altLang="zh-CN" dirty="0"/>
+              <a:t>Count Of '-'</a:t>
+            </a:r>
+            <a:br>
+              <a:rPr lang="en-US" altLang="zh-CN" dirty="0"/>
+            </a:br>
+            <a:r>
+              <a:rPr lang="en-US" altLang="zh-CN" dirty="0"/>
+              <a:t>Count Of '@'</a:t>
+            </a:r>
+            <a:br>
+              <a:rPr lang="en-US" altLang="zh-CN" dirty="0"/>
+            </a:br>
+            <a:r>
+              <a:rPr lang="en-US" altLang="zh-CN" dirty="0"/>
+              <a:t>Count Of '?'</a:t>
+            </a:r>
+            <a:br>
+              <a:rPr lang="en-US" altLang="zh-CN" dirty="0"/>
+            </a:br>
+            <a:r>
+              <a:rPr lang="en-US" altLang="zh-CN" dirty="0"/>
+              <a:t>Count Of '%'</a:t>
+            </a:r>
+            <a:br>
+              <a:rPr lang="en-US" altLang="zh-CN" dirty="0"/>
+            </a:br>
+            <a:r>
+              <a:rPr lang="en-US" altLang="zh-CN" dirty="0"/>
+              <a:t>Count Of '.'</a:t>
+            </a:r>
+            <a:br>
+              <a:rPr lang="en-US" altLang="zh-CN" dirty="0"/>
+            </a:br>
+            <a:r>
+              <a:rPr lang="en-US" altLang="zh-CN" dirty="0"/>
+              <a:t>Count Of '='</a:t>
+            </a:r>
+            <a:br>
+              <a:rPr lang="en-US" altLang="zh-CN" dirty="0"/>
+            </a:br>
+            <a:r>
+              <a:rPr lang="en-US" altLang="zh-CN" dirty="0"/>
+              <a:t>Count Of 'http'</a:t>
+            </a:r>
+            <a:br>
+              <a:rPr lang="en-US" altLang="zh-CN" dirty="0"/>
+            </a:br>
+            <a:r>
+              <a:rPr lang="en-US" altLang="zh-CN" dirty="0"/>
+              <a:t>Count Of 'www'</a:t>
+            </a:r>
+            <a:br>
+              <a:rPr lang="en-US" altLang="zh-CN" dirty="0"/>
+            </a:br>
+            <a:r>
+              <a:rPr lang="en-US" altLang="zh-CN" dirty="0"/>
+              <a:t>Count Of Digits</a:t>
+            </a:r>
+            <a:br>
+              <a:rPr lang="en-US" altLang="zh-CN" dirty="0"/>
+            </a:br>
+            <a:r>
+              <a:rPr lang="en-US" altLang="zh-CN" dirty="0"/>
+              <a:t>Count Of Letters</a:t>
+            </a:r>
+            <a:br>
+              <a:rPr lang="en-US" altLang="zh-CN" dirty="0"/>
+            </a:br>
+            <a:r>
+              <a:rPr lang="en-US" altLang="zh-CN" dirty="0"/>
+              <a:t>Count Of Number Of Directories</a:t>
+            </a:r>
+            <a:br>
+              <a:rPr lang="en-US" altLang="zh-CN" dirty="0"/>
+            </a:br>
+            <a:r>
+              <a:rPr lang="en-US" altLang="zh-CN" dirty="0"/>
+              <a:t/>
+            </a:r>
+            <a:br>
+              <a:rPr lang="en-US" altLang="zh-CN" dirty="0"/>
+            </a:br>
+            <a:r>
+              <a:rPr lang="en-US" altLang="zh-CN" dirty="0"/>
+              <a:t>Binary Features</a:t>
+            </a:r>
+            <a:br>
+              <a:rPr lang="en-US" altLang="zh-CN" dirty="0"/>
+            </a:br>
+            <a:r>
+              <a:rPr lang="en-US" altLang="zh-CN" dirty="0"/>
+              <a:t>Use of IP or not</a:t>
+            </a:r>
+            <a:br>
+              <a:rPr lang="en-US" altLang="zh-CN" dirty="0"/>
+            </a:br>
+            <a:r>
+              <a:rPr lang="en-US" altLang="zh-CN" dirty="0"/>
+              <a:t>Use of Shortening URL or not</a:t>
+            </a:r>
+            <a:br>
+              <a:rPr lang="en-US" altLang="zh-CN" dirty="0"/>
+            </a:br>
+            <a:r>
+              <a:rPr lang="en-US" altLang="zh-CN" dirty="0"/>
+              <a:t>Apart from the lexical features, we will use TFID - Term Frequency Inverse Document as well.</a:t>
+            </a:r>
+            <a:br>
+              <a:rPr lang="en-US" altLang="zh-CN" dirty="0"/>
+            </a:br>
+            <a:r>
+              <a:rPr lang="en-US" altLang="zh-CN" dirty="0"/>
+              <a:t/>
+            </a:r>
+            <a:br>
+              <a:rPr lang="en-US" altLang="zh-CN" dirty="0"/>
+            </a:br>
+            <a:endParaRPr kumimoji="1" lang="zh-CN" altLang="en-US" dirty="0"/>
           </a:p>
         </p:txBody>
       </p:sp>
     </p:spTree>
     <p:extLst>
       <p:ext uri="{BB962C8B-B14F-4D97-AF65-F5344CB8AC3E}">
-        <p14:creationId xmlns:p14="http://schemas.microsoft.com/office/powerpoint/2010/main" val="2031031135"/>
+        <p14:creationId xmlns:p14="http://schemas.microsoft.com/office/powerpoint/2010/main" val="1629346251"/>
       </p:ext>
     </p:extLst>
   </p:cSld>
@@ -5597,70 +5566,268 @@
           <a:lstStyle/>
           <a:p>
             <a:r>
-              <a:rPr kumimoji="1" lang="en-US" altLang="zh-CN" dirty="0"/>
-              <a:t>LR:</a:t>
-            </a:r>
-            <a:r>
-              <a:rPr lang="cs-CZ" altLang="zh-CN" dirty="0"/>
-              <a:t> 0.8411214953271028</a:t>
-            </a:r>
-          </a:p>
-          <a:p>
-            <a:r>
-              <a:rPr kumimoji="1" lang="cs-CZ" altLang="zh-CN" dirty="0"/>
-              <a:t>XGBOOST:</a:t>
-            </a:r>
-            <a:r>
-              <a:rPr lang="is-IS" altLang="zh-CN" dirty="0"/>
-              <a:t> 0.9472414832680133</a:t>
-            </a:r>
-          </a:p>
-          <a:p>
-            <a:r>
-              <a:rPr kumimoji="1" lang="is-IS" altLang="zh-CN" dirty="0"/>
-              <a:t>ADABOOST:</a:t>
-            </a:r>
-            <a:r>
-              <a:rPr lang="tr-TR" altLang="zh-CN" dirty="0"/>
-              <a:t> 0.9104612601748568</a:t>
-            </a:r>
-          </a:p>
-          <a:p>
-            <a:r>
-              <a:rPr kumimoji="1" lang="tr-TR" altLang="zh-CN" dirty="0"/>
-              <a:t>SVM:</a:t>
-            </a:r>
-            <a:r>
-              <a:rPr lang="pt-BR" altLang="zh-CN" dirty="0"/>
-              <a:t> 0.5604461863129334</a:t>
-            </a:r>
-          </a:p>
-          <a:p>
-            <a:r>
-              <a:rPr kumimoji="1" lang="pt-BR" altLang="zh-CN" dirty="0" err="1"/>
-              <a:t>RandomForest</a:t>
-            </a:r>
-            <a:r>
-              <a:rPr kumimoji="1" lang="pt-BR" altLang="zh-CN" dirty="0"/>
-              <a:t>:</a:t>
-            </a:r>
-            <a:r>
-              <a:rPr lang="is-IS" altLang="zh-CN" dirty="0"/>
-              <a:t> 0.9710581851070245</a:t>
-            </a:r>
-          </a:p>
-          <a:p>
-            <a:r>
-              <a:rPr lang="is-IS" altLang="zh-CN" dirty="0"/>
-              <a:t>DesicionTree: 0.9469400060295448</a:t>
-            </a:r>
+              <a:rPr lang="en-US" altLang="zh-CN" i="1" dirty="0"/>
+              <a:t>index</a:t>
+            </a:r>
+            <a:r>
+              <a:rPr lang="en-US" altLang="zh-CN" dirty="0"/>
+              <a:t>,</a:t>
+            </a:r>
+            <a:r>
+              <a:rPr lang="en-US" altLang="zh-CN" i="1" dirty="0"/>
+              <a:t>having_IPhaving_IP_Address</a:t>
+            </a:r>
+            <a:r>
+              <a:rPr lang="en-US" altLang="zh-CN" dirty="0"/>
+              <a:t>,</a:t>
+            </a:r>
+            <a:r>
+              <a:rPr lang="en-US" altLang="zh-CN" i="1" dirty="0"/>
+              <a:t>URLURL_Length</a:t>
+            </a:r>
+            <a:r>
+              <a:rPr lang="en-US" altLang="zh-CN" dirty="0"/>
+              <a:t>,</a:t>
+            </a:r>
+            <a:r>
+              <a:rPr lang="en-US" altLang="zh-CN" i="1" dirty="0"/>
+              <a:t>Shortining_Service</a:t>
+            </a:r>
+            <a:r>
+              <a:rPr lang="en-US" altLang="zh-CN" dirty="0"/>
+              <a:t>,</a:t>
+            </a:r>
+            <a:r>
+              <a:rPr lang="en-US" altLang="zh-CN" i="1" dirty="0"/>
+              <a:t>having_At_Symbol</a:t>
+            </a:r>
+            <a:r>
+              <a:rPr lang="en-US" altLang="zh-CN" dirty="0"/>
+              <a:t>,</a:t>
+            </a:r>
+            <a:r>
+              <a:rPr lang="en-US" altLang="zh-CN" i="1" dirty="0"/>
+              <a:t>double_slash_redirecting</a:t>
+            </a:r>
+            <a:r>
+              <a:rPr lang="en-US" altLang="zh-CN" dirty="0"/>
+              <a:t>,</a:t>
+            </a:r>
+            <a:r>
+              <a:rPr lang="en-US" altLang="zh-CN" i="1" dirty="0"/>
+              <a:t>Prefix_Suffix</a:t>
+            </a:r>
+            <a:r>
+              <a:rPr lang="en-US" altLang="zh-CN" dirty="0"/>
+              <a:t>,</a:t>
+            </a:r>
+            <a:r>
+              <a:rPr lang="en-US" altLang="zh-CN" i="1" dirty="0"/>
+              <a:t>having_Sub_Domain</a:t>
+            </a:r>
+            <a:r>
+              <a:rPr lang="en-US" altLang="zh-CN" dirty="0"/>
+              <a:t>,</a:t>
+            </a:r>
+            <a:r>
+              <a:rPr lang="en-US" altLang="zh-CN" i="1" dirty="0"/>
+              <a:t>SSLfinal_State</a:t>
+            </a:r>
+            <a:r>
+              <a:rPr lang="en-US" altLang="zh-CN" dirty="0"/>
+              <a:t>,</a:t>
+            </a:r>
+            <a:r>
+              <a:rPr lang="en-US" altLang="zh-CN" i="1" dirty="0"/>
+              <a:t>Domain_registeration_length</a:t>
+            </a:r>
+            <a:r>
+              <a:rPr lang="en-US" altLang="zh-CN" dirty="0"/>
+              <a:t>,</a:t>
+            </a:r>
+            <a:r>
+              <a:rPr lang="en-US" altLang="zh-CN" i="1" dirty="0"/>
+              <a:t>Favicon</a:t>
+            </a:r>
+            <a:r>
+              <a:rPr lang="en-US" altLang="zh-CN" dirty="0"/>
+              <a:t>,</a:t>
+            </a:r>
+            <a:r>
+              <a:rPr lang="en-US" altLang="zh-CN" i="1" dirty="0"/>
+              <a:t>port</a:t>
+            </a:r>
+            <a:r>
+              <a:rPr lang="en-US" altLang="zh-CN" dirty="0"/>
+              <a:t>,</a:t>
+            </a:r>
+            <a:r>
+              <a:rPr lang="en-US" altLang="zh-CN" i="1" dirty="0"/>
+              <a:t>HTTPS_token</a:t>
+            </a:r>
+            <a:r>
+              <a:rPr lang="en-US" altLang="zh-CN" dirty="0"/>
+              <a:t>,</a:t>
+            </a:r>
+            <a:r>
+              <a:rPr lang="en-US" altLang="zh-CN" i="1" dirty="0"/>
+              <a:t>Request_URL</a:t>
+            </a:r>
+            <a:r>
+              <a:rPr lang="en-US" altLang="zh-CN" dirty="0"/>
+              <a:t>,</a:t>
+            </a:r>
+            <a:r>
+              <a:rPr lang="en-US" altLang="zh-CN" i="1" dirty="0"/>
+              <a:t>URL_of_Anchor</a:t>
+            </a:r>
+            <a:r>
+              <a:rPr lang="en-US" altLang="zh-CN" dirty="0"/>
+              <a:t>,</a:t>
+            </a:r>
+            <a:r>
+              <a:rPr lang="en-US" altLang="zh-CN" i="1" dirty="0"/>
+              <a:t>Links_in_tags</a:t>
+            </a:r>
+            <a:r>
+              <a:rPr lang="en-US" altLang="zh-CN" dirty="0"/>
+              <a:t>,</a:t>
+            </a:r>
+            <a:r>
+              <a:rPr lang="en-US" altLang="zh-CN" i="1" dirty="0"/>
+              <a:t>SFH</a:t>
+            </a:r>
+            <a:r>
+              <a:rPr lang="en-US" altLang="zh-CN" dirty="0"/>
+              <a:t>,</a:t>
+            </a:r>
+            <a:r>
+              <a:rPr lang="en-US" altLang="zh-CN" i="1" dirty="0"/>
+              <a:t>Submitting_to_email</a:t>
+            </a:r>
+            <a:r>
+              <a:rPr lang="en-US" altLang="zh-CN" dirty="0"/>
+              <a:t>,</a:t>
+            </a:r>
+            <a:r>
+              <a:rPr lang="en-US" altLang="zh-CN" i="1" dirty="0"/>
+              <a:t>Abnormal_URL</a:t>
+            </a:r>
+            <a:r>
+              <a:rPr lang="en-US" altLang="zh-CN" dirty="0"/>
+              <a:t>,</a:t>
+            </a:r>
+            <a:r>
+              <a:rPr lang="en-US" altLang="zh-CN" i="1" dirty="0"/>
+              <a:t>Redirect</a:t>
+            </a:r>
+            <a:r>
+              <a:rPr lang="en-US" altLang="zh-CN" dirty="0"/>
+              <a:t>,</a:t>
+            </a:r>
+            <a:r>
+              <a:rPr lang="en-US" altLang="zh-CN" i="1" dirty="0"/>
+              <a:t>on_mouseover</a:t>
+            </a:r>
+            <a:r>
+              <a:rPr lang="en-US" altLang="zh-CN" dirty="0"/>
+              <a:t>,</a:t>
+            </a:r>
+            <a:r>
+              <a:rPr lang="en-US" altLang="zh-CN" i="1" dirty="0"/>
+              <a:t>RightClick</a:t>
+            </a:r>
+            <a:r>
+              <a:rPr lang="en-US" altLang="zh-CN" dirty="0"/>
+              <a:t>,</a:t>
+            </a:r>
+            <a:r>
+              <a:rPr lang="en-US" altLang="zh-CN" i="1" dirty="0"/>
+              <a:t>popUpWidnow</a:t>
+            </a:r>
+            <a:r>
+              <a:rPr lang="en-US" altLang="zh-CN" dirty="0"/>
+              <a:t>,</a:t>
+            </a:r>
+            <a:r>
+              <a:rPr lang="en-US" altLang="zh-CN" i="1" dirty="0"/>
+              <a:t>Iframe</a:t>
+            </a:r>
+            <a:r>
+              <a:rPr lang="en-US" altLang="zh-CN" dirty="0"/>
+              <a:t>,</a:t>
+            </a:r>
+            <a:r>
+              <a:rPr lang="en-US" altLang="zh-CN" i="1" dirty="0"/>
+              <a:t>age_of_domain</a:t>
+            </a:r>
+            <a:r>
+              <a:rPr lang="en-US" altLang="zh-CN" dirty="0"/>
+              <a:t>,</a:t>
+            </a:r>
+            <a:r>
+              <a:rPr lang="en-US" altLang="zh-CN" i="1" dirty="0"/>
+              <a:t>DNSRecord</a:t>
+            </a:r>
+            <a:r>
+              <a:rPr lang="en-US" altLang="zh-CN" dirty="0"/>
+              <a:t>,</a:t>
+            </a:r>
+            <a:r>
+              <a:rPr lang="en-US" altLang="zh-CN" i="1" dirty="0"/>
+              <a:t>web_traffic</a:t>
+            </a:r>
+            <a:r>
+              <a:rPr lang="en-US" altLang="zh-CN" dirty="0"/>
+              <a:t>,</a:t>
+            </a:r>
+            <a:r>
+              <a:rPr lang="en-US" altLang="zh-CN" i="1" dirty="0"/>
+              <a:t>Page_Rank</a:t>
+            </a:r>
+            <a:r>
+              <a:rPr lang="en-US" altLang="zh-CN" dirty="0"/>
+              <a:t>,</a:t>
+            </a:r>
+            <a:r>
+              <a:rPr lang="en-US" altLang="zh-CN" i="1" dirty="0"/>
+              <a:t>Google_Index</a:t>
+            </a:r>
+            <a:r>
+              <a:rPr lang="en-US" altLang="zh-CN" dirty="0"/>
+              <a:t>,</a:t>
+            </a:r>
+            <a:r>
+              <a:rPr lang="en-US" altLang="zh-CN" i="1" dirty="0"/>
+              <a:t>Links_pointing_to_page</a:t>
+            </a:r>
+            <a:r>
+              <a:rPr lang="en-US" altLang="zh-CN" dirty="0"/>
+              <a:t>,</a:t>
+            </a:r>
+            <a:r>
+              <a:rPr lang="en-US" altLang="zh-CN" i="1" dirty="0"/>
+              <a:t>Statistical_report</a:t>
+            </a:r>
+            <a:r>
+              <a:rPr lang="en-US" altLang="zh-CN" dirty="0"/>
+              <a:t>,</a:t>
+            </a:r>
+            <a:r>
+              <a:rPr lang="en-US" altLang="zh-CN" i="1" dirty="0"/>
+              <a:t>Result</a:t>
+            </a:r>
+            <a:br>
+              <a:rPr lang="en-US" altLang="zh-CN" i="1" dirty="0"/>
+            </a:br>
+            <a:endParaRPr lang="is-IS" altLang="zh-CN" dirty="0"/>
           </a:p>
         </p:txBody>
       </p:sp>
     </p:spTree>
     <p:extLst>
       <p:ext uri="{BB962C8B-B14F-4D97-AF65-F5344CB8AC3E}">
-        <p14:creationId xmlns:p14="http://schemas.microsoft.com/office/powerpoint/2010/main" val="1658410777"/>
+        <p14:creationId xmlns:p14="http://schemas.microsoft.com/office/powerpoint/2010/main" val="2031031135"/>
       </p:ext>
     </p:extLst>
   </p:cSld>

--- a/doc/AI Anti-phishing.pptx
+++ b/doc/AI Anti-phishing.pptx
@@ -5,26 +5,27 @@
     <p:sldMasterId id="2147483648" r:id="rId1"/>
   </p:sldMasterIdLst>
   <p:notesMasterIdLst>
-    <p:notesMasterId r:id="rId19"/>
+    <p:notesMasterId r:id="rId20"/>
   </p:notesMasterIdLst>
   <p:sldIdLst>
     <p:sldId id="256" r:id="rId2"/>
-    <p:sldId id="257" r:id="rId3"/>
-    <p:sldId id="258" r:id="rId4"/>
-    <p:sldId id="272" r:id="rId5"/>
-    <p:sldId id="259" r:id="rId6"/>
-    <p:sldId id="266" r:id="rId7"/>
-    <p:sldId id="260" r:id="rId8"/>
-    <p:sldId id="269" r:id="rId9"/>
-    <p:sldId id="261" r:id="rId10"/>
-    <p:sldId id="268" r:id="rId11"/>
-    <p:sldId id="262" r:id="rId12"/>
-    <p:sldId id="270" r:id="rId13"/>
-    <p:sldId id="263" r:id="rId14"/>
-    <p:sldId id="264" r:id="rId15"/>
-    <p:sldId id="265" r:id="rId16"/>
-    <p:sldId id="267" r:id="rId17"/>
-    <p:sldId id="271" r:id="rId18"/>
+    <p:sldId id="273" r:id="rId3"/>
+    <p:sldId id="257" r:id="rId4"/>
+    <p:sldId id="258" r:id="rId5"/>
+    <p:sldId id="272" r:id="rId6"/>
+    <p:sldId id="259" r:id="rId7"/>
+    <p:sldId id="266" r:id="rId8"/>
+    <p:sldId id="260" r:id="rId9"/>
+    <p:sldId id="269" r:id="rId10"/>
+    <p:sldId id="261" r:id="rId11"/>
+    <p:sldId id="268" r:id="rId12"/>
+    <p:sldId id="262" r:id="rId13"/>
+    <p:sldId id="270" r:id="rId14"/>
+    <p:sldId id="263" r:id="rId15"/>
+    <p:sldId id="264" r:id="rId16"/>
+    <p:sldId id="265" r:id="rId17"/>
+    <p:sldId id="267" r:id="rId18"/>
+    <p:sldId id="271" r:id="rId19"/>
   </p:sldIdLst>
   <p:sldSz cx="12192000" cy="6858000"/>
   <p:notesSz cx="6858000" cy="9144000"/>
@@ -213,7 +214,7 @@
           <a:p>
             <a:fld id="{7553DD64-06AD-E64A-8098-BD51A3D5F647}" type="datetimeFigureOut">
               <a:rPr kumimoji="1" lang="zh-CN" altLang="en-US" smtClean="0"/>
-              <a:t>2020/8/26</a:t>
+              <a:t>2020/8/28</a:t>
             </a:fld>
             <a:endParaRPr kumimoji="1" lang="zh-CN" altLang="en-US"/>
           </a:p>
@@ -557,7 +558,7 @@
           <a:p>
             <a:fld id="{8DD47087-9B73-FF43-B256-68CAC134E4BE}" type="slidenum">
               <a:rPr kumimoji="1" lang="zh-CN" altLang="en-US" smtClean="0"/>
-              <a:t>13</a:t>
+              <a:t>14</a:t>
             </a:fld>
             <a:endParaRPr kumimoji="1" lang="zh-CN" altLang="en-US"/>
           </a:p>
@@ -705,7 +706,7 @@
           <a:p>
             <a:fld id="{AE1A547C-B457-A943-8000-9FA1EC6330E8}" type="datetimeFigureOut">
               <a:rPr kumimoji="1" lang="zh-CN" altLang="en-US" smtClean="0"/>
-              <a:t>2020/8/26</a:t>
+              <a:t>2020/8/28</a:t>
             </a:fld>
             <a:endParaRPr kumimoji="1" lang="zh-CN" altLang="en-US"/>
           </a:p>
@@ -873,7 +874,7 @@
           <a:p>
             <a:fld id="{AE1A547C-B457-A943-8000-9FA1EC6330E8}" type="datetimeFigureOut">
               <a:rPr kumimoji="1" lang="zh-CN" altLang="en-US" smtClean="0"/>
-              <a:t>2020/8/26</a:t>
+              <a:t>2020/8/28</a:t>
             </a:fld>
             <a:endParaRPr kumimoji="1" lang="zh-CN" altLang="en-US"/>
           </a:p>
@@ -1051,7 +1052,7 @@
           <a:p>
             <a:fld id="{AE1A547C-B457-A943-8000-9FA1EC6330E8}" type="datetimeFigureOut">
               <a:rPr kumimoji="1" lang="zh-CN" altLang="en-US" smtClean="0"/>
-              <a:t>2020/8/26</a:t>
+              <a:t>2020/8/28</a:t>
             </a:fld>
             <a:endParaRPr kumimoji="1" lang="zh-CN" altLang="en-US"/>
           </a:p>
@@ -1219,7 +1220,7 @@
           <a:p>
             <a:fld id="{AE1A547C-B457-A943-8000-9FA1EC6330E8}" type="datetimeFigureOut">
               <a:rPr kumimoji="1" lang="zh-CN" altLang="en-US" smtClean="0"/>
-              <a:t>2020/8/26</a:t>
+              <a:t>2020/8/28</a:t>
             </a:fld>
             <a:endParaRPr kumimoji="1" lang="zh-CN" altLang="en-US"/>
           </a:p>
@@ -1464,7 +1465,7 @@
           <a:p>
             <a:fld id="{AE1A547C-B457-A943-8000-9FA1EC6330E8}" type="datetimeFigureOut">
               <a:rPr kumimoji="1" lang="zh-CN" altLang="en-US" smtClean="0"/>
-              <a:t>2020/8/26</a:t>
+              <a:t>2020/8/28</a:t>
             </a:fld>
             <a:endParaRPr kumimoji="1" lang="zh-CN" altLang="en-US"/>
           </a:p>
@@ -1693,7 +1694,7 @@
           <a:p>
             <a:fld id="{AE1A547C-B457-A943-8000-9FA1EC6330E8}" type="datetimeFigureOut">
               <a:rPr kumimoji="1" lang="zh-CN" altLang="en-US" smtClean="0"/>
-              <a:t>2020/8/26</a:t>
+              <a:t>2020/8/28</a:t>
             </a:fld>
             <a:endParaRPr kumimoji="1" lang="zh-CN" altLang="en-US"/>
           </a:p>
@@ -2057,7 +2058,7 @@
           <a:p>
             <a:fld id="{AE1A547C-B457-A943-8000-9FA1EC6330E8}" type="datetimeFigureOut">
               <a:rPr kumimoji="1" lang="zh-CN" altLang="en-US" smtClean="0"/>
-              <a:t>2020/8/26</a:t>
+              <a:t>2020/8/28</a:t>
             </a:fld>
             <a:endParaRPr kumimoji="1" lang="zh-CN" altLang="en-US"/>
           </a:p>
@@ -2174,7 +2175,7 @@
           <a:p>
             <a:fld id="{AE1A547C-B457-A943-8000-9FA1EC6330E8}" type="datetimeFigureOut">
               <a:rPr kumimoji="1" lang="zh-CN" altLang="en-US" smtClean="0"/>
-              <a:t>2020/8/26</a:t>
+              <a:t>2020/8/28</a:t>
             </a:fld>
             <a:endParaRPr kumimoji="1" lang="zh-CN" altLang="en-US"/>
           </a:p>
@@ -2269,7 +2270,7 @@
           <a:p>
             <a:fld id="{AE1A547C-B457-A943-8000-9FA1EC6330E8}" type="datetimeFigureOut">
               <a:rPr kumimoji="1" lang="zh-CN" altLang="en-US" smtClean="0"/>
-              <a:t>2020/8/26</a:t>
+              <a:t>2020/8/28</a:t>
             </a:fld>
             <a:endParaRPr kumimoji="1" lang="zh-CN" altLang="en-US"/>
           </a:p>
@@ -2544,7 +2545,7 @@
           <a:p>
             <a:fld id="{AE1A547C-B457-A943-8000-9FA1EC6330E8}" type="datetimeFigureOut">
               <a:rPr kumimoji="1" lang="zh-CN" altLang="en-US" smtClean="0"/>
-              <a:t>2020/8/26</a:t>
+              <a:t>2020/8/28</a:t>
             </a:fld>
             <a:endParaRPr kumimoji="1" lang="zh-CN" altLang="en-US"/>
           </a:p>
@@ -2796,7 +2797,7 @@
           <a:p>
             <a:fld id="{AE1A547C-B457-A943-8000-9FA1EC6330E8}" type="datetimeFigureOut">
               <a:rPr kumimoji="1" lang="zh-CN" altLang="en-US" smtClean="0"/>
-              <a:t>2020/8/26</a:t>
+              <a:t>2020/8/28</a:t>
             </a:fld>
             <a:endParaRPr kumimoji="1" lang="zh-CN" altLang="en-US"/>
           </a:p>
@@ -3007,7 +3008,7 @@
           <a:p>
             <a:fld id="{AE1A547C-B457-A943-8000-9FA1EC6330E8}" type="datetimeFigureOut">
               <a:rPr kumimoji="1" lang="zh-CN" altLang="en-US" smtClean="0"/>
-              <a:t>2020/8/26</a:t>
+              <a:t>2020/8/28</a:t>
             </a:fld>
             <a:endParaRPr kumimoji="1" lang="zh-CN" altLang="en-US"/>
           </a:p>
@@ -3513,7 +3514,11 @@
           <a:p>
             <a:r>
               <a:rPr kumimoji="1" lang="en-US" altLang="zh-CN" dirty="0"/>
-              <a:t>HTML Structure</a:t>
+              <a:t>HTML </a:t>
+            </a:r>
+            <a:r>
+              <a:rPr kumimoji="1" lang="en-US" altLang="zh-CN" dirty="0" smtClean="0"/>
+              <a:t>Structure Features</a:t>
             </a:r>
             <a:endParaRPr kumimoji="1" lang="zh-CN" altLang="en-US" dirty="0"/>
           </a:p>
@@ -3535,70 +3540,268 @@
           <a:lstStyle/>
           <a:p>
             <a:r>
-              <a:rPr kumimoji="1" lang="en-US" altLang="zh-CN" dirty="0"/>
-              <a:t>LR:</a:t>
-            </a:r>
-            <a:r>
-              <a:rPr lang="cs-CZ" altLang="zh-CN" dirty="0"/>
-              <a:t> 0.8411214953271028</a:t>
-            </a:r>
-          </a:p>
-          <a:p>
-            <a:r>
-              <a:rPr kumimoji="1" lang="cs-CZ" altLang="zh-CN" dirty="0"/>
-              <a:t>XGBOOST:</a:t>
-            </a:r>
-            <a:r>
-              <a:rPr lang="is-IS" altLang="zh-CN" dirty="0"/>
-              <a:t> 0.9472414832680133</a:t>
-            </a:r>
-          </a:p>
-          <a:p>
-            <a:r>
-              <a:rPr kumimoji="1" lang="is-IS" altLang="zh-CN" dirty="0"/>
-              <a:t>ADABOOST:</a:t>
-            </a:r>
-            <a:r>
-              <a:rPr lang="tr-TR" altLang="zh-CN" dirty="0"/>
-              <a:t> 0.9104612601748568</a:t>
-            </a:r>
-          </a:p>
-          <a:p>
-            <a:r>
-              <a:rPr kumimoji="1" lang="tr-TR" altLang="zh-CN" dirty="0"/>
-              <a:t>SVM:</a:t>
-            </a:r>
-            <a:r>
-              <a:rPr lang="pt-BR" altLang="zh-CN" dirty="0"/>
-              <a:t> 0.5604461863129334</a:t>
-            </a:r>
-          </a:p>
-          <a:p>
-            <a:r>
-              <a:rPr kumimoji="1" lang="pt-BR" altLang="zh-CN" dirty="0" err="1"/>
-              <a:t>RandomForest</a:t>
-            </a:r>
-            <a:r>
-              <a:rPr kumimoji="1" lang="pt-BR" altLang="zh-CN" dirty="0"/>
-              <a:t>:</a:t>
-            </a:r>
-            <a:r>
-              <a:rPr lang="is-IS" altLang="zh-CN" dirty="0"/>
-              <a:t> 0.9710581851070245</a:t>
-            </a:r>
-          </a:p>
-          <a:p>
-            <a:r>
-              <a:rPr lang="is-IS" altLang="zh-CN" dirty="0"/>
-              <a:t>DesicionTree: 0.9469400060295448</a:t>
-            </a:r>
+              <a:rPr lang="en-US" altLang="zh-CN" i="1" dirty="0"/>
+              <a:t>index</a:t>
+            </a:r>
+            <a:r>
+              <a:rPr lang="en-US" altLang="zh-CN" dirty="0"/>
+              <a:t>,</a:t>
+            </a:r>
+            <a:r>
+              <a:rPr lang="en-US" altLang="zh-CN" i="1" dirty="0"/>
+              <a:t>having_IPhaving_IP_Address</a:t>
+            </a:r>
+            <a:r>
+              <a:rPr lang="en-US" altLang="zh-CN" dirty="0"/>
+              <a:t>,</a:t>
+            </a:r>
+            <a:r>
+              <a:rPr lang="en-US" altLang="zh-CN" i="1" dirty="0"/>
+              <a:t>URLURL_Length</a:t>
+            </a:r>
+            <a:r>
+              <a:rPr lang="en-US" altLang="zh-CN" dirty="0"/>
+              <a:t>,</a:t>
+            </a:r>
+            <a:r>
+              <a:rPr lang="en-US" altLang="zh-CN" i="1" dirty="0"/>
+              <a:t>Shortining_Service</a:t>
+            </a:r>
+            <a:r>
+              <a:rPr lang="en-US" altLang="zh-CN" dirty="0"/>
+              <a:t>,</a:t>
+            </a:r>
+            <a:r>
+              <a:rPr lang="en-US" altLang="zh-CN" i="1" dirty="0"/>
+              <a:t>having_At_Symbol</a:t>
+            </a:r>
+            <a:r>
+              <a:rPr lang="en-US" altLang="zh-CN" dirty="0"/>
+              <a:t>,</a:t>
+            </a:r>
+            <a:r>
+              <a:rPr lang="en-US" altLang="zh-CN" i="1" dirty="0"/>
+              <a:t>double_slash_redirecting</a:t>
+            </a:r>
+            <a:r>
+              <a:rPr lang="en-US" altLang="zh-CN" dirty="0"/>
+              <a:t>,</a:t>
+            </a:r>
+            <a:r>
+              <a:rPr lang="en-US" altLang="zh-CN" i="1" dirty="0"/>
+              <a:t>Prefix_Suffix</a:t>
+            </a:r>
+            <a:r>
+              <a:rPr lang="en-US" altLang="zh-CN" dirty="0"/>
+              <a:t>,</a:t>
+            </a:r>
+            <a:r>
+              <a:rPr lang="en-US" altLang="zh-CN" i="1" dirty="0"/>
+              <a:t>having_Sub_Domain</a:t>
+            </a:r>
+            <a:r>
+              <a:rPr lang="en-US" altLang="zh-CN" dirty="0"/>
+              <a:t>,</a:t>
+            </a:r>
+            <a:r>
+              <a:rPr lang="en-US" altLang="zh-CN" i="1" dirty="0"/>
+              <a:t>SSLfinal_State</a:t>
+            </a:r>
+            <a:r>
+              <a:rPr lang="en-US" altLang="zh-CN" dirty="0"/>
+              <a:t>,</a:t>
+            </a:r>
+            <a:r>
+              <a:rPr lang="en-US" altLang="zh-CN" i="1" dirty="0"/>
+              <a:t>Domain_registeration_length</a:t>
+            </a:r>
+            <a:r>
+              <a:rPr lang="en-US" altLang="zh-CN" dirty="0"/>
+              <a:t>,</a:t>
+            </a:r>
+            <a:r>
+              <a:rPr lang="en-US" altLang="zh-CN" i="1" dirty="0"/>
+              <a:t>Favicon</a:t>
+            </a:r>
+            <a:r>
+              <a:rPr lang="en-US" altLang="zh-CN" dirty="0"/>
+              <a:t>,</a:t>
+            </a:r>
+            <a:r>
+              <a:rPr lang="en-US" altLang="zh-CN" i="1" dirty="0"/>
+              <a:t>port</a:t>
+            </a:r>
+            <a:r>
+              <a:rPr lang="en-US" altLang="zh-CN" dirty="0"/>
+              <a:t>,</a:t>
+            </a:r>
+            <a:r>
+              <a:rPr lang="en-US" altLang="zh-CN" i="1" dirty="0"/>
+              <a:t>HTTPS_token</a:t>
+            </a:r>
+            <a:r>
+              <a:rPr lang="en-US" altLang="zh-CN" dirty="0"/>
+              <a:t>,</a:t>
+            </a:r>
+            <a:r>
+              <a:rPr lang="en-US" altLang="zh-CN" i="1" dirty="0"/>
+              <a:t>Request_URL</a:t>
+            </a:r>
+            <a:r>
+              <a:rPr lang="en-US" altLang="zh-CN" dirty="0"/>
+              <a:t>,</a:t>
+            </a:r>
+            <a:r>
+              <a:rPr lang="en-US" altLang="zh-CN" i="1" dirty="0"/>
+              <a:t>URL_of_Anchor</a:t>
+            </a:r>
+            <a:r>
+              <a:rPr lang="en-US" altLang="zh-CN" dirty="0"/>
+              <a:t>,</a:t>
+            </a:r>
+            <a:r>
+              <a:rPr lang="en-US" altLang="zh-CN" i="1" dirty="0"/>
+              <a:t>Links_in_tags</a:t>
+            </a:r>
+            <a:r>
+              <a:rPr lang="en-US" altLang="zh-CN" dirty="0"/>
+              <a:t>,</a:t>
+            </a:r>
+            <a:r>
+              <a:rPr lang="en-US" altLang="zh-CN" i="1" dirty="0"/>
+              <a:t>SFH</a:t>
+            </a:r>
+            <a:r>
+              <a:rPr lang="en-US" altLang="zh-CN" dirty="0"/>
+              <a:t>,</a:t>
+            </a:r>
+            <a:r>
+              <a:rPr lang="en-US" altLang="zh-CN" i="1" dirty="0"/>
+              <a:t>Submitting_to_email</a:t>
+            </a:r>
+            <a:r>
+              <a:rPr lang="en-US" altLang="zh-CN" dirty="0"/>
+              <a:t>,</a:t>
+            </a:r>
+            <a:r>
+              <a:rPr lang="en-US" altLang="zh-CN" i="1" dirty="0"/>
+              <a:t>Abnormal_URL</a:t>
+            </a:r>
+            <a:r>
+              <a:rPr lang="en-US" altLang="zh-CN" dirty="0"/>
+              <a:t>,</a:t>
+            </a:r>
+            <a:r>
+              <a:rPr lang="en-US" altLang="zh-CN" i="1" dirty="0"/>
+              <a:t>Redirect</a:t>
+            </a:r>
+            <a:r>
+              <a:rPr lang="en-US" altLang="zh-CN" dirty="0"/>
+              <a:t>,</a:t>
+            </a:r>
+            <a:r>
+              <a:rPr lang="en-US" altLang="zh-CN" i="1" dirty="0"/>
+              <a:t>on_mouseover</a:t>
+            </a:r>
+            <a:r>
+              <a:rPr lang="en-US" altLang="zh-CN" dirty="0"/>
+              <a:t>,</a:t>
+            </a:r>
+            <a:r>
+              <a:rPr lang="en-US" altLang="zh-CN" i="1" dirty="0"/>
+              <a:t>RightClick</a:t>
+            </a:r>
+            <a:r>
+              <a:rPr lang="en-US" altLang="zh-CN" dirty="0"/>
+              <a:t>,</a:t>
+            </a:r>
+            <a:r>
+              <a:rPr lang="en-US" altLang="zh-CN" i="1" dirty="0"/>
+              <a:t>popUpWidnow</a:t>
+            </a:r>
+            <a:r>
+              <a:rPr lang="en-US" altLang="zh-CN" dirty="0"/>
+              <a:t>,</a:t>
+            </a:r>
+            <a:r>
+              <a:rPr lang="en-US" altLang="zh-CN" i="1" dirty="0"/>
+              <a:t>Iframe</a:t>
+            </a:r>
+            <a:r>
+              <a:rPr lang="en-US" altLang="zh-CN" dirty="0"/>
+              <a:t>,</a:t>
+            </a:r>
+            <a:r>
+              <a:rPr lang="en-US" altLang="zh-CN" i="1" dirty="0"/>
+              <a:t>age_of_domain</a:t>
+            </a:r>
+            <a:r>
+              <a:rPr lang="en-US" altLang="zh-CN" dirty="0"/>
+              <a:t>,</a:t>
+            </a:r>
+            <a:r>
+              <a:rPr lang="en-US" altLang="zh-CN" i="1" dirty="0"/>
+              <a:t>DNSRecord</a:t>
+            </a:r>
+            <a:r>
+              <a:rPr lang="en-US" altLang="zh-CN" dirty="0"/>
+              <a:t>,</a:t>
+            </a:r>
+            <a:r>
+              <a:rPr lang="en-US" altLang="zh-CN" i="1" dirty="0"/>
+              <a:t>web_traffic</a:t>
+            </a:r>
+            <a:r>
+              <a:rPr lang="en-US" altLang="zh-CN" dirty="0"/>
+              <a:t>,</a:t>
+            </a:r>
+            <a:r>
+              <a:rPr lang="en-US" altLang="zh-CN" i="1" dirty="0"/>
+              <a:t>Page_Rank</a:t>
+            </a:r>
+            <a:r>
+              <a:rPr lang="en-US" altLang="zh-CN" dirty="0"/>
+              <a:t>,</a:t>
+            </a:r>
+            <a:r>
+              <a:rPr lang="en-US" altLang="zh-CN" i="1" dirty="0"/>
+              <a:t>Google_Index</a:t>
+            </a:r>
+            <a:r>
+              <a:rPr lang="en-US" altLang="zh-CN" dirty="0"/>
+              <a:t>,</a:t>
+            </a:r>
+            <a:r>
+              <a:rPr lang="en-US" altLang="zh-CN" i="1" dirty="0"/>
+              <a:t>Links_pointing_to_page</a:t>
+            </a:r>
+            <a:r>
+              <a:rPr lang="en-US" altLang="zh-CN" dirty="0"/>
+              <a:t>,</a:t>
+            </a:r>
+            <a:r>
+              <a:rPr lang="en-US" altLang="zh-CN" i="1" dirty="0"/>
+              <a:t>Statistical_report</a:t>
+            </a:r>
+            <a:r>
+              <a:rPr lang="en-US" altLang="zh-CN" dirty="0"/>
+              <a:t>,</a:t>
+            </a:r>
+            <a:r>
+              <a:rPr lang="en-US" altLang="zh-CN" i="1" dirty="0"/>
+              <a:t>Result</a:t>
+            </a:r>
+            <a:br>
+              <a:rPr lang="en-US" altLang="zh-CN" i="1" dirty="0"/>
+            </a:br>
+            <a:endParaRPr lang="is-IS" altLang="zh-CN" dirty="0"/>
           </a:p>
         </p:txBody>
       </p:sp>
     </p:spTree>
     <p:extLst>
       <p:ext uri="{BB962C8B-B14F-4D97-AF65-F5344CB8AC3E}">
-        <p14:creationId xmlns:p14="http://schemas.microsoft.com/office/powerpoint/2010/main" val="1658410777"/>
+        <p14:creationId xmlns:p14="http://schemas.microsoft.com/office/powerpoint/2010/main" val="2031031135"/>
       </p:ext>
     </p:extLst>
   </p:cSld>
@@ -3642,7 +3845,7 @@
           <a:p>
             <a:r>
               <a:rPr kumimoji="1" lang="en-US" altLang="zh-CN" dirty="0"/>
-              <a:t>Email Contents</a:t>
+              <a:t>HTML Structure</a:t>
             </a:r>
             <a:endParaRPr kumimoji="1" lang="zh-CN" altLang="en-US" dirty="0"/>
           </a:p>
@@ -3660,88 +3863,74 @@
         </p:nvSpPr>
         <p:spPr/>
         <p:txBody>
-          <a:bodyPr>
-            <a:normAutofit/>
-          </a:bodyPr>
+          <a:bodyPr/>
           <a:lstStyle/>
           <a:p>
             <a:r>
               <a:rPr kumimoji="1" lang="en-US" altLang="zh-CN" dirty="0"/>
-              <a:t>without header </a:t>
+              <a:t>LR:</a:t>
             </a:r>
             <a:r>
               <a:rPr lang="cs-CZ" altLang="zh-CN" dirty="0"/>
-              <a:t>(0.9720524017467249, 0.9720524017467249, 1145)</a:t>
-            </a:r>
-          </a:p>
-          <a:p>
-            <a:r>
-              <a:rPr kumimoji="1" lang="cs-CZ" altLang="zh-CN" dirty="0" err="1"/>
-              <a:t>with</a:t>
-            </a:r>
+              <a:t> 0.8411214953271028</a:t>
+            </a:r>
+          </a:p>
+          <a:p>
             <a:r>
               <a:rPr kumimoji="1" lang="cs-CZ" altLang="zh-CN" dirty="0"/>
-              <a:t> </a:t>
-            </a:r>
-            <a:r>
-              <a:rPr kumimoji="1" lang="cs-CZ" altLang="zh-CN" dirty="0" err="1"/>
-              <a:t>header</a:t>
-            </a:r>
-            <a:r>
-              <a:rPr kumimoji="1" lang="cs-CZ" altLang="zh-CN" dirty="0"/>
-              <a:t> </a:t>
+              <a:t>XGBOOST:</a:t>
             </a:r>
             <a:r>
               <a:rPr lang="is-IS" altLang="zh-CN" dirty="0"/>
-              <a:t>(0.9967284623773174, 0.9967284623773174, 917)</a:t>
-            </a:r>
-          </a:p>
-          <a:p>
-            <a:r>
-              <a:rPr kumimoji="1" lang="en-US" altLang="zh-CN" dirty="0"/>
-              <a:t>combined model</a:t>
+              <a:t> 0.9472414832680133</a:t>
+            </a:r>
+          </a:p>
+          <a:p>
+            <a:r>
+              <a:rPr kumimoji="1" lang="is-IS" altLang="zh-CN" dirty="0"/>
+              <a:t>ADABOOST:</a:t>
+            </a:r>
+            <a:r>
+              <a:rPr lang="tr-TR" altLang="zh-CN" dirty="0"/>
+              <a:t> 0.9104612601748568</a:t>
+            </a:r>
+          </a:p>
+          <a:p>
+            <a:r>
+              <a:rPr kumimoji="1" lang="tr-TR" altLang="zh-CN" dirty="0"/>
+              <a:t>SVM:</a:t>
+            </a:r>
+            <a:r>
+              <a:rPr lang="pt-BR" altLang="zh-CN" dirty="0"/>
+              <a:t> 0.5604461863129334</a:t>
+            </a:r>
+          </a:p>
+          <a:p>
+            <a:r>
+              <a:rPr kumimoji="1" lang="pt-BR" altLang="zh-CN" dirty="0" err="1"/>
+              <a:t>RandomForest</a:t>
+            </a:r>
+            <a:r>
+              <a:rPr kumimoji="1" lang="pt-BR" altLang="zh-CN" dirty="0"/>
+              <a:t>:</a:t>
             </a:r>
             <a:r>
               <a:rPr lang="is-IS" altLang="zh-CN" dirty="0"/>
-              <a:t> (0.9830261881668283, 0.9830261881668283, 2062)</a:t>
-            </a:r>
-          </a:p>
-          <a:p>
-            <a:r>
-              <a:rPr lang="en-US" altLang="zh-CN" dirty="0" err="1"/>
-              <a:t>result.precision</a:t>
-            </a:r>
-            <a:r>
-              <a:rPr lang="en-US" altLang="zh-CN" dirty="0"/>
-              <a:t>, </a:t>
-            </a:r>
-            <a:r>
-              <a:rPr lang="en-US" altLang="zh-CN" dirty="0" err="1"/>
-              <a:t>result.recall</a:t>
-            </a:r>
-            <a:r>
-              <a:rPr lang="en-US" altLang="zh-CN" dirty="0"/>
-              <a:t>, </a:t>
-            </a:r>
-            <a:r>
-              <a:rPr lang="en-US" altLang="zh-CN" dirty="0" err="1"/>
-              <a:t>result.nexamples</a:t>
-            </a:r>
-            <a:r>
-              <a:rPr lang="en-US" altLang="zh-CN" dirty="0"/>
-              <a:t/>
-            </a:r>
-            <a:br>
-              <a:rPr lang="en-US" altLang="zh-CN" dirty="0"/>
-            </a:br>
-            <a:endParaRPr kumimoji="1" lang="en-US" altLang="zh-CN" dirty="0"/>
+              <a:t> 0.9710581851070245</a:t>
+            </a:r>
+          </a:p>
+          <a:p>
+            <a:r>
+              <a:rPr lang="is-IS" altLang="zh-CN" dirty="0"/>
+              <a:t>DesicionTree: 0.9469400060295448</a:t>
+            </a:r>
           </a:p>
         </p:txBody>
       </p:sp>
     </p:spTree>
     <p:extLst>
       <p:ext uri="{BB962C8B-B14F-4D97-AF65-F5344CB8AC3E}">
-        <p14:creationId xmlns:p14="http://schemas.microsoft.com/office/powerpoint/2010/main" val="535785219"/>
+        <p14:creationId xmlns:p14="http://schemas.microsoft.com/office/powerpoint/2010/main" val="1658410777"/>
       </p:ext>
     </p:extLst>
   </p:cSld>
@@ -3785,7 +3974,7 @@
           <a:p>
             <a:r>
               <a:rPr kumimoji="1" lang="en-US" altLang="zh-CN" dirty="0"/>
-              <a:t>Fraudulent</a:t>
+              <a:t>Email Contents</a:t>
             </a:r>
             <a:endParaRPr kumimoji="1" lang="zh-CN" altLang="en-US" dirty="0"/>
           </a:p>
@@ -3803,80 +3992,88 @@
         </p:nvSpPr>
         <p:spPr/>
         <p:txBody>
-          <a:bodyPr/>
+          <a:bodyPr>
+            <a:normAutofit/>
+          </a:bodyPr>
           <a:lstStyle/>
           <a:p>
             <a:r>
               <a:rPr kumimoji="1" lang="en-US" altLang="zh-CN" dirty="0"/>
-              <a:t>BERT failure</a:t>
+              <a:t>without header </a:t>
+            </a:r>
+            <a:r>
+              <a:rPr lang="cs-CZ" altLang="zh-CN" dirty="0"/>
+              <a:t>(0.9720524017467249, 0.9720524017467249, 1145)</a:t>
+            </a:r>
+          </a:p>
+          <a:p>
+            <a:r>
+              <a:rPr kumimoji="1" lang="cs-CZ" altLang="zh-CN" dirty="0" err="1"/>
+              <a:t>with</a:t>
+            </a:r>
+            <a:r>
+              <a:rPr kumimoji="1" lang="cs-CZ" altLang="zh-CN" dirty="0"/>
+              <a:t> </a:t>
+            </a:r>
+            <a:r>
+              <a:rPr kumimoji="1" lang="cs-CZ" altLang="zh-CN" dirty="0" err="1"/>
+              <a:t>header</a:t>
+            </a:r>
+            <a:r>
+              <a:rPr kumimoji="1" lang="cs-CZ" altLang="zh-CN" dirty="0"/>
+              <a:t> </a:t>
+            </a:r>
+            <a:r>
+              <a:rPr lang="is-IS" altLang="zh-CN" dirty="0"/>
+              <a:t>(0.9967284623773174, 0.9967284623773174, 917)</a:t>
             </a:r>
           </a:p>
           <a:p>
             <a:r>
               <a:rPr kumimoji="1" lang="en-US" altLang="zh-CN" dirty="0"/>
-              <a:t>ELMO failure</a:t>
-            </a:r>
-          </a:p>
-          <a:p>
-            <a:r>
-              <a:rPr kumimoji="1" lang="en-US" altLang="zh-CN" dirty="0"/>
-              <a:t>Features</a:t>
-            </a:r>
-          </a:p>
-          <a:p>
-            <a:pPr lvl="1"/>
-            <a:r>
-              <a:rPr lang="en-US" altLang="zh-CN" dirty="0"/>
-              <a:t>Gradient Boosting:</a:t>
-            </a:r>
-            <a:r>
-              <a:rPr lang="hr-HR" altLang="zh-CN" dirty="0"/>
-              <a:t> 0.9833333333333333</a:t>
-            </a:r>
-          </a:p>
-          <a:p>
-            <a:pPr lvl="1"/>
-            <a:r>
-              <a:rPr kumimoji="1" lang="hr-HR" altLang="zh-CN" dirty="0" err="1"/>
-              <a:t>RandomTree</a:t>
-            </a:r>
-            <a:r>
-              <a:rPr kumimoji="1" lang="hr-HR" altLang="zh-CN" dirty="0"/>
-              <a:t>:</a:t>
-            </a:r>
-            <a:r>
-              <a:rPr lang="hr-HR" altLang="zh-CN" dirty="0"/>
-              <a:t> 0.9883333333333333</a:t>
-            </a:r>
-          </a:p>
-          <a:p>
-            <a:pPr lvl="1"/>
-            <a:r>
-              <a:rPr kumimoji="1" lang="hr-HR" altLang="zh-CN" dirty="0"/>
-              <a:t>SVM:</a:t>
-            </a:r>
-            <a:r>
-              <a:rPr lang="hr-HR" altLang="zh-CN" dirty="0"/>
-              <a:t> 0.8866666666666667</a:t>
-            </a:r>
-          </a:p>
-          <a:p>
-            <a:pPr lvl="1"/>
-            <a:r>
-              <a:rPr kumimoji="1" lang="hr-HR" altLang="zh-CN" dirty="0"/>
-              <a:t>LR:</a:t>
-            </a:r>
-            <a:r>
-              <a:rPr lang="hr-HR" altLang="zh-CN" dirty="0"/>
-              <a:t> 0.99</a:t>
-            </a:r>
+              <a:t>combined model</a:t>
+            </a:r>
+            <a:r>
+              <a:rPr lang="is-IS" altLang="zh-CN" dirty="0"/>
+              <a:t> (0.9830261881668283, 0.9830261881668283, 2062)</a:t>
+            </a:r>
+          </a:p>
+          <a:p>
+            <a:r>
+              <a:rPr lang="en-US" altLang="zh-CN" dirty="0" err="1"/>
+              <a:t>result.precision</a:t>
+            </a:r>
+            <a:r>
+              <a:rPr lang="en-US" altLang="zh-CN" dirty="0"/>
+              <a:t>, </a:t>
+            </a:r>
+            <a:r>
+              <a:rPr lang="en-US" altLang="zh-CN" dirty="0" err="1"/>
+              <a:t>result.recall</a:t>
+            </a:r>
+            <a:r>
+              <a:rPr lang="en-US" altLang="zh-CN" dirty="0"/>
+              <a:t>, </a:t>
+            </a:r>
+            <a:r>
+              <a:rPr lang="en-US" altLang="zh-CN" dirty="0" err="1"/>
+              <a:t>result.nexamples</a:t>
+            </a:r>
+            <a:r>
+              <a:rPr lang="en-US" altLang="zh-CN" dirty="0"/>
+              <a:t/>
+            </a:r>
+            <a:br>
+              <a:rPr lang="en-US" altLang="zh-CN" dirty="0"/>
+            </a:br>
+            <a:endParaRPr kumimoji="1" lang="en-US" altLang="zh-CN" dirty="0"/>
           </a:p>
         </p:txBody>
       </p:sp>
     </p:spTree>
     <p:extLst>
       <p:ext uri="{BB962C8B-B14F-4D97-AF65-F5344CB8AC3E}">
-        <p14:creationId xmlns:p14="http://schemas.microsoft.com/office/powerpoint/2010/main" val="1522802864"/>
+        <p14:creationId xmlns:p14="http://schemas.microsoft.com/office/powerpoint/2010/main" val="535785219"/>
       </p:ext>
     </p:extLst>
   </p:cSld>
@@ -3920,7 +4117,7 @@
           <a:p>
             <a:r>
               <a:rPr kumimoji="1" lang="en-US" altLang="zh-CN" dirty="0"/>
-              <a:t>Vision</a:t>
+              <a:t>Fraudulent</a:t>
             </a:r>
             <a:endParaRPr kumimoji="1" lang="zh-CN" altLang="en-US" dirty="0"/>
           </a:p>
@@ -3942,117 +4139,76 @@
           <a:lstStyle/>
           <a:p>
             <a:r>
-              <a:rPr lang="en-US" altLang="zh-CN" dirty="0"/>
-              <a:t>Similar-looking </a:t>
-            </a:r>
-            <a:endParaRPr lang="sk-SK" altLang="zh-CN" dirty="0"/>
-          </a:p>
-          <a:p>
-            <a:r>
-              <a:rPr lang="en-US" altLang="zh-CN" dirty="0" err="1"/>
-              <a:t>Homoglyph</a:t>
-            </a:r>
-            <a:r>
-              <a:rPr lang="en-US" altLang="zh-CN" dirty="0"/>
-              <a:t> attack  Homograph spoofing ,</a:t>
-            </a:r>
-            <a:r>
-              <a:rPr lang="en-US" altLang="zh-CN" dirty="0" err="1"/>
-              <a:t>Typosquatting</a:t>
-            </a:r>
-            <a:r>
-              <a:rPr lang="en-US" altLang="zh-CN" dirty="0"/>
-              <a:t> ,</a:t>
-            </a:r>
-            <a:r>
-              <a:rPr lang="en-US" altLang="zh-CN" dirty="0" err="1"/>
-              <a:t>Soundsquatting</a:t>
-            </a:r>
-            <a:r>
-              <a:rPr lang="en-US" altLang="zh-CN" dirty="0"/>
-              <a:t> ,</a:t>
-            </a:r>
-            <a:r>
-              <a:rPr lang="en-US" altLang="zh-CN" dirty="0" err="1"/>
-              <a:t>Combosquatting</a:t>
-            </a:r>
-            <a:r>
-              <a:rPr lang="en-US" altLang="zh-CN" dirty="0"/>
-              <a:t> </a:t>
-            </a:r>
-            <a:r>
-              <a:rPr lang="zh-CN" altLang="en-US" dirty="0"/>
-              <a:t>。</a:t>
-            </a:r>
-            <a:endParaRPr lang="en-US" altLang="zh-CN" dirty="0"/>
-          </a:p>
-          <a:p>
-            <a:r>
-              <a:rPr lang="en-US" altLang="zh-CN" dirty="0"/>
-              <a:t>URL Obfuscation</a:t>
-            </a:r>
-          </a:p>
-          <a:p>
-            <a:r>
-              <a:rPr lang="en-US" altLang="zh-CN" dirty="0"/>
-              <a:t>CSS Similarity. </a:t>
-            </a:r>
-          </a:p>
-          <a:p>
-            <a:endParaRPr kumimoji="1" lang="en-US" altLang="zh-CN" dirty="0"/>
-          </a:p>
-          <a:p>
-            <a:r>
-              <a:rPr lang="en-US" altLang="zh-CN" dirty="0" err="1"/>
-              <a:t>ld</a:t>
-            </a:r>
-            <a:r>
-              <a:rPr lang="en-US" altLang="zh-CN" dirty="0"/>
-              <a:t>(”f </a:t>
-            </a:r>
-            <a:r>
-              <a:rPr lang="en-US" altLang="zh-CN" dirty="0" err="1"/>
-              <a:t>acebook.com</a:t>
-            </a:r>
-            <a:r>
-              <a:rPr lang="en-US" altLang="zh-CN" dirty="0"/>
-              <a:t>”, ”f ace4book.com”) = 1 </a:t>
-            </a:r>
-          </a:p>
-          <a:p>
-            <a:r>
-              <a:rPr lang="en-US" altLang="zh-CN" dirty="0" err="1"/>
-              <a:t>ld</a:t>
-            </a:r>
-            <a:r>
-              <a:rPr lang="en-US" altLang="zh-CN" dirty="0"/>
-              <a:t>(”f </a:t>
-            </a:r>
-            <a:r>
-              <a:rPr lang="en-US" altLang="zh-CN" dirty="0" err="1"/>
-              <a:t>acebook.com</a:t>
-            </a:r>
-            <a:r>
-              <a:rPr lang="en-US" altLang="zh-CN" dirty="0"/>
-              <a:t>”, ”f aceb0ok.com”) = </a:t>
-            </a:r>
-            <a:r>
-              <a:rPr lang="en-US" altLang="zh-CN"/>
-              <a:t>1 </a:t>
-            </a:r>
-          </a:p>
-          <a:p>
-            <a:endParaRPr kumimoji="1" lang="en-US" altLang="zh-CN" dirty="0"/>
-          </a:p>
-          <a:p>
-            <a:endParaRPr kumimoji="1" lang="zh-CN" altLang="en-US" dirty="0"/>
+              <a:rPr kumimoji="1" lang="en-US" altLang="zh-CN" dirty="0"/>
+              <a:t>BERT failure</a:t>
+            </a:r>
+          </a:p>
+          <a:p>
+            <a:r>
+              <a:rPr kumimoji="1" lang="en-US" altLang="zh-CN" dirty="0"/>
+              <a:t>ELMO failure</a:t>
+            </a:r>
+          </a:p>
+          <a:p>
+            <a:r>
+              <a:rPr kumimoji="1" lang="en-US" altLang="zh-CN" dirty="0"/>
+              <a:t>Features</a:t>
+            </a:r>
+          </a:p>
+          <a:p>
+            <a:pPr lvl="1"/>
+            <a:r>
+              <a:rPr lang="en-US" altLang="zh-CN" dirty="0"/>
+              <a:t>Gradient Boosting:</a:t>
+            </a:r>
+            <a:r>
+              <a:rPr lang="hr-HR" altLang="zh-CN" dirty="0"/>
+              <a:t> 0.9833333333333333</a:t>
+            </a:r>
+          </a:p>
+          <a:p>
+            <a:pPr lvl="1"/>
+            <a:r>
+              <a:rPr kumimoji="1" lang="hr-HR" altLang="zh-CN" dirty="0" err="1"/>
+              <a:t>RandomTree</a:t>
+            </a:r>
+            <a:r>
+              <a:rPr kumimoji="1" lang="hr-HR" altLang="zh-CN" dirty="0"/>
+              <a:t>:</a:t>
+            </a:r>
+            <a:r>
+              <a:rPr lang="hr-HR" altLang="zh-CN" dirty="0"/>
+              <a:t> 0.9883333333333333</a:t>
+            </a:r>
+          </a:p>
+          <a:p>
+            <a:pPr lvl="1"/>
+            <a:r>
+              <a:rPr kumimoji="1" lang="hr-HR" altLang="zh-CN" dirty="0"/>
+              <a:t>SVM:</a:t>
+            </a:r>
+            <a:r>
+              <a:rPr lang="hr-HR" altLang="zh-CN" dirty="0"/>
+              <a:t> 0.8866666666666667</a:t>
+            </a:r>
+          </a:p>
+          <a:p>
+            <a:pPr lvl="1"/>
+            <a:r>
+              <a:rPr kumimoji="1" lang="hr-HR" altLang="zh-CN" dirty="0"/>
+              <a:t>LR:</a:t>
+            </a:r>
+            <a:r>
+              <a:rPr lang="hr-HR" altLang="zh-CN" dirty="0"/>
+              <a:t> 0.99</a:t>
+            </a:r>
           </a:p>
         </p:txBody>
       </p:sp>
     </p:spTree>
     <p:extLst>
       <p:ext uri="{BB962C8B-B14F-4D97-AF65-F5344CB8AC3E}">
-        <p14:creationId xmlns:p14="http://schemas.microsoft.com/office/powerpoint/2010/main" val="1052964238"/>
+        <p14:creationId xmlns:p14="http://schemas.microsoft.com/office/powerpoint/2010/main" val="1522802864"/>
       </p:ext>
     </p:extLst>
   </p:cSld>
@@ -4095,57 +4251,144 @@
           <a:lstStyle/>
           <a:p>
             <a:r>
-              <a:rPr kumimoji="1" lang="en-US" altLang="zh-CN" dirty="0"/>
-              <a:t>Challenges</a:t>
-            </a:r>
+              <a:rPr kumimoji="1" lang="en-US" altLang="zh-CN" dirty="0">
+                <a:solidFill>
+                  <a:srgbClr val="FF0000"/>
+                </a:solidFill>
+              </a:rPr>
+              <a:t>Vision</a:t>
+            </a:r>
+            <a:endParaRPr kumimoji="1" lang="zh-CN" altLang="en-US" dirty="0">
+              <a:solidFill>
+                <a:srgbClr val="FF0000"/>
+              </a:solidFill>
+            </a:endParaRPr>
+          </a:p>
+        </p:txBody>
+      </p:sp>
+      <p:sp>
+        <p:nvSpPr>
+          <p:cNvPr id="3" name="内容占位符 2"/>
+          <p:cNvSpPr>
+            <a:spLocks noGrp="1"/>
+          </p:cNvSpPr>
+          <p:nvPr>
+            <p:ph idx="1"/>
+          </p:nvPr>
+        </p:nvSpPr>
+        <p:spPr/>
+        <p:txBody>
+          <a:bodyPr/>
+          <a:lstStyle/>
+          <a:p>
+            <a:r>
+              <a:rPr lang="en-US" altLang="zh-CN" dirty="0"/>
+              <a:t>Similar-looking </a:t>
+            </a:r>
+            <a:endParaRPr lang="sk-SK" altLang="zh-CN" dirty="0"/>
+          </a:p>
+          <a:p>
+            <a:r>
+              <a:rPr lang="en-US" altLang="zh-CN" dirty="0" err="1"/>
+              <a:t>Homoglyph</a:t>
+            </a:r>
+            <a:r>
+              <a:rPr lang="en-US" altLang="zh-CN" dirty="0"/>
+              <a:t> attack  Homograph spoofing ,</a:t>
+            </a:r>
+            <a:r>
+              <a:rPr lang="en-US" altLang="zh-CN" dirty="0" err="1"/>
+              <a:t>Typosquatting</a:t>
+            </a:r>
+            <a:r>
+              <a:rPr lang="en-US" altLang="zh-CN" dirty="0"/>
+              <a:t> ,</a:t>
+            </a:r>
+            <a:r>
+              <a:rPr lang="en-US" altLang="zh-CN" dirty="0" err="1"/>
+              <a:t>Soundsquatting</a:t>
+            </a:r>
+            <a:r>
+              <a:rPr lang="en-US" altLang="zh-CN" dirty="0"/>
+              <a:t> ,</a:t>
+            </a:r>
+            <a:r>
+              <a:rPr lang="en-US" altLang="zh-CN" dirty="0" err="1"/>
+              <a:t>Combosquatting</a:t>
+            </a:r>
+            <a:r>
+              <a:rPr lang="en-US" altLang="zh-CN" dirty="0"/>
+              <a:t> </a:t>
+            </a:r>
+            <a:r>
+              <a:rPr lang="zh-CN" altLang="en-US" dirty="0"/>
+              <a:t>。</a:t>
+            </a:r>
+            <a:endParaRPr lang="en-US" altLang="zh-CN" dirty="0"/>
+          </a:p>
+          <a:p>
+            <a:r>
+              <a:rPr lang="en-US" altLang="zh-CN" dirty="0"/>
+              <a:t>URL Obfuscation</a:t>
+            </a:r>
+          </a:p>
+          <a:p>
+            <a:r>
+              <a:rPr lang="en-US" altLang="zh-CN" dirty="0"/>
+              <a:t>CSS Similarity. </a:t>
+            </a:r>
+          </a:p>
+          <a:p>
+            <a:endParaRPr kumimoji="1" lang="en-US" altLang="zh-CN" dirty="0"/>
+          </a:p>
+          <a:p>
+            <a:r>
+              <a:rPr lang="en-US" altLang="zh-CN" dirty="0" err="1"/>
+              <a:t>ld</a:t>
+            </a:r>
+            <a:r>
+              <a:rPr lang="en-US" altLang="zh-CN" dirty="0"/>
+              <a:t>(”f </a:t>
+            </a:r>
+            <a:r>
+              <a:rPr lang="en-US" altLang="zh-CN" dirty="0" err="1"/>
+              <a:t>acebook.com</a:t>
+            </a:r>
+            <a:r>
+              <a:rPr lang="en-US" altLang="zh-CN" dirty="0"/>
+              <a:t>”, ”f ace4book.com”) = 1 </a:t>
+            </a:r>
+          </a:p>
+          <a:p>
+            <a:r>
+              <a:rPr lang="en-US" altLang="zh-CN" dirty="0" err="1"/>
+              <a:t>ld</a:t>
+            </a:r>
+            <a:r>
+              <a:rPr lang="en-US" altLang="zh-CN" dirty="0"/>
+              <a:t>(”f </a:t>
+            </a:r>
+            <a:r>
+              <a:rPr lang="en-US" altLang="zh-CN" dirty="0" err="1"/>
+              <a:t>acebook.com</a:t>
+            </a:r>
+            <a:r>
+              <a:rPr lang="en-US" altLang="zh-CN" dirty="0"/>
+              <a:t>”, ”f aceb0ok.com”) = 1 </a:t>
+            </a:r>
+          </a:p>
+          <a:p>
+            <a:endParaRPr kumimoji="1" lang="en-US" altLang="zh-CN" dirty="0"/>
+          </a:p>
+          <a:p>
             <a:endParaRPr kumimoji="1" lang="zh-CN" altLang="en-US" dirty="0"/>
-          </a:p>
-        </p:txBody>
-      </p:sp>
-      <p:sp>
-        <p:nvSpPr>
-          <p:cNvPr id="3" name="内容占位符 2"/>
-          <p:cNvSpPr>
-            <a:spLocks noGrp="1"/>
-          </p:cNvSpPr>
-          <p:nvPr>
-            <p:ph idx="1"/>
-          </p:nvPr>
-        </p:nvSpPr>
-        <p:spPr/>
-        <p:txBody>
-          <a:bodyPr/>
-          <a:lstStyle/>
-          <a:p>
-            <a:r>
-              <a:rPr kumimoji="1" lang="en-US" altLang="zh-CN" dirty="0"/>
-              <a:t>Model</a:t>
-            </a:r>
-          </a:p>
-          <a:p>
-            <a:r>
-              <a:rPr kumimoji="1" lang="en-US" altLang="zh-CN" dirty="0"/>
-              <a:t>Acquisition and cleaning of corpus</a:t>
-            </a:r>
-          </a:p>
-          <a:p>
-            <a:r>
-              <a:rPr kumimoji="1" lang="en-US" altLang="zh-CN" dirty="0"/>
-              <a:t>Methodology</a:t>
-            </a:r>
-          </a:p>
-          <a:p>
-            <a:r>
-              <a:rPr kumimoji="1" lang="en-US" altLang="zh-CN" dirty="0"/>
-              <a:t>The fight against malicious websites</a:t>
-            </a:r>
           </a:p>
         </p:txBody>
       </p:sp>
     </p:spTree>
     <p:extLst>
       <p:ext uri="{BB962C8B-B14F-4D97-AF65-F5344CB8AC3E}">
-        <p14:creationId xmlns:p14="http://schemas.microsoft.com/office/powerpoint/2010/main" val="792563501"/>
+        <p14:creationId xmlns:p14="http://schemas.microsoft.com/office/powerpoint/2010/main" val="1052964238"/>
       </p:ext>
     </p:extLst>
   </p:cSld>
@@ -4188,7 +4431,100 @@
           <a:lstStyle/>
           <a:p>
             <a:r>
-              <a:rPr kumimoji="1" lang="en-US" altLang="zh-CN"/>
+              <a:rPr kumimoji="1" lang="en-US" altLang="zh-CN" dirty="0"/>
+              <a:t>Challenges</a:t>
+            </a:r>
+            <a:endParaRPr kumimoji="1" lang="zh-CN" altLang="en-US" dirty="0"/>
+          </a:p>
+        </p:txBody>
+      </p:sp>
+      <p:sp>
+        <p:nvSpPr>
+          <p:cNvPr id="3" name="内容占位符 2"/>
+          <p:cNvSpPr>
+            <a:spLocks noGrp="1"/>
+          </p:cNvSpPr>
+          <p:nvPr>
+            <p:ph idx="1"/>
+          </p:nvPr>
+        </p:nvSpPr>
+        <p:spPr/>
+        <p:txBody>
+          <a:bodyPr/>
+          <a:lstStyle/>
+          <a:p>
+            <a:r>
+              <a:rPr kumimoji="1" lang="en-US" altLang="zh-CN" dirty="0"/>
+              <a:t>Model</a:t>
+            </a:r>
+          </a:p>
+          <a:p>
+            <a:r>
+              <a:rPr kumimoji="1" lang="en-US" altLang="zh-CN" dirty="0"/>
+              <a:t>Acquisition and cleaning of corpus</a:t>
+            </a:r>
+          </a:p>
+          <a:p>
+            <a:r>
+              <a:rPr kumimoji="1" lang="en-US" altLang="zh-CN" dirty="0"/>
+              <a:t>Methodology</a:t>
+            </a:r>
+          </a:p>
+          <a:p>
+            <a:r>
+              <a:rPr kumimoji="1" lang="en-US" altLang="zh-CN" dirty="0"/>
+              <a:t>The fight against malicious websites</a:t>
+            </a:r>
+          </a:p>
+        </p:txBody>
+      </p:sp>
+    </p:spTree>
+    <p:extLst>
+      <p:ext uri="{BB962C8B-B14F-4D97-AF65-F5344CB8AC3E}">
+        <p14:creationId xmlns:p14="http://schemas.microsoft.com/office/powerpoint/2010/main" val="792563501"/>
+      </p:ext>
+    </p:extLst>
+  </p:cSld>
+  <p:clrMapOvr>
+    <a:masterClrMapping/>
+  </p:clrMapOvr>
+</p:sld>
+</file>
+
+<file path=ppt/slides/slide16.xml><?xml version="1.0" encoding="utf-8"?>
+<p:sld xmlns:a="http://schemas.openxmlformats.org/drawingml/2006/main" xmlns:r="http://schemas.openxmlformats.org/officeDocument/2006/relationships" xmlns:p="http://schemas.openxmlformats.org/presentationml/2006/main">
+  <p:cSld>
+    <p:spTree>
+      <p:nvGrpSpPr>
+        <p:cNvPr id="1" name=""/>
+        <p:cNvGrpSpPr/>
+        <p:nvPr/>
+      </p:nvGrpSpPr>
+      <p:grpSpPr>
+        <a:xfrm>
+          <a:off x="0" y="0"/>
+          <a:ext cx="0" cy="0"/>
+          <a:chOff x="0" y="0"/>
+          <a:chExt cx="0" cy="0"/>
+        </a:xfrm>
+      </p:grpSpPr>
+      <p:sp>
+        <p:nvSpPr>
+          <p:cNvPr id="2" name="标题 1"/>
+          <p:cNvSpPr>
+            <a:spLocks noGrp="1"/>
+          </p:cNvSpPr>
+          <p:nvPr>
+            <p:ph type="title"/>
+          </p:nvPr>
+        </p:nvSpPr>
+        <p:spPr/>
+        <p:txBody>
+          <a:bodyPr/>
+          <a:lstStyle/>
+          <a:p>
+            <a:r>
+              <a:rPr kumimoji="1" lang="en-US" altLang="zh-CN" dirty="0"/>
               <a:t>Text Data Augmentation </a:t>
             </a:r>
             <a:endParaRPr kumimoji="1" lang="zh-CN" altLang="en-US" dirty="0"/>
@@ -4274,107 +4610,6 @@
 </p:sld>
 </file>
 
-<file path=ppt/slides/slide16.xml><?xml version="1.0" encoding="utf-8"?>
-<p:sld xmlns:a="http://schemas.openxmlformats.org/drawingml/2006/main" xmlns:r="http://schemas.openxmlformats.org/officeDocument/2006/relationships" xmlns:p="http://schemas.openxmlformats.org/presentationml/2006/main">
-  <p:cSld>
-    <p:spTree>
-      <p:nvGrpSpPr>
-        <p:cNvPr id="1" name=""/>
-        <p:cNvGrpSpPr/>
-        <p:nvPr/>
-      </p:nvGrpSpPr>
-      <p:grpSpPr>
-        <a:xfrm>
-          <a:off x="0" y="0"/>
-          <a:ext cx="0" cy="0"/>
-          <a:chOff x="0" y="0"/>
-          <a:chExt cx="0" cy="0"/>
-        </a:xfrm>
-      </p:grpSpPr>
-      <p:sp>
-        <p:nvSpPr>
-          <p:cNvPr id="2" name="标题 1"/>
-          <p:cNvSpPr>
-            <a:spLocks noGrp="1"/>
-          </p:cNvSpPr>
-          <p:nvPr>
-            <p:ph type="title"/>
-          </p:nvPr>
-        </p:nvSpPr>
-        <p:spPr/>
-        <p:txBody>
-          <a:bodyPr/>
-          <a:lstStyle/>
-          <a:p>
-            <a:r>
-              <a:rPr kumimoji="1" lang="en-US" altLang="zh-CN" dirty="0"/>
-              <a:t>Next</a:t>
-            </a:r>
-            <a:r>
-              <a:rPr kumimoji="1" lang="zh-CN" altLang="en-US" dirty="0"/>
-              <a:t> </a:t>
-            </a:r>
-            <a:r>
-              <a:rPr kumimoji="1" lang="en-US" altLang="zh-CN" dirty="0"/>
-              <a:t>Step</a:t>
-            </a:r>
-            <a:endParaRPr kumimoji="1" lang="zh-CN" altLang="en-US" dirty="0"/>
-          </a:p>
-        </p:txBody>
-      </p:sp>
-      <p:sp>
-        <p:nvSpPr>
-          <p:cNvPr id="3" name="内容占位符 2"/>
-          <p:cNvSpPr>
-            <a:spLocks noGrp="1"/>
-          </p:cNvSpPr>
-          <p:nvPr>
-            <p:ph idx="1"/>
-          </p:nvPr>
-        </p:nvSpPr>
-        <p:spPr/>
-        <p:txBody>
-          <a:bodyPr/>
-          <a:lstStyle/>
-          <a:p>
-            <a:r>
-              <a:rPr kumimoji="1" lang="en-US" altLang="zh-CN" dirty="0"/>
-              <a:t>Transplant to mobile</a:t>
-            </a:r>
-          </a:p>
-          <a:p>
-            <a:r>
-              <a:rPr kumimoji="1" lang="en-US" altLang="zh-CN" dirty="0"/>
-              <a:t>Finish more models</a:t>
-            </a:r>
-          </a:p>
-          <a:p>
-            <a:r>
-              <a:rPr kumimoji="1" lang="en-US" altLang="zh-CN" dirty="0"/>
-              <a:t>Ensemble method</a:t>
-            </a:r>
-          </a:p>
-          <a:p>
-            <a:r>
-              <a:rPr kumimoji="1" lang="en-US" altLang="zh-CN" dirty="0"/>
-              <a:t>Get more corpus</a:t>
-            </a:r>
-          </a:p>
-        </p:txBody>
-      </p:sp>
-    </p:spTree>
-    <p:extLst>
-      <p:ext uri="{BB962C8B-B14F-4D97-AF65-F5344CB8AC3E}">
-        <p14:creationId xmlns:p14="http://schemas.microsoft.com/office/powerpoint/2010/main" val="791233828"/>
-      </p:ext>
-    </p:extLst>
-  </p:cSld>
-  <p:clrMapOvr>
-    <a:masterClrMapping/>
-  </p:clrMapOvr>
-</p:sld>
-</file>
-
 <file path=ppt/slides/slide17.xml><?xml version="1.0" encoding="utf-8"?>
 <p:sld xmlns:a="http://schemas.openxmlformats.org/drawingml/2006/main" xmlns:r="http://schemas.openxmlformats.org/officeDocument/2006/relationships" xmlns:p="http://schemas.openxmlformats.org/presentationml/2006/main">
   <p:cSld>
@@ -4409,6 +4644,125 @@
           <a:p>
             <a:r>
               <a:rPr kumimoji="1" lang="en-US" altLang="zh-CN" dirty="0"/>
+              <a:t>Next</a:t>
+            </a:r>
+            <a:r>
+              <a:rPr kumimoji="1" lang="zh-CN" altLang="en-US" dirty="0"/>
+              <a:t> </a:t>
+            </a:r>
+            <a:r>
+              <a:rPr kumimoji="1" lang="en-US" altLang="zh-CN" dirty="0"/>
+              <a:t>Step</a:t>
+            </a:r>
+            <a:endParaRPr kumimoji="1" lang="zh-CN" altLang="en-US" dirty="0"/>
+          </a:p>
+        </p:txBody>
+      </p:sp>
+      <p:sp>
+        <p:nvSpPr>
+          <p:cNvPr id="3" name="内容占位符 2"/>
+          <p:cNvSpPr>
+            <a:spLocks noGrp="1"/>
+          </p:cNvSpPr>
+          <p:nvPr>
+            <p:ph idx="1"/>
+          </p:nvPr>
+        </p:nvSpPr>
+        <p:spPr/>
+        <p:txBody>
+          <a:bodyPr/>
+          <a:lstStyle/>
+          <a:p>
+            <a:r>
+              <a:rPr kumimoji="1" lang="en-US" altLang="zh-CN" dirty="0"/>
+              <a:t>Transplant to mobile</a:t>
+            </a:r>
+          </a:p>
+          <a:p>
+            <a:r>
+              <a:rPr kumimoji="1" lang="en-US" altLang="zh-CN" dirty="0"/>
+              <a:t>Finish more models</a:t>
+            </a:r>
+          </a:p>
+          <a:p>
+            <a:r>
+              <a:rPr kumimoji="1" lang="en-US" altLang="zh-CN" dirty="0"/>
+              <a:t>Ensemble method</a:t>
+            </a:r>
+          </a:p>
+          <a:p>
+            <a:r>
+              <a:rPr kumimoji="1" lang="en-US" altLang="zh-CN" dirty="0"/>
+              <a:t>Get more </a:t>
+            </a:r>
+            <a:r>
+              <a:rPr kumimoji="1" lang="en-US" altLang="zh-CN" dirty="0" smtClean="0"/>
+              <a:t>corpus</a:t>
+            </a:r>
+          </a:p>
+          <a:p>
+            <a:r>
+              <a:rPr kumimoji="1" lang="en-US" altLang="zh-CN" dirty="0" smtClean="0"/>
+              <a:t>Need one QA</a:t>
+            </a:r>
+            <a:endParaRPr kumimoji="1" lang="en-US" altLang="zh-CN" dirty="0"/>
+          </a:p>
+          <a:p>
+            <a:r>
+              <a:rPr kumimoji="1" lang="en-US" altLang="zh-CN" dirty="0" smtClean="0"/>
+              <a:t>Install on server</a:t>
+            </a:r>
+            <a:endParaRPr kumimoji="1" lang="en-US" altLang="zh-CN" dirty="0"/>
+          </a:p>
+        </p:txBody>
+      </p:sp>
+    </p:spTree>
+    <p:extLst>
+      <p:ext uri="{BB962C8B-B14F-4D97-AF65-F5344CB8AC3E}">
+        <p14:creationId xmlns:p14="http://schemas.microsoft.com/office/powerpoint/2010/main" val="791233828"/>
+      </p:ext>
+    </p:extLst>
+  </p:cSld>
+  <p:clrMapOvr>
+    <a:masterClrMapping/>
+  </p:clrMapOvr>
+</p:sld>
+</file>
+
+<file path=ppt/slides/slide18.xml><?xml version="1.0" encoding="utf-8"?>
+<p:sld xmlns:a="http://schemas.openxmlformats.org/drawingml/2006/main" xmlns:r="http://schemas.openxmlformats.org/officeDocument/2006/relationships" xmlns:p="http://schemas.openxmlformats.org/presentationml/2006/main">
+  <p:cSld>
+    <p:spTree>
+      <p:nvGrpSpPr>
+        <p:cNvPr id="1" name=""/>
+        <p:cNvGrpSpPr/>
+        <p:nvPr/>
+      </p:nvGrpSpPr>
+      <p:grpSpPr>
+        <a:xfrm>
+          <a:off x="0" y="0"/>
+          <a:ext cx="0" cy="0"/>
+          <a:chOff x="0" y="0"/>
+          <a:chExt cx="0" cy="0"/>
+        </a:xfrm>
+      </p:grpSpPr>
+      <p:sp>
+        <p:nvSpPr>
+          <p:cNvPr id="2" name="标题 1"/>
+          <p:cNvSpPr>
+            <a:spLocks noGrp="1"/>
+          </p:cNvSpPr>
+          <p:nvPr>
+            <p:ph type="title"/>
+          </p:nvPr>
+        </p:nvSpPr>
+        <p:spPr/>
+        <p:txBody>
+          <a:bodyPr/>
+          <a:lstStyle/>
+          <a:p>
+            <a:r>
+              <a:rPr kumimoji="1" lang="en-US" altLang="zh-CN" dirty="0"/>
               <a:t>Thanks</a:t>
             </a:r>
             <a:endParaRPr kumimoji="1" lang="zh-CN" altLang="en-US" dirty="0"/>
@@ -4434,18 +4788,12 @@
               <a:rPr kumimoji="1" lang="en-US" altLang="zh-CN" dirty="0">
                 <a:hlinkClick r:id="rId2"/>
               </a:rPr>
-              <a:t>https://github.com/yuanlida</a:t>
-            </a:r>
-            <a:r>
-              <a:rPr kumimoji="1" lang="en-US" altLang="zh-CN">
-                <a:hlinkClick r:id="rId2"/>
-              </a:rPr>
-              <a:t>/anti-phishing</a:t>
-            </a:r>
-            <a:endParaRPr kumimoji="1" lang="en-US" altLang="zh-CN"/>
-          </a:p>
-          <a:p>
-            <a:endParaRPr kumimoji="1" lang="zh-CN" altLang="en-US"/>
+              <a:t>https://github.com/yuanlida/anti-phishing</a:t>
+            </a:r>
+            <a:endParaRPr kumimoji="1" lang="en-US" altLang="zh-CN" dirty="0"/>
+          </a:p>
+          <a:p>
+            <a:endParaRPr kumimoji="1" lang="zh-CN" altLang="en-US" dirty="0"/>
           </a:p>
         </p:txBody>
       </p:sp>
@@ -4495,31 +4843,45 @@
           <a:lstStyle/>
           <a:p>
             <a:r>
+              <a:rPr kumimoji="1" lang="en-US" altLang="zh-CN" dirty="0" smtClean="0"/>
+              <a:t>Speed Of Progress</a:t>
+            </a:r>
+            <a:endParaRPr kumimoji="1" lang="zh-CN" altLang="en-US" dirty="0"/>
+          </a:p>
+        </p:txBody>
+      </p:sp>
+      <p:sp>
+        <p:nvSpPr>
+          <p:cNvPr id="3" name="内容占位符 2"/>
+          <p:cNvSpPr>
+            <a:spLocks noGrp="1"/>
+          </p:cNvSpPr>
+          <p:nvPr>
+            <p:ph idx="1"/>
+          </p:nvPr>
+        </p:nvSpPr>
+        <p:spPr/>
+        <p:txBody>
+          <a:bodyPr/>
+          <a:lstStyle/>
+          <a:p>
+            <a:r>
+              <a:rPr kumimoji="1" lang="en-US" altLang="zh-CN" dirty="0" smtClean="0"/>
+              <a:t>Almost all models and all methods</a:t>
+            </a:r>
+            <a:r>
+              <a:rPr kumimoji="1" lang="zh-CN" altLang="en-US" dirty="0" smtClean="0"/>
+              <a:t> </a:t>
+            </a:r>
+            <a:r>
+              <a:rPr kumimoji="1" lang="en-US" altLang="zh-CN" dirty="0" smtClean="0"/>
+              <a:t>have been implemented.</a:t>
+            </a:r>
+          </a:p>
+          <a:p>
+            <a:r>
               <a:rPr kumimoji="1" lang="en-US" altLang="zh-CN" dirty="0"/>
-              <a:t>Content</a:t>
-            </a:r>
-            <a:endParaRPr kumimoji="1" lang="zh-CN" altLang="en-US" dirty="0"/>
-          </a:p>
-        </p:txBody>
-      </p:sp>
-      <p:sp>
-        <p:nvSpPr>
-          <p:cNvPr id="3" name="内容占位符 2"/>
-          <p:cNvSpPr>
-            <a:spLocks noGrp="1"/>
-          </p:cNvSpPr>
-          <p:nvPr>
-            <p:ph idx="1"/>
-          </p:nvPr>
-        </p:nvSpPr>
-        <p:spPr/>
-        <p:txBody>
-          <a:bodyPr/>
-          <a:lstStyle/>
-          <a:p>
-            <a:r>
-              <a:rPr kumimoji="1" lang="en-US" altLang="zh-CN" dirty="0"/>
-              <a:t>The serious</a:t>
+              <a:t>Too high precision means that some problems have</a:t>
             </a:r>
             <a:r>
               <a:rPr kumimoji="1" lang="zh-CN" altLang="en-US" dirty="0"/>
@@ -4527,48 +4889,60 @@
             </a:r>
             <a:r>
               <a:rPr kumimoji="1" lang="en-US" altLang="zh-CN" dirty="0"/>
-              <a:t>problem of email security.</a:t>
-            </a:r>
-          </a:p>
-          <a:p>
+              <a:t>not been found</a:t>
+            </a:r>
+            <a:r>
+              <a:rPr kumimoji="1" lang="en-US" altLang="zh-CN" dirty="0" smtClean="0"/>
+              <a:t>.</a:t>
+            </a:r>
+          </a:p>
+          <a:p>
+            <a:r>
+              <a:rPr kumimoji="1" lang="en-US" altLang="zh-CN" dirty="0" smtClean="0"/>
+              <a:t>Grasp</a:t>
+            </a:r>
+            <a:r>
+              <a:rPr kumimoji="1" lang="zh-CN" altLang="en-US" dirty="0" smtClean="0"/>
+              <a:t> </a:t>
+            </a:r>
+            <a:r>
+              <a:rPr kumimoji="1" lang="en-US" altLang="zh-CN" dirty="0" smtClean="0"/>
+              <a:t>the method by all the leaders who will attend this project</a:t>
+            </a:r>
             <a:r>
               <a:rPr kumimoji="1" lang="en-US" altLang="zh-CN" dirty="0"/>
-              <a:t>How to detect network intrusion.</a:t>
-            </a:r>
-          </a:p>
-          <a:p>
+              <a:t> </a:t>
+            </a:r>
+            <a:r>
+              <a:rPr kumimoji="1" lang="en-US" altLang="zh-CN" dirty="0" smtClean="0"/>
+              <a:t>to </a:t>
+            </a:r>
+            <a:r>
+              <a:rPr lang="en-US" altLang="zh-CN" dirty="0" smtClean="0"/>
+              <a:t>supervise.</a:t>
+            </a:r>
+            <a:endParaRPr kumimoji="1" lang="en-US" altLang="zh-CN" dirty="0" smtClean="0"/>
+          </a:p>
+          <a:p>
+            <a:r>
+              <a:rPr kumimoji="1" lang="en-US" altLang="zh-CN" dirty="0" smtClean="0"/>
+              <a:t>Throw </a:t>
+            </a:r>
             <a:r>
               <a:rPr kumimoji="1" lang="en-US" altLang="zh-CN" dirty="0"/>
-              <a:t>What can NLP do.</a:t>
-            </a:r>
-          </a:p>
-          <a:p>
-            <a:r>
-              <a:rPr kumimoji="1" lang="en-US" altLang="zh-CN" dirty="0"/>
-              <a:t>Dataset</a:t>
-            </a:r>
-          </a:p>
-          <a:p>
-            <a:r>
-              <a:rPr kumimoji="1" lang="en-US" altLang="zh-CN" dirty="0"/>
-              <a:t>How will we do.</a:t>
-            </a:r>
-          </a:p>
-          <a:p>
-            <a:r>
-              <a:rPr kumimoji="1" lang="en-US" altLang="zh-CN" dirty="0"/>
-              <a:t>Challenges</a:t>
-            </a:r>
-          </a:p>
-          <a:p>
-            <a:endParaRPr kumimoji="1" lang="zh-CN" altLang="en-US" dirty="0"/>
+              <a:t>away a brick in order to get a </a:t>
+            </a:r>
+            <a:r>
+              <a:rPr kumimoji="1" lang="en-US" altLang="zh-CN" dirty="0" smtClean="0"/>
+              <a:t>gem.</a:t>
+            </a:r>
           </a:p>
         </p:txBody>
       </p:sp>
     </p:spTree>
     <p:extLst>
       <p:ext uri="{BB962C8B-B14F-4D97-AF65-F5344CB8AC3E}">
-        <p14:creationId xmlns:p14="http://schemas.microsoft.com/office/powerpoint/2010/main" val="583140689"/>
+        <p14:creationId xmlns:p14="http://schemas.microsoft.com/office/powerpoint/2010/main" val="733196879"/>
       </p:ext>
     </p:extLst>
   </p:cSld>
@@ -4612,7 +4986,30 @@
           <a:p>
             <a:r>
               <a:rPr kumimoji="1" lang="en-US" altLang="zh-CN" dirty="0"/>
-              <a:t>Email Security</a:t>
+              <a:t>Content</a:t>
+            </a:r>
+            <a:endParaRPr kumimoji="1" lang="zh-CN" altLang="en-US" dirty="0"/>
+          </a:p>
+        </p:txBody>
+      </p:sp>
+      <p:sp>
+        <p:nvSpPr>
+          <p:cNvPr id="3" name="内容占位符 2"/>
+          <p:cNvSpPr>
+            <a:spLocks noGrp="1"/>
+          </p:cNvSpPr>
+          <p:nvPr>
+            <p:ph idx="1"/>
+          </p:nvPr>
+        </p:nvSpPr>
+        <p:spPr/>
+        <p:txBody>
+          <a:bodyPr/>
+          <a:lstStyle/>
+          <a:p>
+            <a:r>
+              <a:rPr kumimoji="1" lang="en-US" altLang="zh-CN" dirty="0"/>
+              <a:t>The serious</a:t>
             </a:r>
             <a:r>
               <a:rPr kumimoji="1" lang="zh-CN" altLang="en-US" dirty="0"/>
@@ -4620,61 +5017,50 @@
             </a:r>
             <a:r>
               <a:rPr kumimoji="1" lang="en-US" altLang="zh-CN" dirty="0"/>
-              <a:t>Problems</a:t>
-            </a:r>
+              <a:t>problem of email security.</a:t>
+            </a:r>
+          </a:p>
+          <a:p>
+            <a:r>
+              <a:rPr kumimoji="1" lang="en-US" altLang="zh-CN" dirty="0"/>
+              <a:t>How to detect network intrusion.</a:t>
+            </a:r>
+          </a:p>
+          <a:p>
+            <a:r>
+              <a:rPr kumimoji="1" lang="en-US" altLang="zh-CN" dirty="0"/>
+              <a:t>What can NLP do.</a:t>
+            </a:r>
+          </a:p>
+          <a:p>
+            <a:r>
+              <a:rPr kumimoji="1" lang="en-US" altLang="zh-CN" dirty="0" smtClean="0"/>
+              <a:t>Dataset.</a:t>
+            </a:r>
+            <a:endParaRPr kumimoji="1" lang="en-US" altLang="zh-CN" dirty="0"/>
+          </a:p>
+          <a:p>
+            <a:r>
+              <a:rPr kumimoji="1" lang="en-US" altLang="zh-CN" dirty="0"/>
+              <a:t>How will we do.</a:t>
+            </a:r>
+          </a:p>
+          <a:p>
+            <a:r>
+              <a:rPr kumimoji="1" lang="en-US" altLang="zh-CN" dirty="0" smtClean="0"/>
+              <a:t>Challenges.</a:t>
+            </a:r>
+            <a:endParaRPr kumimoji="1" lang="en-US" altLang="zh-CN" dirty="0"/>
+          </a:p>
+          <a:p>
             <a:endParaRPr kumimoji="1" lang="zh-CN" altLang="en-US" dirty="0"/>
-          </a:p>
-        </p:txBody>
-      </p:sp>
-      <p:sp>
-        <p:nvSpPr>
-          <p:cNvPr id="3" name="内容占位符 2"/>
-          <p:cNvSpPr>
-            <a:spLocks noGrp="1"/>
-          </p:cNvSpPr>
-          <p:nvPr>
-            <p:ph idx="1"/>
-          </p:nvPr>
-        </p:nvSpPr>
-        <p:spPr/>
-        <p:txBody>
-          <a:bodyPr/>
-          <a:lstStyle/>
-          <a:p>
-            <a:r>
-              <a:rPr kumimoji="1" lang="en-US" altLang="zh-CN" dirty="0"/>
-              <a:t>Over 91% of targeted cyber-attacks start with an email. Email-borne attacks interrupt business operations, cause financial damage, and compromise business integrity.</a:t>
-            </a:r>
-          </a:p>
-          <a:p>
-            <a:endParaRPr kumimoji="1" lang="en-US" altLang="zh-CN" dirty="0"/>
-          </a:p>
-          <a:p>
-            <a:r>
-              <a:rPr kumimoji="1" lang="en-US" altLang="zh-CN" dirty="0"/>
-              <a:t>Ham, Spam, Phishing, fraudulent, spoofed</a:t>
-            </a:r>
-            <a:r>
-              <a:rPr kumimoji="1" lang="mr-IN" altLang="zh-CN" dirty="0"/>
-              <a:t>…</a:t>
-            </a:r>
-            <a:endParaRPr kumimoji="1" lang="en-US" altLang="zh-CN" dirty="0"/>
-          </a:p>
-          <a:p>
-            <a:endParaRPr kumimoji="1" lang="en-US" altLang="zh-CN" dirty="0"/>
-          </a:p>
-          <a:p>
-            <a:r>
-              <a:rPr kumimoji="1" lang="en-US" altLang="zh-CN" dirty="0"/>
-              <a:t>Malicious content</a:t>
-            </a:r>
           </a:p>
         </p:txBody>
       </p:sp>
     </p:spTree>
     <p:extLst>
       <p:ext uri="{BB962C8B-B14F-4D97-AF65-F5344CB8AC3E}">
-        <p14:creationId xmlns:p14="http://schemas.microsoft.com/office/powerpoint/2010/main" val="1507262717"/>
+        <p14:creationId xmlns:p14="http://schemas.microsoft.com/office/powerpoint/2010/main" val="583140689"/>
       </p:ext>
     </p:extLst>
   </p:cSld>
@@ -4716,7 +5102,19 @@
           <a:bodyPr/>
           <a:lstStyle/>
           <a:p>
-            <a:endParaRPr kumimoji="1" lang="zh-CN" altLang="en-US"/>
+            <a:r>
+              <a:rPr kumimoji="1" lang="en-US" altLang="zh-CN" dirty="0"/>
+              <a:t>Email Security</a:t>
+            </a:r>
+            <a:r>
+              <a:rPr kumimoji="1" lang="zh-CN" altLang="en-US" dirty="0"/>
+              <a:t> </a:t>
+            </a:r>
+            <a:r>
+              <a:rPr kumimoji="1" lang="en-US" altLang="zh-CN" dirty="0"/>
+              <a:t>Problems</a:t>
+            </a:r>
+            <a:endParaRPr kumimoji="1" lang="zh-CN" altLang="en-US" dirty="0"/>
           </a:p>
         </p:txBody>
       </p:sp>
@@ -4736,91 +5134,44 @@
           <a:lstStyle/>
           <a:p>
             <a:r>
-              <a:rPr lang="en-US" altLang="zh-CN" dirty="0"/>
-              <a:t>Luring Emails </a:t>
-            </a:r>
-            <a:r>
-              <a:rPr lang="en-US" altLang="zh-CN" dirty="0" smtClean="0"/>
-              <a:t>Phishers : winning </a:t>
-            </a:r>
-            <a:r>
-              <a:rPr lang="en-US" altLang="zh-CN" dirty="0"/>
-              <a:t>prizes, lottery, fortunate customer offer, and others</a:t>
-            </a:r>
-            <a:r>
-              <a:rPr lang="en-US" altLang="zh-CN" dirty="0" smtClean="0"/>
-              <a:t>. </a:t>
-            </a:r>
-          </a:p>
-          <a:p>
-            <a:r>
-              <a:rPr lang="en-US" altLang="zh-CN" dirty="0"/>
-              <a:t>Urgent Emails Phishers</a:t>
-            </a:r>
-          </a:p>
-          <a:p>
-            <a:r>
-              <a:rPr lang="en-US" altLang="zh-CN" dirty="0"/>
-              <a:t>Link to Another Website Phishers: &lt; a </a:t>
-            </a:r>
-            <a:r>
-              <a:rPr lang="en-US" altLang="zh-CN" dirty="0" err="1"/>
-              <a:t>href</a:t>
-            </a:r>
-            <a:r>
-              <a:rPr lang="en-US" altLang="zh-CN" dirty="0"/>
-              <a:t>=“http:// </a:t>
-            </a:r>
-            <a:r>
-              <a:rPr lang="en-US" altLang="zh-CN" dirty="0" err="1" smtClean="0"/>
-              <a:t>phishingsite.com</a:t>
-            </a:r>
-            <a:r>
-              <a:rPr lang="en-US" altLang="zh-CN" dirty="0"/>
-              <a:t>”&gt; http://</a:t>
-            </a:r>
-            <a:r>
-              <a:rPr lang="en-US" altLang="zh-CN" dirty="0" err="1"/>
-              <a:t>bank.com</a:t>
-            </a:r>
-            <a:r>
-              <a:rPr lang="en-US" altLang="zh-CN" dirty="0"/>
-              <a:t>&lt; ∕a </a:t>
-            </a:r>
-            <a:r>
-              <a:rPr lang="en-US" altLang="zh-CN" dirty="0" smtClean="0"/>
-              <a:t>&gt;</a:t>
-            </a:r>
-          </a:p>
-          <a:p>
-            <a:r>
-              <a:rPr lang="en-US" altLang="zh-CN"/>
-              <a:t>Generic </a:t>
-            </a:r>
-            <a:r>
-              <a:rPr lang="en-US" altLang="zh-CN"/>
-              <a:t>Names </a:t>
-            </a:r>
-            <a:r>
-              <a:rPr lang="en-US" altLang="zh-CN" smtClean="0"/>
-              <a:t>Usually: </a:t>
-            </a:r>
-            <a:r>
-              <a:rPr lang="en-US" altLang="zh-CN"/>
-              <a:t>Dear customer, and others</a:t>
-            </a:r>
-            <a:r>
-              <a:rPr lang="en-US" altLang="zh-CN"/>
-              <a:t>. </a:t>
-            </a:r>
-            <a:endParaRPr lang="en-US" altLang="zh-CN"/>
+              <a:rPr kumimoji="1" lang="en-US" altLang="zh-CN" dirty="0"/>
+              <a:t>Over 91% of targeted cyber-attacks start with an email. Email-borne attacks interrupt business operations, cause financial damage, and compromise business integrity.</a:t>
+            </a:r>
+          </a:p>
+          <a:p>
+            <a:endParaRPr kumimoji="1" lang="en-US" altLang="zh-CN" dirty="0"/>
+          </a:p>
+          <a:p>
+            <a:r>
+              <a:rPr kumimoji="1" lang="en-US" altLang="zh-CN" dirty="0"/>
+              <a:t>Ham, Spam, Phishing, fraudulent, spoofed</a:t>
+            </a:r>
+            <a:r>
+              <a:rPr kumimoji="1" lang="mr-IN" altLang="zh-CN" dirty="0"/>
+              <a:t>…</a:t>
+            </a:r>
+            <a:endParaRPr kumimoji="1" lang="en-US" altLang="zh-CN" dirty="0"/>
+          </a:p>
+          <a:p>
+            <a:endParaRPr kumimoji="1" lang="en-US" altLang="zh-CN" dirty="0"/>
+          </a:p>
+          <a:p>
+            <a:r>
+              <a:rPr kumimoji="1" lang="en-US" altLang="zh-CN" dirty="0"/>
+              <a:t>Malicious </a:t>
+            </a:r>
+            <a:r>
+              <a:rPr kumimoji="1" lang="en-US" altLang="zh-CN" dirty="0" smtClean="0"/>
+              <a:t>content.</a:t>
+            </a:r>
+            <a:endParaRPr kumimoji="1" lang="en-US" altLang="zh-CN" dirty="0"/>
           </a:p>
         </p:txBody>
       </p:sp>
     </p:spTree>
     <p:extLst>
       <p:ext uri="{BB962C8B-B14F-4D97-AF65-F5344CB8AC3E}">
-        <p14:creationId xmlns:p14="http://schemas.microsoft.com/office/powerpoint/2010/main" val="1469716512"/>
+        <p14:creationId xmlns:p14="http://schemas.microsoft.com/office/powerpoint/2010/main" val="1507262717"/>
       </p:ext>
     </p:extLst>
   </p:cSld>
@@ -4863,8 +5214,12 @@
           <a:lstStyle/>
           <a:p>
             <a:r>
-              <a:rPr kumimoji="1" lang="en-US" altLang="zh-CN" dirty="0"/>
-              <a:t>NLP Methods</a:t>
+              <a:rPr kumimoji="1" lang="en-US" altLang="zh-CN" dirty="0" smtClean="0"/>
+              <a:t>Ph</a:t>
+            </a:r>
+            <a:r>
+              <a:rPr kumimoji="1" lang="en-US" altLang="zh-CN" dirty="0" smtClean="0"/>
+              <a:t>ishing Features</a:t>
             </a:r>
             <a:endParaRPr kumimoji="1" lang="zh-CN" altLang="en-US" dirty="0"/>
           </a:p>
@@ -4886,60 +5241,84 @@
           <a:lstStyle/>
           <a:p>
             <a:r>
-              <a:rPr kumimoji="1" lang="en-US" altLang="zh-CN" dirty="0"/>
-              <a:t>URL classification</a:t>
-            </a:r>
-          </a:p>
-          <a:p>
-            <a:r>
-              <a:rPr kumimoji="1" lang="en-US" altLang="zh-CN" dirty="0"/>
-              <a:t>HTML structure</a:t>
-            </a:r>
-          </a:p>
-          <a:p>
-            <a:r>
-              <a:rPr kumimoji="1" lang="en-US" altLang="zh-CN" dirty="0"/>
-              <a:t>Email contents</a:t>
-            </a:r>
-          </a:p>
-          <a:p>
-            <a:r>
-              <a:rPr kumimoji="1" lang="en-US" altLang="zh-CN" dirty="0"/>
-              <a:t>Fraudulent</a:t>
-            </a:r>
-          </a:p>
-          <a:p>
-            <a:r>
-              <a:rPr kumimoji="1" lang="en-US" altLang="zh-CN" dirty="0"/>
-              <a:t>Vision</a:t>
-            </a:r>
-          </a:p>
-          <a:p>
-            <a:r>
-              <a:rPr kumimoji="1" lang="en-US" altLang="zh-CN" dirty="0"/>
-              <a:t>Email</a:t>
-            </a:r>
-            <a:r>
-              <a:rPr kumimoji="1" lang="zh-CN" altLang="en-US" dirty="0"/>
-              <a:t> </a:t>
-            </a:r>
-            <a:r>
-              <a:rPr kumimoji="1" lang="en-US" altLang="zh-CN" dirty="0"/>
-              <a:t>contents features</a:t>
-            </a:r>
-          </a:p>
-          <a:p>
-            <a:r>
-              <a:rPr kumimoji="1" lang="en-US" altLang="zh-CN" dirty="0"/>
-              <a:t>Email contents syntactic </a:t>
-            </a:r>
-            <a:r>
-              <a:rPr kumimoji="1" lang="zh-CN" altLang="en-US" dirty="0"/>
-              <a:t> </a:t>
-            </a:r>
-            <a:r>
-              <a:rPr kumimoji="1" lang="en-US" altLang="zh-CN" dirty="0"/>
-              <a:t>features</a:t>
+              <a:rPr lang="en-US" altLang="zh-CN" dirty="0"/>
+              <a:t>Luring Emails </a:t>
+            </a:r>
+            <a:r>
+              <a:rPr lang="en-US" altLang="zh-CN" dirty="0" smtClean="0"/>
+              <a:t>Phishers : winning </a:t>
+            </a:r>
+            <a:r>
+              <a:rPr lang="en-US" altLang="zh-CN" dirty="0"/>
+              <a:t>prizes, lottery, fortunate customer offer, and others</a:t>
+            </a:r>
+            <a:r>
+              <a:rPr lang="en-US" altLang="zh-CN" dirty="0" smtClean="0"/>
+              <a:t>. </a:t>
+            </a:r>
+          </a:p>
+          <a:p>
+            <a:r>
+              <a:rPr lang="en-US" altLang="zh-CN" dirty="0"/>
+              <a:t>Urgent Emails </a:t>
+            </a:r>
+            <a:r>
+              <a:rPr lang="en-US" altLang="zh-CN" dirty="0" smtClean="0"/>
+              <a:t>Phishers.</a:t>
+            </a:r>
+            <a:endParaRPr lang="en-US" altLang="zh-CN" dirty="0"/>
+          </a:p>
+          <a:p>
+            <a:r>
+              <a:rPr lang="en-US" altLang="zh-CN" dirty="0"/>
+              <a:t>Link to Another Website Phishers: &lt; a </a:t>
+            </a:r>
+            <a:r>
+              <a:rPr lang="en-US" altLang="zh-CN" dirty="0" err="1"/>
+              <a:t>href</a:t>
+            </a:r>
+            <a:r>
+              <a:rPr lang="en-US" altLang="zh-CN" dirty="0"/>
+              <a:t>=“http:// </a:t>
+            </a:r>
+            <a:r>
+              <a:rPr lang="en-US" altLang="zh-CN" dirty="0" err="1" smtClean="0"/>
+              <a:t>phishingsite.com</a:t>
+            </a:r>
+            <a:r>
+              <a:rPr lang="en-US" altLang="zh-CN" dirty="0"/>
+              <a:t>”&gt; http://</a:t>
+            </a:r>
+            <a:r>
+              <a:rPr lang="en-US" altLang="zh-CN" dirty="0" err="1"/>
+              <a:t>bank.com</a:t>
+            </a:r>
+            <a:r>
+              <a:rPr lang="en-US" altLang="zh-CN" dirty="0"/>
+              <a:t>&lt; ∕</a:t>
+            </a:r>
+            <a:r>
+              <a:rPr lang="en-US" altLang="zh-CN"/>
+              <a:t>a </a:t>
+            </a:r>
+            <a:r>
+              <a:rPr lang="en-US" altLang="zh-CN" smtClean="0"/>
+              <a:t>&gt;.</a:t>
+            </a:r>
+            <a:endParaRPr lang="en-US" altLang="zh-CN" dirty="0" smtClean="0"/>
+          </a:p>
+          <a:p>
+            <a:r>
+              <a:rPr lang="en-US" altLang="zh-CN" dirty="0"/>
+              <a:t>Generic Names </a:t>
+            </a:r>
+            <a:r>
+              <a:rPr lang="en-US" altLang="zh-CN" dirty="0" smtClean="0"/>
+              <a:t>Usually: </a:t>
+            </a:r>
+            <a:r>
+              <a:rPr lang="en-US" altLang="zh-CN" dirty="0"/>
+              <a:t>Dear customer, and others. </a:t>
             </a:r>
           </a:p>
         </p:txBody>
@@ -4947,7 +5326,7 @@
     </p:spTree>
     <p:extLst>
       <p:ext uri="{BB962C8B-B14F-4D97-AF65-F5344CB8AC3E}">
-        <p14:creationId xmlns:p14="http://schemas.microsoft.com/office/powerpoint/2010/main" val="1036413146"/>
+        <p14:creationId xmlns:p14="http://schemas.microsoft.com/office/powerpoint/2010/main" val="1469716512"/>
       </p:ext>
     </p:extLst>
   </p:cSld>
@@ -4990,8 +5369,8 @@
           <a:lstStyle/>
           <a:p>
             <a:r>
-              <a:rPr kumimoji="1" lang="en-US" altLang="zh-CN"/>
-              <a:t>Dataset</a:t>
+              <a:rPr kumimoji="1" lang="en-US" altLang="zh-CN" dirty="0"/>
+              <a:t>NLP Methods</a:t>
             </a:r>
             <a:endParaRPr kumimoji="1" lang="zh-CN" altLang="en-US" dirty="0"/>
           </a:p>
@@ -5009,45 +5388,67 @@
         </p:nvSpPr>
         <p:spPr/>
         <p:txBody>
-          <a:bodyPr/>
+          <a:bodyPr>
+            <a:normAutofit lnSpcReduction="10000"/>
+          </a:bodyPr>
           <a:lstStyle/>
           <a:p>
             <a:r>
               <a:rPr kumimoji="1" lang="en-US" altLang="zh-CN" dirty="0"/>
-              <a:t>Enron emails and Fraudulent emails. Used to distinguish fraudulent emails. Enron emails:</a:t>
-            </a:r>
-            <a:r>
-              <a:rPr lang="uk-UA" altLang="zh-CN" dirty="0"/>
-              <a:t> 517401</a:t>
-            </a:r>
-            <a:r>
-              <a:rPr lang="en-US" altLang="zh-CN" dirty="0"/>
-              <a:t>, </a:t>
-            </a:r>
+              <a:t>URL classification</a:t>
+            </a:r>
+          </a:p>
+          <a:p>
             <a:r>
               <a:rPr kumimoji="1" lang="en-US" altLang="zh-CN" dirty="0"/>
-              <a:t>Fraudulent emails:</a:t>
-            </a:r>
-            <a:r>
-              <a:rPr lang="cs-CZ" altLang="zh-CN" dirty="0"/>
-              <a:t> 3978 </a:t>
+              <a:t>HTML structure</a:t>
+            </a:r>
+          </a:p>
+          <a:p>
+            <a:r>
+              <a:rPr kumimoji="1" lang="en-US" altLang="zh-CN" dirty="0"/>
+              <a:t>Email </a:t>
+            </a:r>
+            <a:r>
+              <a:rPr kumimoji="1" lang="en-US" altLang="zh-CN" dirty="0" smtClean="0"/>
+              <a:t>contents</a:t>
+            </a:r>
+          </a:p>
+          <a:p>
+            <a:r>
+              <a:rPr kumimoji="1" lang="en-US" altLang="zh-CN" dirty="0" smtClean="0"/>
+              <a:t>Key</a:t>
+            </a:r>
+            <a:r>
+              <a:rPr kumimoji="1" lang="zh-CN" altLang="en-US" dirty="0" smtClean="0"/>
+              <a:t> </a:t>
+            </a:r>
+            <a:r>
+              <a:rPr kumimoji="1" lang="en-US" altLang="zh-CN" dirty="0" smtClean="0"/>
+              <a:t>words</a:t>
             </a:r>
             <a:endParaRPr kumimoji="1" lang="en-US" altLang="zh-CN" dirty="0"/>
           </a:p>
           <a:p>
             <a:r>
               <a:rPr kumimoji="1" lang="en-US" altLang="zh-CN" dirty="0"/>
-              <a:t>IWSPA. Phishing emails. Full header legit:4082, Full header phish:503. No header legit:5091, Full header phish:628,Test full header:4195,Test no header:4300.</a:t>
-            </a:r>
-          </a:p>
-          <a:p>
-            <a:r>
-              <a:rPr kumimoji="1" lang="en-US" altLang="zh-CN" dirty="0" err="1"/>
-              <a:t>Url</a:t>
-            </a:r>
+              <a:t>Fraudulent</a:t>
+            </a:r>
+          </a:p>
+          <a:p>
+            <a:r>
+              <a:rPr kumimoji="1" lang="en-US" altLang="zh-CN" dirty="0">
+                <a:solidFill>
+                  <a:srgbClr val="FF0000"/>
+                </a:solidFill>
+              </a:rPr>
+              <a:t>Vision</a:t>
+            </a:r>
+          </a:p>
+          <a:p>
             <a:r>
               <a:rPr kumimoji="1" lang="en-US" altLang="zh-CN" dirty="0"/>
-              <a:t> Data:</a:t>
+              <a:t>Email</a:t>
             </a:r>
             <a:r>
               <a:rPr kumimoji="1" lang="zh-CN" altLang="en-US" dirty="0"/>
@@ -5055,46 +5456,32 @@
             </a:r>
             <a:r>
               <a:rPr kumimoji="1" lang="en-US" altLang="zh-CN" dirty="0"/>
-              <a:t>Beyond</a:t>
-            </a:r>
-            <a:r>
-              <a:rPr kumimoji="1" lang="zh-CN" altLang="en-US" dirty="0"/>
-              <a:t> </a:t>
-            </a:r>
+              <a:t>contents features</a:t>
+            </a:r>
+          </a:p>
+          <a:p>
             <a:r>
               <a:rPr kumimoji="1" lang="en-US" altLang="zh-CN" dirty="0"/>
-              <a:t>1</a:t>
-            </a:r>
-            <a:r>
-              <a:rPr kumimoji="1" lang="zh-CN" altLang="en-US" dirty="0"/>
-              <a:t> </a:t>
-            </a:r>
+              <a:t>Email contents syntactic </a:t>
+            </a:r>
+            <a:r>
+              <a:rPr kumimoji="1" lang="en-US" altLang="zh-CN" dirty="0" smtClean="0"/>
+              <a:t>features</a:t>
+            </a:r>
+            <a:endParaRPr kumimoji="1" lang="en-US" altLang="zh-CN" dirty="0" smtClean="0"/>
+          </a:p>
+          <a:p>
             <a:r>
               <a:rPr kumimoji="1" lang="en-US" altLang="zh-CN" dirty="0"/>
-              <a:t>million</a:t>
-            </a:r>
-          </a:p>
-          <a:p>
-            <a:r>
-              <a:rPr kumimoji="1" lang="en-US" altLang="zh-CN" dirty="0"/>
-              <a:t>Html features:</a:t>
-            </a:r>
-            <a:r>
-              <a:rPr kumimoji="1" lang="zh-CN" altLang="en-US" dirty="0"/>
-              <a:t> </a:t>
-            </a:r>
-            <a:r>
-              <a:rPr kumimoji="1" lang="en-US" altLang="zh-CN" dirty="0"/>
-              <a:t>more than 40 features, 11503 units.</a:t>
-            </a:r>
-            <a:endParaRPr kumimoji="1" lang="zh-CN" altLang="en-US" dirty="0"/>
+              <a:t>Pearson Correlation Coefficient</a:t>
+            </a:r>
           </a:p>
         </p:txBody>
       </p:sp>
     </p:spTree>
     <p:extLst>
       <p:ext uri="{BB962C8B-B14F-4D97-AF65-F5344CB8AC3E}">
-        <p14:creationId xmlns:p14="http://schemas.microsoft.com/office/powerpoint/2010/main" val="808897054"/>
+        <p14:creationId xmlns:p14="http://schemas.microsoft.com/office/powerpoint/2010/main" val="1036413146"/>
       </p:ext>
     </p:extLst>
   </p:cSld>
@@ -5137,31 +5524,64 @@
           <a:lstStyle/>
           <a:p>
             <a:r>
+              <a:rPr kumimoji="1" lang="en-US" altLang="zh-CN"/>
+              <a:t>Dataset</a:t>
+            </a:r>
+            <a:endParaRPr kumimoji="1" lang="zh-CN" altLang="en-US" dirty="0"/>
+          </a:p>
+        </p:txBody>
+      </p:sp>
+      <p:sp>
+        <p:nvSpPr>
+          <p:cNvPr id="3" name="内容占位符 2"/>
+          <p:cNvSpPr>
+            <a:spLocks noGrp="1"/>
+          </p:cNvSpPr>
+          <p:nvPr>
+            <p:ph idx="1"/>
+          </p:nvPr>
+        </p:nvSpPr>
+        <p:spPr/>
+        <p:txBody>
+          <a:bodyPr/>
+          <a:lstStyle/>
+          <a:p>
+            <a:r>
               <a:rPr kumimoji="1" lang="en-US" altLang="zh-CN" dirty="0"/>
-              <a:t>URL</a:t>
-            </a:r>
-            <a:endParaRPr kumimoji="1" lang="zh-CN" altLang="en-US" dirty="0"/>
-          </a:p>
-        </p:txBody>
-      </p:sp>
-      <p:sp>
-        <p:nvSpPr>
-          <p:cNvPr id="3" name="内容占位符 2"/>
-          <p:cNvSpPr>
-            <a:spLocks noGrp="1"/>
-          </p:cNvSpPr>
-          <p:nvPr>
-            <p:ph idx="1"/>
-          </p:nvPr>
-        </p:nvSpPr>
-        <p:spPr/>
-        <p:txBody>
-          <a:bodyPr/>
-          <a:lstStyle/>
-          <a:p>
+              <a:t>Enron emails and Fraudulent emails. Used to distinguish fraudulent emails. Enron emails:</a:t>
+            </a:r>
+            <a:r>
+              <a:rPr lang="uk-UA" altLang="zh-CN" dirty="0"/>
+              <a:t> 517401</a:t>
+            </a:r>
+            <a:r>
+              <a:rPr lang="en-US" altLang="zh-CN" dirty="0"/>
+              <a:t>, </a:t>
+            </a:r>
             <a:r>
               <a:rPr kumimoji="1" lang="en-US" altLang="zh-CN" dirty="0"/>
-              <a:t>RNN</a:t>
+              <a:t>Fraudulent emails:</a:t>
+            </a:r>
+            <a:r>
+              <a:rPr lang="cs-CZ" altLang="zh-CN" dirty="0"/>
+              <a:t> 3978 </a:t>
+            </a:r>
+            <a:endParaRPr kumimoji="1" lang="en-US" altLang="zh-CN" dirty="0"/>
+          </a:p>
+          <a:p>
+            <a:r>
+              <a:rPr kumimoji="1" lang="en-US" altLang="zh-CN" dirty="0"/>
+              <a:t>IWSPA. Phishing emails. Full header legit:4082, Full header phish:503. No header legit:5091, Full header phish:628,Test full header:4195,Test no header:4300.</a:t>
+            </a:r>
+          </a:p>
+          <a:p>
+            <a:r>
+              <a:rPr kumimoji="1" lang="en-US" altLang="zh-CN" dirty="0" err="1"/>
+              <a:t>Url</a:t>
+            </a:r>
+            <a:r>
+              <a:rPr kumimoji="1" lang="en-US" altLang="zh-CN" dirty="0"/>
+              <a:t> Data:</a:t>
             </a:r>
             <a:r>
               <a:rPr kumimoji="1" lang="zh-CN" altLang="en-US" dirty="0"/>
@@ -5169,7 +5589,7 @@
             </a:r>
             <a:r>
               <a:rPr kumimoji="1" lang="en-US" altLang="zh-CN" dirty="0"/>
-              <a:t>+</a:t>
+              <a:t>Beyond</a:t>
             </a:r>
             <a:r>
               <a:rPr kumimoji="1" lang="zh-CN" altLang="en-US" dirty="0"/>
@@ -5177,56 +5597,29 @@
             </a:r>
             <a:r>
               <a:rPr kumimoji="1" lang="en-US" altLang="zh-CN" dirty="0"/>
-              <a:t>Attention 1 epochs precision:85%</a:t>
-            </a:r>
-          </a:p>
-          <a:p>
+              <a:t>1</a:t>
+            </a:r>
+            <a:r>
+              <a:rPr kumimoji="1" lang="zh-CN" altLang="en-US" dirty="0"/>
+              <a:t> </a:t>
+            </a:r>
             <a:r>
               <a:rPr kumimoji="1" lang="en-US" altLang="zh-CN" dirty="0"/>
-              <a:t>CNN precision:99%</a:t>
+              <a:t>million</a:t>
             </a:r>
           </a:p>
           <a:p>
             <a:r>
               <a:rPr kumimoji="1" lang="en-US" altLang="zh-CN" dirty="0"/>
-              <a:t>Features</a:t>
-            </a:r>
-          </a:p>
-          <a:p>
-            <a:pPr lvl="1"/>
+              <a:t>Html features:</a:t>
+            </a:r>
+            <a:r>
+              <a:rPr kumimoji="1" lang="zh-CN" altLang="en-US" dirty="0"/>
+              <a:t> </a:t>
+            </a:r>
             <a:r>
               <a:rPr kumimoji="1" lang="en-US" altLang="zh-CN" dirty="0"/>
-              <a:t>LR:</a:t>
-            </a:r>
-            <a:r>
-              <a:rPr lang="is-IS" altLang="zh-CN" dirty="0"/>
-              <a:t> 0.9957127987712774</a:t>
-            </a:r>
-          </a:p>
-          <a:p>
-            <a:pPr lvl="1"/>
-            <a:r>
-              <a:rPr kumimoji="1" lang="is-IS" altLang="zh-CN" dirty="0"/>
-              <a:t>RandomForest:</a:t>
-            </a:r>
-            <a:r>
-              <a:rPr lang="is-IS" altLang="zh-CN" dirty="0"/>
-              <a:t> 0.9972550488061842</a:t>
-            </a:r>
-          </a:p>
-          <a:p>
-            <a:pPr lvl="1"/>
-            <a:r>
-              <a:rPr lang="en-US" altLang="zh-CN" dirty="0" err="1"/>
-              <a:t>DecisionTree</a:t>
-            </a:r>
-            <a:r>
-              <a:rPr lang="en-US" altLang="zh-CN" dirty="0"/>
-              <a:t>:</a:t>
-            </a:r>
-            <a:r>
-              <a:rPr lang="is-IS" altLang="zh-CN" dirty="0"/>
-              <a:t> 0.9955287442403625</a:t>
+              <a:t>more than 40 features, 11503 units.</a:t>
             </a:r>
             <a:endParaRPr kumimoji="1" lang="zh-CN" altLang="en-US" dirty="0"/>
           </a:p>
@@ -5235,7 +5628,7 @@
     </p:spTree>
     <p:extLst>
       <p:ext uri="{BB962C8B-B14F-4D97-AF65-F5344CB8AC3E}">
-        <p14:creationId xmlns:p14="http://schemas.microsoft.com/office/powerpoint/2010/main" val="1965954904"/>
+        <p14:creationId xmlns:p14="http://schemas.microsoft.com/office/powerpoint/2010/main" val="808897054"/>
       </p:ext>
     </p:extLst>
   </p:cSld>
@@ -5279,220 +5672,96 @@
           <a:p>
             <a:r>
               <a:rPr kumimoji="1" lang="en-US" altLang="zh-CN" dirty="0"/>
+              <a:t>URL</a:t>
+            </a:r>
+            <a:endParaRPr kumimoji="1" lang="zh-CN" altLang="en-US" dirty="0"/>
+          </a:p>
+        </p:txBody>
+      </p:sp>
+      <p:sp>
+        <p:nvSpPr>
+          <p:cNvPr id="3" name="内容占位符 2"/>
+          <p:cNvSpPr>
+            <a:spLocks noGrp="1"/>
+          </p:cNvSpPr>
+          <p:nvPr>
+            <p:ph idx="1"/>
+          </p:nvPr>
+        </p:nvSpPr>
+        <p:spPr/>
+        <p:txBody>
+          <a:bodyPr/>
+          <a:lstStyle/>
+          <a:p>
+            <a:r>
+              <a:rPr kumimoji="1" lang="en-US" altLang="zh-CN" dirty="0"/>
+              <a:t>RNN</a:t>
+            </a:r>
+            <a:r>
+              <a:rPr kumimoji="1" lang="zh-CN" altLang="en-US" dirty="0"/>
+              <a:t> </a:t>
+            </a:r>
+            <a:r>
+              <a:rPr kumimoji="1" lang="en-US" altLang="zh-CN" dirty="0"/>
+              <a:t>+</a:t>
+            </a:r>
+            <a:r>
+              <a:rPr kumimoji="1" lang="zh-CN" altLang="en-US" dirty="0"/>
+              <a:t> </a:t>
+            </a:r>
+            <a:r>
+              <a:rPr kumimoji="1" lang="en-US" altLang="zh-CN" dirty="0"/>
+              <a:t>Attention 1 epochs precision:85%</a:t>
+            </a:r>
+          </a:p>
+          <a:p>
+            <a:r>
+              <a:rPr kumimoji="1" lang="en-US" altLang="zh-CN" dirty="0"/>
+              <a:t>CNN precision:99%</a:t>
+            </a:r>
+          </a:p>
+          <a:p>
+            <a:r>
+              <a:rPr kumimoji="1" lang="en-US" altLang="zh-CN" dirty="0"/>
               <a:t>Features</a:t>
             </a:r>
-            <a:endParaRPr kumimoji="1" lang="zh-CN" altLang="en-US" dirty="0"/>
-          </a:p>
-        </p:txBody>
-      </p:sp>
-      <p:sp>
-        <p:nvSpPr>
-          <p:cNvPr id="3" name="内容占位符 2"/>
-          <p:cNvSpPr>
-            <a:spLocks noGrp="1"/>
-          </p:cNvSpPr>
-          <p:nvPr>
-            <p:ph idx="1"/>
-          </p:nvPr>
-        </p:nvSpPr>
-        <p:spPr/>
-        <p:txBody>
-          <a:bodyPr>
-            <a:normAutofit fontScale="55000" lnSpcReduction="20000"/>
-          </a:bodyPr>
-          <a:lstStyle/>
-          <a:p>
-            <a:r>
-              <a:rPr lang="en-US" altLang="zh-CN" dirty="0"/>
-              <a:t>Length Features</a:t>
-            </a:r>
-            <a:br>
-              <a:rPr lang="en-US" altLang="zh-CN" dirty="0"/>
-            </a:br>
-            <a:r>
-              <a:rPr lang="en-US" altLang="zh-CN" dirty="0"/>
-              <a:t>Length Of </a:t>
-            </a:r>
+          </a:p>
+          <a:p>
+            <a:pPr lvl="1"/>
+            <a:r>
+              <a:rPr kumimoji="1" lang="en-US" altLang="zh-CN" dirty="0"/>
+              <a:t>LR:</a:t>
+            </a:r>
+            <a:r>
+              <a:rPr lang="is-IS" altLang="zh-CN" dirty="0"/>
+              <a:t> 0.9957127987712774</a:t>
+            </a:r>
+          </a:p>
+          <a:p>
+            <a:pPr lvl="1"/>
+            <a:r>
+              <a:rPr kumimoji="1" lang="is-IS" altLang="zh-CN" dirty="0"/>
+              <a:t>RandomForest:</a:t>
+            </a:r>
+            <a:r>
+              <a:rPr lang="is-IS" altLang="zh-CN" dirty="0"/>
+              <a:t> 0.9972550488061842</a:t>
+            </a:r>
+          </a:p>
+          <a:p>
+            <a:pPr lvl="1"/>
             <a:r>
               <a:rPr lang="en-US" altLang="zh-CN" dirty="0" err="1"/>
-              <a:t>Url</a:t>
-            </a:r>
-            <a:r>
-              <a:rPr lang="en-US" altLang="zh-CN" dirty="0"/>
-              <a:t/>
-            </a:r>
-            <a:br>
-              <a:rPr lang="en-US" altLang="zh-CN" dirty="0"/>
-            </a:br>
-            <a:r>
-              <a:rPr lang="en-US" altLang="zh-CN" dirty="0"/>
-              <a:t>Length of Hostname</a:t>
-            </a:r>
-            <a:br>
-              <a:rPr lang="en-US" altLang="zh-CN" dirty="0"/>
-            </a:br>
-            <a:r>
-              <a:rPr lang="en-US" altLang="zh-CN" dirty="0"/>
-              <a:t>Length Of Path</a:t>
-            </a:r>
-            <a:br>
-              <a:rPr lang="en-US" altLang="zh-CN" dirty="0"/>
-            </a:br>
-            <a:r>
-              <a:rPr lang="en-US" altLang="zh-CN" dirty="0"/>
-              <a:t>Length Of First Directory</a:t>
-            </a:r>
-            <a:br>
-              <a:rPr lang="en-US" altLang="zh-CN" dirty="0"/>
-            </a:br>
-            <a:r>
-              <a:rPr lang="en-US" altLang="zh-CN" dirty="0"/>
-              <a:t>Length Of Top</a:t>
-            </a:r>
-            <a:r>
-              <a:rPr lang="zh-CN" altLang="en-US" dirty="0"/>
-              <a:t> </a:t>
-            </a:r>
-            <a:r>
-              <a:rPr lang="en-US" altLang="zh-CN" dirty="0"/>
-              <a:t>Level Domain</a:t>
-            </a:r>
-            <a:br>
-              <a:rPr lang="en-US" altLang="zh-CN" dirty="0"/>
-            </a:br>
-            <a:r>
-              <a:rPr lang="en-US" altLang="zh-CN" dirty="0"/>
-              <a:t/>
-            </a:r>
-            <a:br>
-              <a:rPr lang="en-US" altLang="zh-CN" dirty="0"/>
-            </a:br>
-            <a:r>
-              <a:rPr lang="en-US" altLang="zh-CN" dirty="0"/>
-              <a:t>Count Features</a:t>
-            </a:r>
-            <a:br>
-              <a:rPr lang="en-US" altLang="zh-CN" dirty="0"/>
-            </a:br>
-            <a:r>
-              <a:rPr lang="en-US" altLang="zh-CN" dirty="0"/>
-              <a:t>Count Of '-'</a:t>
-            </a:r>
-            <a:br>
-              <a:rPr lang="en-US" altLang="zh-CN" dirty="0"/>
-            </a:br>
-            <a:r>
-              <a:rPr lang="en-US" altLang="zh-CN" dirty="0"/>
-              <a:t>Count Of '@'</a:t>
-            </a:r>
-            <a:br>
-              <a:rPr lang="en-US" altLang="zh-CN" dirty="0"/>
-            </a:br>
-            <a:r>
-              <a:rPr lang="en-US" altLang="zh-CN" dirty="0"/>
-              <a:t>Count Of '?'</a:t>
-            </a:r>
-            <a:br>
-              <a:rPr lang="en-US" altLang="zh-CN" dirty="0"/>
-            </a:br>
-            <a:r>
-              <a:rPr lang="en-US" altLang="zh-CN" dirty="0"/>
-              <a:t>Count Of '%'</a:t>
-            </a:r>
-            <a:br>
-              <a:rPr lang="en-US" altLang="zh-CN" dirty="0"/>
-            </a:br>
-            <a:r>
-              <a:rPr lang="en-US" altLang="zh-CN" dirty="0"/>
-              <a:t>Count Of '.'</a:t>
-            </a:r>
-            <a:br>
-              <a:rPr lang="en-US" altLang="zh-CN" dirty="0"/>
-            </a:br>
-            <a:r>
-              <a:rPr lang="en-US" altLang="zh-CN" dirty="0"/>
-              <a:t>Count Of '='</a:t>
-            </a:r>
-            <a:br>
-              <a:rPr lang="en-US" altLang="zh-CN" dirty="0"/>
-            </a:br>
-            <a:r>
-              <a:rPr lang="en-US" altLang="zh-CN" dirty="0"/>
-              <a:t>Count Of 'http'</a:t>
-            </a:r>
-            <a:br>
-              <a:rPr lang="en-US" altLang="zh-CN" dirty="0"/>
-            </a:br>
-            <a:r>
-              <a:rPr lang="en-US" altLang="zh-CN" dirty="0"/>
-              <a:t>Count Of 'www'</a:t>
-            </a:r>
-            <a:br>
-              <a:rPr lang="en-US" altLang="zh-CN" dirty="0"/>
-            </a:br>
-            <a:r>
-              <a:rPr lang="en-US" altLang="zh-CN" dirty="0"/>
-              <a:t>Count Of Digits</a:t>
-            </a:r>
-            <a:br>
-              <a:rPr lang="en-US" altLang="zh-CN" dirty="0"/>
-            </a:br>
-            <a:r>
-              <a:rPr lang="en-US" altLang="zh-CN" dirty="0"/>
-              <a:t>Count Of Letters</a:t>
-            </a:r>
-            <a:br>
-              <a:rPr lang="en-US" altLang="zh-CN" dirty="0"/>
-            </a:br>
-            <a:r>
-              <a:rPr lang="en-US" altLang="zh-CN" dirty="0"/>
-              <a:t>Count Of Number Of Directories</a:t>
-            </a:r>
-            <a:br>
-              <a:rPr lang="en-US" altLang="zh-CN" dirty="0"/>
-            </a:br>
-            <a:r>
-              <a:rPr lang="en-US" altLang="zh-CN" dirty="0"/>
-              <a:t/>
-            </a:r>
-            <a:br>
-              <a:rPr lang="en-US" altLang="zh-CN" dirty="0"/>
-            </a:br>
-            <a:r>
-              <a:rPr lang="en-US" altLang="zh-CN" dirty="0"/>
-              <a:t>Binary Features</a:t>
-            </a:r>
-            <a:br>
-              <a:rPr lang="en-US" altLang="zh-CN" dirty="0"/>
-            </a:br>
-            <a:r>
-              <a:rPr lang="en-US" altLang="zh-CN" dirty="0"/>
-              <a:t>Use of IP or not</a:t>
-            </a:r>
-            <a:br>
-              <a:rPr lang="en-US" altLang="zh-CN" dirty="0"/>
-            </a:br>
-            <a:r>
-              <a:rPr lang="en-US" altLang="zh-CN" dirty="0"/>
-              <a:t>Use of Shortening URL or not</a:t>
-            </a:r>
-            <a:br>
-              <a:rPr lang="en-US" altLang="zh-CN" dirty="0"/>
-            </a:br>
-            <a:r>
-              <a:rPr lang="en-US" altLang="zh-CN" dirty="0"/>
-              <a:t>Apart from the lexical features, we will use TFID - Term Frequency Inverse Document as well.</a:t>
-            </a:r>
-            <a:br>
-              <a:rPr lang="en-US" altLang="zh-CN" dirty="0"/>
-            </a:br>
-            <a:r>
-              <a:rPr lang="en-US" altLang="zh-CN" dirty="0"/>
-              <a:t/>
-            </a:r>
-            <a:br>
-              <a:rPr lang="en-US" altLang="zh-CN" dirty="0"/>
-            </a:br>
+              <a:t>DecisionTree</a:t>
+            </a:r>
+            <a:r>
+              <a:rPr lang="en-US" altLang="zh-CN" dirty="0"/>
+              <a:t>:</a:t>
+            </a:r>
+            <a:r>
+              <a:rPr lang="is-IS" altLang="zh-CN" dirty="0"/>
+              <a:t> 0.9955287442403625</a:t>
+            </a:r>
             <a:endParaRPr kumimoji="1" lang="zh-CN" altLang="en-US" dirty="0"/>
           </a:p>
         </p:txBody>
@@ -5500,7 +5769,7 @@
     </p:spTree>
     <p:extLst>
       <p:ext uri="{BB962C8B-B14F-4D97-AF65-F5344CB8AC3E}">
-        <p14:creationId xmlns:p14="http://schemas.microsoft.com/office/powerpoint/2010/main" val="1629346251"/>
+        <p14:creationId xmlns:p14="http://schemas.microsoft.com/office/powerpoint/2010/main" val="1965954904"/>
       </p:ext>
     </p:extLst>
   </p:cSld>
@@ -5543,8 +5812,8 @@
           <a:lstStyle/>
           <a:p>
             <a:r>
-              <a:rPr kumimoji="1" lang="en-US" altLang="zh-CN" dirty="0"/>
-              <a:t>HTML Structure</a:t>
+              <a:rPr kumimoji="1" lang="en-US" altLang="zh-CN" dirty="0" smtClean="0"/>
+              <a:t>URL Features</a:t>
             </a:r>
             <a:endParaRPr kumimoji="1" lang="zh-CN" altLang="en-US" dirty="0"/>
           </a:p>
@@ -5562,272 +5831,210 @@
         </p:nvSpPr>
         <p:spPr/>
         <p:txBody>
-          <a:bodyPr/>
-          <a:lstStyle/>
-          <a:p>
-            <a:r>
-              <a:rPr lang="en-US" altLang="zh-CN" i="1" dirty="0"/>
-              <a:t>index</a:t>
-            </a:r>
-            <a:r>
-              <a:rPr lang="en-US" altLang="zh-CN" dirty="0"/>
-              <a:t>,</a:t>
-            </a:r>
-            <a:r>
-              <a:rPr lang="en-US" altLang="zh-CN" i="1" dirty="0"/>
-              <a:t>having_IPhaving_IP_Address</a:t>
-            </a:r>
-            <a:r>
-              <a:rPr lang="en-US" altLang="zh-CN" dirty="0"/>
-              <a:t>,</a:t>
-            </a:r>
-            <a:r>
-              <a:rPr lang="en-US" altLang="zh-CN" i="1" dirty="0"/>
-              <a:t>URLURL_Length</a:t>
-            </a:r>
-            <a:r>
-              <a:rPr lang="en-US" altLang="zh-CN" dirty="0"/>
-              <a:t>,</a:t>
-            </a:r>
-            <a:r>
-              <a:rPr lang="en-US" altLang="zh-CN" i="1" dirty="0"/>
-              <a:t>Shortining_Service</a:t>
-            </a:r>
-            <a:r>
-              <a:rPr lang="en-US" altLang="zh-CN" dirty="0"/>
-              <a:t>,</a:t>
-            </a:r>
-            <a:r>
-              <a:rPr lang="en-US" altLang="zh-CN" i="1" dirty="0"/>
-              <a:t>having_At_Symbol</a:t>
-            </a:r>
-            <a:r>
-              <a:rPr lang="en-US" altLang="zh-CN" dirty="0"/>
-              <a:t>,</a:t>
-            </a:r>
-            <a:r>
-              <a:rPr lang="en-US" altLang="zh-CN" i="1" dirty="0"/>
-              <a:t>double_slash_redirecting</a:t>
-            </a:r>
-            <a:r>
-              <a:rPr lang="en-US" altLang="zh-CN" dirty="0"/>
-              <a:t>,</a:t>
-            </a:r>
-            <a:r>
-              <a:rPr lang="en-US" altLang="zh-CN" i="1" dirty="0"/>
-              <a:t>Prefix_Suffix</a:t>
-            </a:r>
-            <a:r>
-              <a:rPr lang="en-US" altLang="zh-CN" dirty="0"/>
-              <a:t>,</a:t>
-            </a:r>
-            <a:r>
-              <a:rPr lang="en-US" altLang="zh-CN" i="1" dirty="0"/>
-              <a:t>having_Sub_Domain</a:t>
-            </a:r>
-            <a:r>
-              <a:rPr lang="en-US" altLang="zh-CN" dirty="0"/>
-              <a:t>,</a:t>
-            </a:r>
-            <a:r>
-              <a:rPr lang="en-US" altLang="zh-CN" i="1" dirty="0"/>
-              <a:t>SSLfinal_State</a:t>
-            </a:r>
-            <a:r>
-              <a:rPr lang="en-US" altLang="zh-CN" dirty="0"/>
-              <a:t>,</a:t>
-            </a:r>
-            <a:r>
-              <a:rPr lang="en-US" altLang="zh-CN" i="1" dirty="0"/>
-              <a:t>Domain_registeration_length</a:t>
-            </a:r>
-            <a:r>
-              <a:rPr lang="en-US" altLang="zh-CN" dirty="0"/>
-              <a:t>,</a:t>
-            </a:r>
-            <a:r>
-              <a:rPr lang="en-US" altLang="zh-CN" i="1" dirty="0"/>
-              <a:t>Favicon</a:t>
-            </a:r>
-            <a:r>
-              <a:rPr lang="en-US" altLang="zh-CN" dirty="0"/>
-              <a:t>,</a:t>
-            </a:r>
-            <a:r>
-              <a:rPr lang="en-US" altLang="zh-CN" i="1" dirty="0"/>
-              <a:t>port</a:t>
-            </a:r>
-            <a:r>
-              <a:rPr lang="en-US" altLang="zh-CN" dirty="0"/>
-              <a:t>,</a:t>
-            </a:r>
-            <a:r>
-              <a:rPr lang="en-US" altLang="zh-CN" i="1" dirty="0"/>
-              <a:t>HTTPS_token</a:t>
-            </a:r>
-            <a:r>
-              <a:rPr lang="en-US" altLang="zh-CN" dirty="0"/>
-              <a:t>,</a:t>
-            </a:r>
-            <a:r>
-              <a:rPr lang="en-US" altLang="zh-CN" i="1" dirty="0"/>
-              <a:t>Request_URL</a:t>
-            </a:r>
-            <a:r>
-              <a:rPr lang="en-US" altLang="zh-CN" dirty="0"/>
-              <a:t>,</a:t>
-            </a:r>
-            <a:r>
-              <a:rPr lang="en-US" altLang="zh-CN" i="1" dirty="0"/>
-              <a:t>URL_of_Anchor</a:t>
-            </a:r>
-            <a:r>
-              <a:rPr lang="en-US" altLang="zh-CN" dirty="0"/>
-              <a:t>,</a:t>
-            </a:r>
-            <a:r>
-              <a:rPr lang="en-US" altLang="zh-CN" i="1" dirty="0"/>
-              <a:t>Links_in_tags</a:t>
-            </a:r>
-            <a:r>
-              <a:rPr lang="en-US" altLang="zh-CN" dirty="0"/>
-              <a:t>,</a:t>
-            </a:r>
-            <a:r>
-              <a:rPr lang="en-US" altLang="zh-CN" i="1" dirty="0"/>
-              <a:t>SFH</a:t>
-            </a:r>
-            <a:r>
-              <a:rPr lang="en-US" altLang="zh-CN" dirty="0"/>
-              <a:t>,</a:t>
-            </a:r>
-            <a:r>
-              <a:rPr lang="en-US" altLang="zh-CN" i="1" dirty="0"/>
-              <a:t>Submitting_to_email</a:t>
-            </a:r>
-            <a:r>
-              <a:rPr lang="en-US" altLang="zh-CN" dirty="0"/>
-              <a:t>,</a:t>
-            </a:r>
-            <a:r>
-              <a:rPr lang="en-US" altLang="zh-CN" i="1" dirty="0"/>
-              <a:t>Abnormal_URL</a:t>
-            </a:r>
-            <a:r>
-              <a:rPr lang="en-US" altLang="zh-CN" dirty="0"/>
-              <a:t>,</a:t>
-            </a:r>
-            <a:r>
-              <a:rPr lang="en-US" altLang="zh-CN" i="1" dirty="0"/>
-              <a:t>Redirect</a:t>
-            </a:r>
-            <a:r>
-              <a:rPr lang="en-US" altLang="zh-CN" dirty="0"/>
-              <a:t>,</a:t>
-            </a:r>
-            <a:r>
-              <a:rPr lang="en-US" altLang="zh-CN" i="1" dirty="0"/>
-              <a:t>on_mouseover</a:t>
-            </a:r>
-            <a:r>
-              <a:rPr lang="en-US" altLang="zh-CN" dirty="0"/>
-              <a:t>,</a:t>
-            </a:r>
-            <a:r>
-              <a:rPr lang="en-US" altLang="zh-CN" i="1" dirty="0"/>
-              <a:t>RightClick</a:t>
-            </a:r>
-            <a:r>
-              <a:rPr lang="en-US" altLang="zh-CN" dirty="0"/>
-              <a:t>,</a:t>
-            </a:r>
-            <a:r>
-              <a:rPr lang="en-US" altLang="zh-CN" i="1" dirty="0"/>
-              <a:t>popUpWidnow</a:t>
-            </a:r>
-            <a:r>
-              <a:rPr lang="en-US" altLang="zh-CN" dirty="0"/>
-              <a:t>,</a:t>
-            </a:r>
-            <a:r>
-              <a:rPr lang="en-US" altLang="zh-CN" i="1" dirty="0"/>
-              <a:t>Iframe</a:t>
-            </a:r>
-            <a:r>
-              <a:rPr lang="en-US" altLang="zh-CN" dirty="0"/>
-              <a:t>,</a:t>
-            </a:r>
-            <a:r>
-              <a:rPr lang="en-US" altLang="zh-CN" i="1" dirty="0"/>
-              <a:t>age_of_domain</a:t>
-            </a:r>
-            <a:r>
-              <a:rPr lang="en-US" altLang="zh-CN" dirty="0"/>
-              <a:t>,</a:t>
-            </a:r>
-            <a:r>
-              <a:rPr lang="en-US" altLang="zh-CN" i="1" dirty="0"/>
-              <a:t>DNSRecord</a:t>
-            </a:r>
-            <a:r>
-              <a:rPr lang="en-US" altLang="zh-CN" dirty="0"/>
-              <a:t>,</a:t>
-            </a:r>
-            <a:r>
-              <a:rPr lang="en-US" altLang="zh-CN" i="1" dirty="0"/>
-              <a:t>web_traffic</a:t>
-            </a:r>
-            <a:r>
-              <a:rPr lang="en-US" altLang="zh-CN" dirty="0"/>
-              <a:t>,</a:t>
-            </a:r>
-            <a:r>
-              <a:rPr lang="en-US" altLang="zh-CN" i="1" dirty="0"/>
-              <a:t>Page_Rank</a:t>
-            </a:r>
-            <a:r>
-              <a:rPr lang="en-US" altLang="zh-CN" dirty="0"/>
-              <a:t>,</a:t>
-            </a:r>
-            <a:r>
-              <a:rPr lang="en-US" altLang="zh-CN" i="1" dirty="0"/>
-              <a:t>Google_Index</a:t>
-            </a:r>
-            <a:r>
-              <a:rPr lang="en-US" altLang="zh-CN" dirty="0"/>
-              <a:t>,</a:t>
-            </a:r>
-            <a:r>
-              <a:rPr lang="en-US" altLang="zh-CN" i="1" dirty="0"/>
-              <a:t>Links_pointing_to_page</a:t>
-            </a:r>
-            <a:r>
-              <a:rPr lang="en-US" altLang="zh-CN" dirty="0"/>
-              <a:t>,</a:t>
-            </a:r>
-            <a:r>
-              <a:rPr lang="en-US" altLang="zh-CN" i="1" dirty="0"/>
-              <a:t>Statistical_report</a:t>
-            </a:r>
-            <a:r>
-              <a:rPr lang="en-US" altLang="zh-CN" dirty="0"/>
-              <a:t>,</a:t>
-            </a:r>
-            <a:r>
-              <a:rPr lang="en-US" altLang="zh-CN" i="1" dirty="0"/>
-              <a:t>Result</a:t>
+          <a:bodyPr>
+            <a:normAutofit fontScale="55000" lnSpcReduction="20000"/>
+          </a:bodyPr>
+          <a:lstStyle/>
+          <a:p>
+            <a:r>
+              <a:rPr lang="en-US" altLang="zh-CN" dirty="0"/>
+              <a:t>Length Features</a:t>
             </a:r>
             <a:br>
-              <a:rPr lang="en-US" altLang="zh-CN" i="1" dirty="0"/>
+              <a:rPr lang="en-US" altLang="zh-CN" dirty="0"/>
             </a:br>
-            <a:endParaRPr lang="is-IS" altLang="zh-CN" dirty="0"/>
+            <a:r>
+              <a:rPr lang="en-US" altLang="zh-CN" dirty="0"/>
+              <a:t>Length Of </a:t>
+            </a:r>
+            <a:r>
+              <a:rPr lang="en-US" altLang="zh-CN" dirty="0" err="1"/>
+              <a:t>Url</a:t>
+            </a:r>
+            <a:r>
+              <a:rPr lang="en-US" altLang="zh-CN" dirty="0"/>
+              <a:t/>
+            </a:r>
+            <a:br>
+              <a:rPr lang="en-US" altLang="zh-CN" dirty="0"/>
+            </a:br>
+            <a:r>
+              <a:rPr lang="en-US" altLang="zh-CN" dirty="0"/>
+              <a:t>Length of Hostname</a:t>
+            </a:r>
+            <a:br>
+              <a:rPr lang="en-US" altLang="zh-CN" dirty="0"/>
+            </a:br>
+            <a:r>
+              <a:rPr lang="en-US" altLang="zh-CN" dirty="0"/>
+              <a:t>Length Of Path</a:t>
+            </a:r>
+            <a:br>
+              <a:rPr lang="en-US" altLang="zh-CN" dirty="0"/>
+            </a:br>
+            <a:r>
+              <a:rPr lang="en-US" altLang="zh-CN" dirty="0"/>
+              <a:t>Length Of First Directory</a:t>
+            </a:r>
+            <a:br>
+              <a:rPr lang="en-US" altLang="zh-CN" dirty="0"/>
+            </a:br>
+            <a:r>
+              <a:rPr lang="en-US" altLang="zh-CN" dirty="0"/>
+              <a:t>Length Of Top</a:t>
+            </a:r>
+            <a:r>
+              <a:rPr lang="zh-CN" altLang="en-US" dirty="0"/>
+              <a:t> </a:t>
+            </a:r>
+            <a:r>
+              <a:rPr lang="en-US" altLang="zh-CN" dirty="0"/>
+              <a:t>Level Domain</a:t>
+            </a:r>
+            <a:br>
+              <a:rPr lang="en-US" altLang="zh-CN" dirty="0"/>
+            </a:br>
+            <a:r>
+              <a:rPr lang="en-US" altLang="zh-CN" dirty="0"/>
+              <a:t/>
+            </a:r>
+            <a:br>
+              <a:rPr lang="en-US" altLang="zh-CN" dirty="0"/>
+            </a:br>
+            <a:r>
+              <a:rPr lang="en-US" altLang="zh-CN" dirty="0"/>
+              <a:t>Count Features</a:t>
+            </a:r>
+            <a:br>
+              <a:rPr lang="en-US" altLang="zh-CN" dirty="0"/>
+            </a:br>
+            <a:r>
+              <a:rPr lang="en-US" altLang="zh-CN" dirty="0"/>
+              <a:t>Count Of '-'</a:t>
+            </a:r>
+            <a:br>
+              <a:rPr lang="en-US" altLang="zh-CN" dirty="0"/>
+            </a:br>
+            <a:r>
+              <a:rPr lang="en-US" altLang="zh-CN" dirty="0"/>
+              <a:t>Count Of '@'</a:t>
+            </a:r>
+            <a:br>
+              <a:rPr lang="en-US" altLang="zh-CN" dirty="0"/>
+            </a:br>
+            <a:r>
+              <a:rPr lang="en-US" altLang="zh-CN" dirty="0"/>
+              <a:t>Count Of '?'</a:t>
+            </a:r>
+            <a:br>
+              <a:rPr lang="en-US" altLang="zh-CN" dirty="0"/>
+            </a:br>
+            <a:r>
+              <a:rPr lang="en-US" altLang="zh-CN" dirty="0"/>
+              <a:t>Count Of '%'</a:t>
+            </a:r>
+            <a:br>
+              <a:rPr lang="en-US" altLang="zh-CN" dirty="0"/>
+            </a:br>
+            <a:r>
+              <a:rPr lang="en-US" altLang="zh-CN" dirty="0"/>
+              <a:t>Count Of '.'</a:t>
+            </a:r>
+            <a:br>
+              <a:rPr lang="en-US" altLang="zh-CN" dirty="0"/>
+            </a:br>
+            <a:r>
+              <a:rPr lang="en-US" altLang="zh-CN" dirty="0"/>
+              <a:t>Count Of '='</a:t>
+            </a:r>
+            <a:br>
+              <a:rPr lang="en-US" altLang="zh-CN" dirty="0"/>
+            </a:br>
+            <a:r>
+              <a:rPr lang="en-US" altLang="zh-CN" dirty="0"/>
+              <a:t>Count Of 'http'</a:t>
+            </a:r>
+            <a:br>
+              <a:rPr lang="en-US" altLang="zh-CN" dirty="0"/>
+            </a:br>
+            <a:r>
+              <a:rPr lang="en-US" altLang="zh-CN" dirty="0"/>
+              <a:t>Count Of 'www'</a:t>
+            </a:r>
+            <a:br>
+              <a:rPr lang="en-US" altLang="zh-CN" dirty="0"/>
+            </a:br>
+            <a:r>
+              <a:rPr lang="en-US" altLang="zh-CN" dirty="0"/>
+              <a:t>Count Of Digits</a:t>
+            </a:r>
+            <a:br>
+              <a:rPr lang="en-US" altLang="zh-CN" dirty="0"/>
+            </a:br>
+            <a:r>
+              <a:rPr lang="en-US" altLang="zh-CN" dirty="0"/>
+              <a:t>Count Of Letters</a:t>
+            </a:r>
+            <a:br>
+              <a:rPr lang="en-US" altLang="zh-CN" dirty="0"/>
+            </a:br>
+            <a:r>
+              <a:rPr lang="en-US" altLang="zh-CN" dirty="0"/>
+              <a:t>Count Of Number Of Directories</a:t>
+            </a:r>
+            <a:br>
+              <a:rPr lang="en-US" altLang="zh-CN" dirty="0"/>
+            </a:br>
+            <a:r>
+              <a:rPr lang="en-US" altLang="zh-CN" dirty="0"/>
+              <a:t/>
+            </a:r>
+            <a:br>
+              <a:rPr lang="en-US" altLang="zh-CN" dirty="0"/>
+            </a:br>
+            <a:r>
+              <a:rPr lang="en-US" altLang="zh-CN" dirty="0"/>
+              <a:t>Binary Features</a:t>
+            </a:r>
+            <a:br>
+              <a:rPr lang="en-US" altLang="zh-CN" dirty="0"/>
+            </a:br>
+            <a:r>
+              <a:rPr lang="en-US" altLang="zh-CN" dirty="0"/>
+              <a:t>Use of IP or not</a:t>
+            </a:r>
+            <a:br>
+              <a:rPr lang="en-US" altLang="zh-CN" dirty="0"/>
+            </a:br>
+            <a:r>
+              <a:rPr lang="en-US" altLang="zh-CN" dirty="0"/>
+              <a:t>Use of Shortening URL or not</a:t>
+            </a:r>
+            <a:br>
+              <a:rPr lang="en-US" altLang="zh-CN" dirty="0"/>
+            </a:br>
+            <a:r>
+              <a:rPr lang="en-US" altLang="zh-CN" dirty="0"/>
+              <a:t>Apart from the lexical features, we will use TFID - Term Frequency Inverse Document as well.</a:t>
+            </a:r>
+            <a:br>
+              <a:rPr lang="en-US" altLang="zh-CN" dirty="0"/>
+            </a:br>
+            <a:r>
+              <a:rPr lang="en-US" altLang="zh-CN" dirty="0"/>
+              <a:t/>
+            </a:r>
+            <a:br>
+              <a:rPr lang="en-US" altLang="zh-CN" dirty="0"/>
+            </a:br>
+            <a:endParaRPr kumimoji="1" lang="zh-CN" altLang="en-US" dirty="0"/>
           </a:p>
         </p:txBody>
       </p:sp>
     </p:spTree>
     <p:extLst>
       <p:ext uri="{BB962C8B-B14F-4D97-AF65-F5344CB8AC3E}">
-        <p14:creationId xmlns:p14="http://schemas.microsoft.com/office/powerpoint/2010/main" val="2031031135"/>
+        <p14:creationId xmlns:p14="http://schemas.microsoft.com/office/powerpoint/2010/main" val="1629346251"/>
       </p:ext>
     </p:extLst>
   </p:cSld>

--- a/doc/AI Anti-phishing.pptx
+++ b/doc/AI Anti-phishing.pptx
@@ -214,7 +214,7 @@
           <a:p>
             <a:fld id="{7553DD64-06AD-E64A-8098-BD51A3D5F647}" type="datetimeFigureOut">
               <a:rPr kumimoji="1" lang="zh-CN" altLang="en-US" smtClean="0"/>
-              <a:t>2020/8/28</a:t>
+              <a:t>2020/8/31</a:t>
             </a:fld>
             <a:endParaRPr kumimoji="1" lang="zh-CN" altLang="en-US"/>
           </a:p>
@@ -706,7 +706,7 @@
           <a:p>
             <a:fld id="{AE1A547C-B457-A943-8000-9FA1EC6330E8}" type="datetimeFigureOut">
               <a:rPr kumimoji="1" lang="zh-CN" altLang="en-US" smtClean="0"/>
-              <a:t>2020/8/28</a:t>
+              <a:t>2020/8/31</a:t>
             </a:fld>
             <a:endParaRPr kumimoji="1" lang="zh-CN" altLang="en-US"/>
           </a:p>
@@ -874,7 +874,7 @@
           <a:p>
             <a:fld id="{AE1A547C-B457-A943-8000-9FA1EC6330E8}" type="datetimeFigureOut">
               <a:rPr kumimoji="1" lang="zh-CN" altLang="en-US" smtClean="0"/>
-              <a:t>2020/8/28</a:t>
+              <a:t>2020/8/31</a:t>
             </a:fld>
             <a:endParaRPr kumimoji="1" lang="zh-CN" altLang="en-US"/>
           </a:p>
@@ -1052,7 +1052,7 @@
           <a:p>
             <a:fld id="{AE1A547C-B457-A943-8000-9FA1EC6330E8}" type="datetimeFigureOut">
               <a:rPr kumimoji="1" lang="zh-CN" altLang="en-US" smtClean="0"/>
-              <a:t>2020/8/28</a:t>
+              <a:t>2020/8/31</a:t>
             </a:fld>
             <a:endParaRPr kumimoji="1" lang="zh-CN" altLang="en-US"/>
           </a:p>
@@ -1220,7 +1220,7 @@
           <a:p>
             <a:fld id="{AE1A547C-B457-A943-8000-9FA1EC6330E8}" type="datetimeFigureOut">
               <a:rPr kumimoji="1" lang="zh-CN" altLang="en-US" smtClean="0"/>
-              <a:t>2020/8/28</a:t>
+              <a:t>2020/8/31</a:t>
             </a:fld>
             <a:endParaRPr kumimoji="1" lang="zh-CN" altLang="en-US"/>
           </a:p>
@@ -1465,7 +1465,7 @@
           <a:p>
             <a:fld id="{AE1A547C-B457-A943-8000-9FA1EC6330E8}" type="datetimeFigureOut">
               <a:rPr kumimoji="1" lang="zh-CN" altLang="en-US" smtClean="0"/>
-              <a:t>2020/8/28</a:t>
+              <a:t>2020/8/31</a:t>
             </a:fld>
             <a:endParaRPr kumimoji="1" lang="zh-CN" altLang="en-US"/>
           </a:p>
@@ -1694,7 +1694,7 @@
           <a:p>
             <a:fld id="{AE1A547C-B457-A943-8000-9FA1EC6330E8}" type="datetimeFigureOut">
               <a:rPr kumimoji="1" lang="zh-CN" altLang="en-US" smtClean="0"/>
-              <a:t>2020/8/28</a:t>
+              <a:t>2020/8/31</a:t>
             </a:fld>
             <a:endParaRPr kumimoji="1" lang="zh-CN" altLang="en-US"/>
           </a:p>
@@ -2058,7 +2058,7 @@
           <a:p>
             <a:fld id="{AE1A547C-B457-A943-8000-9FA1EC6330E8}" type="datetimeFigureOut">
               <a:rPr kumimoji="1" lang="zh-CN" altLang="en-US" smtClean="0"/>
-              <a:t>2020/8/28</a:t>
+              <a:t>2020/8/31</a:t>
             </a:fld>
             <a:endParaRPr kumimoji="1" lang="zh-CN" altLang="en-US"/>
           </a:p>
@@ -2175,7 +2175,7 @@
           <a:p>
             <a:fld id="{AE1A547C-B457-A943-8000-9FA1EC6330E8}" type="datetimeFigureOut">
               <a:rPr kumimoji="1" lang="zh-CN" altLang="en-US" smtClean="0"/>
-              <a:t>2020/8/28</a:t>
+              <a:t>2020/8/31</a:t>
             </a:fld>
             <a:endParaRPr kumimoji="1" lang="zh-CN" altLang="en-US"/>
           </a:p>
@@ -2270,7 +2270,7 @@
           <a:p>
             <a:fld id="{AE1A547C-B457-A943-8000-9FA1EC6330E8}" type="datetimeFigureOut">
               <a:rPr kumimoji="1" lang="zh-CN" altLang="en-US" smtClean="0"/>
-              <a:t>2020/8/28</a:t>
+              <a:t>2020/8/31</a:t>
             </a:fld>
             <a:endParaRPr kumimoji="1" lang="zh-CN" altLang="en-US"/>
           </a:p>
@@ -2545,7 +2545,7 @@
           <a:p>
             <a:fld id="{AE1A547C-B457-A943-8000-9FA1EC6330E8}" type="datetimeFigureOut">
               <a:rPr kumimoji="1" lang="zh-CN" altLang="en-US" smtClean="0"/>
-              <a:t>2020/8/28</a:t>
+              <a:t>2020/8/31</a:t>
             </a:fld>
             <a:endParaRPr kumimoji="1" lang="zh-CN" altLang="en-US"/>
           </a:p>
@@ -2797,7 +2797,7 @@
           <a:p>
             <a:fld id="{AE1A547C-B457-A943-8000-9FA1EC6330E8}" type="datetimeFigureOut">
               <a:rPr kumimoji="1" lang="zh-CN" altLang="en-US" smtClean="0"/>
-              <a:t>2020/8/28</a:t>
+              <a:t>2020/8/31</a:t>
             </a:fld>
             <a:endParaRPr kumimoji="1" lang="zh-CN" altLang="en-US"/>
           </a:p>
@@ -3008,7 +3008,7 @@
           <a:p>
             <a:fld id="{AE1A547C-B457-A943-8000-9FA1EC6330E8}" type="datetimeFigureOut">
               <a:rPr kumimoji="1" lang="zh-CN" altLang="en-US" smtClean="0"/>
-              <a:t>2020/8/28</a:t>
+              <a:t>2020/8/31</a:t>
             </a:fld>
             <a:endParaRPr kumimoji="1" lang="zh-CN" altLang="en-US"/>
           </a:p>
@@ -4712,7 +4712,17 @@
               <a:rPr kumimoji="1" lang="en-US" altLang="zh-CN" dirty="0" smtClean="0"/>
               <a:t>Install on server</a:t>
             </a:r>
-            <a:endParaRPr kumimoji="1" lang="en-US" altLang="zh-CN" dirty="0"/>
+          </a:p>
+          <a:p>
+            <a:r>
+              <a:rPr lang="en-US" altLang="zh-CN"/>
+              <a:t>zero-day </a:t>
+            </a:r>
+            <a:r>
+              <a:rPr kumimoji="1" lang="en-US" altLang="zh-CN" smtClean="0"/>
+              <a:t>problem</a:t>
+            </a:r>
+            <a:endParaRPr lang="en-US" altLang="zh-CN"/>
           </a:p>
         </p:txBody>
       </p:sp>
@@ -5034,8 +5044,8 @@
           </a:p>
           <a:p>
             <a:r>
-              <a:rPr kumimoji="1" lang="en-US" altLang="zh-CN" dirty="0" smtClean="0"/>
-              <a:t>Dataset.</a:t>
+              <a:rPr kumimoji="1" lang="en-US" altLang="zh-CN" smtClean="0"/>
+              <a:t>Datasets.</a:t>
             </a:r>
             <a:endParaRPr kumimoji="1" lang="en-US" altLang="zh-CN" dirty="0"/>
           </a:p>
@@ -5215,11 +5225,7 @@
           <a:p>
             <a:r>
               <a:rPr kumimoji="1" lang="en-US" altLang="zh-CN" dirty="0" smtClean="0"/>
-              <a:t>Ph</a:t>
-            </a:r>
-            <a:r>
-              <a:rPr kumimoji="1" lang="en-US" altLang="zh-CN" dirty="0" smtClean="0"/>
-              <a:t>ishing Features</a:t>
+              <a:t>Phishing Features</a:t>
             </a:r>
             <a:endParaRPr kumimoji="1" lang="zh-CN" altLang="en-US" dirty="0"/>
           </a:p>
@@ -5468,7 +5474,6 @@
               <a:rPr kumimoji="1" lang="en-US" altLang="zh-CN" dirty="0" smtClean="0"/>
               <a:t>features</a:t>
             </a:r>
-            <a:endParaRPr kumimoji="1" lang="en-US" altLang="zh-CN" dirty="0" smtClean="0"/>
           </a:p>
           <a:p>
             <a:r>
